--- a/Assignments/Presentations/2015.04.15Presentation_0.pptx
+++ b/Assignments/Presentations/2015.04.15Presentation_0.pptx
@@ -133,7 +133,7 @@
 <file path=ppt/charts/chart1.xml><?xml version="1.0" encoding="utf-8"?>
 <c:chartSpace xmlns:c="http://schemas.openxmlformats.org/drawingml/2006/chart" xmlns:a="http://schemas.openxmlformats.org/drawingml/2006/main" xmlns:r="http://schemas.openxmlformats.org/officeDocument/2006/relationships">
   <c:date1904 val="0"/>
-  <c:lang val="fr-FR"/>
+  <c:lang val="en-US"/>
   <c:roundedCorners val="0"/>
   <mc:AlternateContent xmlns:mc="http://schemas.openxmlformats.org/markup-compatibility/2006">
     <mc:Choice xmlns:c14="http://schemas.microsoft.com/office/drawing/2007/8/2/chart" Requires="c14">
@@ -201,7 +201,7 @@
               <a:cs typeface="+mn-cs"/>
             </a:defRPr>
           </a:pPr>
-          <a:endParaRPr lang="fr-FR"/>
+          <a:endParaRPr lang="de-DE"/>
         </a:p>
       </c:txPr>
     </c:title>
@@ -357,11 +357,11 @@
         </c:dLbls>
         <c:gapWidth val="150"/>
         <c:overlap val="100"/>
-        <c:axId val="456586512"/>
-        <c:axId val="456591408"/>
+        <c:axId val="140097824"/>
+        <c:axId val="140098384"/>
       </c:barChart>
       <c:catAx>
-        <c:axId val="456586512"/>
+        <c:axId val="140097824"/>
         <c:scaling>
           <c:orientation val="minMax"/>
         </c:scaling>
@@ -401,10 +401,10 @@
                 <a:cs typeface="+mn-cs"/>
               </a:defRPr>
             </a:pPr>
-            <a:endParaRPr lang="fr-FR"/>
+            <a:endParaRPr lang="de-DE"/>
           </a:p>
         </c:txPr>
-        <c:crossAx val="456591408"/>
+        <c:crossAx val="140098384"/>
         <c:crosses val="autoZero"/>
         <c:auto val="1"/>
         <c:lblAlgn val="ctr"/>
@@ -412,7 +412,7 @@
         <c:noMultiLvlLbl val="0"/>
       </c:catAx>
       <c:valAx>
-        <c:axId val="456591408"/>
+        <c:axId val="140098384"/>
         <c:scaling>
           <c:orientation val="minMax"/>
         </c:scaling>
@@ -491,7 +491,7 @@
                   <a:cs typeface="+mn-cs"/>
                 </a:defRPr>
               </a:pPr>
-              <a:endParaRPr lang="fr-FR"/>
+              <a:endParaRPr lang="de-DE"/>
             </a:p>
           </c:txPr>
         </c:title>
@@ -528,10 +528,10 @@
                 <a:cs typeface="+mn-cs"/>
               </a:defRPr>
             </a:pPr>
-            <a:endParaRPr lang="fr-FR"/>
+            <a:endParaRPr lang="de-DE"/>
           </a:p>
         </c:txPr>
-        <c:crossAx val="456586512"/>
+        <c:crossAx val="140097824"/>
         <c:crosses val="autoZero"/>
         <c:crossBetween val="between"/>
       </c:valAx>
@@ -561,7 +561,7 @@
       <a:pPr>
         <a:defRPr/>
       </a:pPr>
-      <a:endParaRPr lang="fr-FR"/>
+      <a:endParaRPr lang="de-DE"/>
     </a:p>
   </c:txPr>
   <c:externalData r:id="rId3">
@@ -573,7 +573,7 @@
 <file path=ppt/charts/chart2.xml><?xml version="1.0" encoding="utf-8"?>
 <c:chartSpace xmlns:c="http://schemas.openxmlformats.org/drawingml/2006/chart" xmlns:a="http://schemas.openxmlformats.org/drawingml/2006/main" xmlns:r="http://schemas.openxmlformats.org/officeDocument/2006/relationships">
   <c:date1904 val="0"/>
-  <c:lang val="fr-FR"/>
+  <c:lang val="en-US"/>
   <c:roundedCorners val="0"/>
   <mc:AlternateContent xmlns:mc="http://schemas.openxmlformats.org/markup-compatibility/2006">
     <mc:Choice xmlns:c14="http://schemas.microsoft.com/office/drawing/2007/8/2/chart" Requires="c14">
@@ -644,7 +644,7 @@
               <a:cs typeface="+mn-cs"/>
             </a:defRPr>
           </a:pPr>
-          <a:endParaRPr lang="fr-FR"/>
+          <a:endParaRPr lang="de-DE"/>
         </a:p>
       </c:txPr>
     </c:title>
@@ -824,11 +824,11 @@
         </c:dLbls>
         <c:gapWidth val="150"/>
         <c:overlap val="100"/>
-        <c:axId val="604161216"/>
-        <c:axId val="604173728"/>
+        <c:axId val="140897504"/>
+        <c:axId val="140898064"/>
       </c:barChart>
       <c:catAx>
-        <c:axId val="604161216"/>
+        <c:axId val="140897504"/>
         <c:scaling>
           <c:orientation val="minMax"/>
         </c:scaling>
@@ -868,10 +868,10 @@
                 <a:cs typeface="+mn-cs"/>
               </a:defRPr>
             </a:pPr>
-            <a:endParaRPr lang="fr-FR"/>
+            <a:endParaRPr lang="de-DE"/>
           </a:p>
         </c:txPr>
-        <c:crossAx val="604173728"/>
+        <c:crossAx val="140898064"/>
         <c:crosses val="autoZero"/>
         <c:auto val="1"/>
         <c:lblAlgn val="ctr"/>
@@ -879,7 +879,7 @@
         <c:noMultiLvlLbl val="0"/>
       </c:catAx>
       <c:valAx>
-        <c:axId val="604173728"/>
+        <c:axId val="140898064"/>
         <c:scaling>
           <c:orientation val="minMax"/>
         </c:scaling>
@@ -958,7 +958,7 @@
                   <a:cs typeface="+mn-cs"/>
                 </a:defRPr>
               </a:pPr>
-              <a:endParaRPr lang="fr-FR"/>
+              <a:endParaRPr lang="de-DE"/>
             </a:p>
           </c:txPr>
         </c:title>
@@ -995,10 +995,10 @@
                 <a:cs typeface="+mn-cs"/>
               </a:defRPr>
             </a:pPr>
-            <a:endParaRPr lang="fr-FR"/>
+            <a:endParaRPr lang="de-DE"/>
           </a:p>
         </c:txPr>
-        <c:crossAx val="604161216"/>
+        <c:crossAx val="140897504"/>
         <c:crosses val="autoZero"/>
         <c:crossBetween val="between"/>
       </c:valAx>
@@ -1028,7 +1028,7 @@
       <a:pPr>
         <a:defRPr/>
       </a:pPr>
-      <a:endParaRPr lang="fr-FR"/>
+      <a:endParaRPr lang="de-DE"/>
     </a:p>
   </c:txPr>
   <c:externalData r:id="rId3">
@@ -3766,6 +3766,13 @@
         </dgm:presLayoutVars>
       </dgm:prSet>
       <dgm:spPr/>
+      <dgm:t>
+        <a:bodyPr/>
+        <a:lstStyle/>
+        <a:p>
+          <a:endParaRPr lang="de-DE"/>
+        </a:p>
+      </dgm:t>
     </dgm:pt>
     <dgm:pt modelId="{E2944459-30FB-4A39-B98C-CA50DEBD0FE0}" type="pres">
       <dgm:prSet presAssocID="{4BC937DE-DF2D-4FFA-B88A-E5338D433781}" presName="node" presStyleLbl="node1" presStyleIdx="0" presStyleCnt="4">
@@ -3844,12 +3851,12 @@
     <dgm:cxn modelId="{EA964E5A-0F21-4B5C-A64D-CA89E6288569}" srcId="{A6A559D5-1DBD-4A1B-9C84-11DD56731C42}" destId="{79BB08CC-B1E6-4B7E-AAC7-C38E3794C471}" srcOrd="3" destOrd="0" parTransId="{79FCF712-FC52-4ADC-8363-FF580A03414F}" sibTransId="{F81AD888-DC39-470D-9E86-5AFCF642058A}"/>
     <dgm:cxn modelId="{A03E7F38-CE1C-495F-BAEA-335F84444089}" srcId="{4BC937DE-DF2D-4FFA-B88A-E5338D433781}" destId="{DF67D3F8-523E-4C91-BB8A-E88FF3BFFE71}" srcOrd="3" destOrd="0" parTransId="{776E9636-B39C-4C43-9485-EA8BE7D27246}" sibTransId="{3A784D4E-F6F9-4F82-8C2D-28CB5494BDA9}"/>
     <dgm:cxn modelId="{F050917F-D2E7-48FA-8D61-82FB9A70F224}" type="presOf" srcId="{B0E30588-1614-4F1A-B863-E835765ED56C}" destId="{3E78A654-C050-4A6D-AE20-E7E88B2A53F2}" srcOrd="0" destOrd="0" presId="urn:microsoft.com/office/officeart/2005/8/layout/hList6"/>
+    <dgm:cxn modelId="{61DA9AEE-1CB0-42A8-AC4B-166484BECF66}" type="presOf" srcId="{CE19F13A-CB44-4A8D-A9DE-3451DBC6BCD6}" destId="{5F91C283-CBEC-401B-9811-6B9815385BF4}" srcOrd="0" destOrd="5" presId="urn:microsoft.com/office/officeart/2005/8/layout/hList6"/>
     <dgm:cxn modelId="{E27A3E35-0074-4994-8618-9A87552FAD80}" srcId="{173A95D6-627F-4EE4-B440-3E9FBF53A473}" destId="{D06940CB-7C21-4684-9A28-0F376CFC6BB8}" srcOrd="0" destOrd="0" parTransId="{B6547EBC-6C49-4161-BCE7-441B352A2CAF}" sibTransId="{725F1AA7-33C5-4E46-B6D5-297EACADC6A4}"/>
-    <dgm:cxn modelId="{61DA9AEE-1CB0-42A8-AC4B-166484BECF66}" type="presOf" srcId="{CE19F13A-CB44-4A8D-A9DE-3451DBC6BCD6}" destId="{5F91C283-CBEC-401B-9811-6B9815385BF4}" srcOrd="0" destOrd="5" presId="urn:microsoft.com/office/officeart/2005/8/layout/hList6"/>
     <dgm:cxn modelId="{9B22B0F5-4115-4688-B33F-8E82FC2FBCD2}" type="presOf" srcId="{26C7AD60-0846-4829-95EF-6583E73D0D36}" destId="{5F91C283-CBEC-401B-9811-6B9815385BF4}" srcOrd="0" destOrd="1" presId="urn:microsoft.com/office/officeart/2005/8/layout/hList6"/>
     <dgm:cxn modelId="{0C3CBF50-B7AD-4EDC-BE45-297706ED79D1}" srcId="{B0E30588-1614-4F1A-B863-E835765ED56C}" destId="{A6A559D5-1DBD-4A1B-9C84-11DD56731C42}" srcOrd="1" destOrd="0" parTransId="{E9CD7B0A-A9C5-40E3-8CD5-A97713D4689B}" sibTransId="{F60A93E9-AA93-4486-A62B-5CD6148AEC90}"/>
+    <dgm:cxn modelId="{DC7DDA08-F571-47D7-8A6B-C2E56FC35BBA}" type="presOf" srcId="{A6A559D5-1DBD-4A1B-9C84-11DD56731C42}" destId="{07112225-DBE3-4767-B863-B33AE5135511}" srcOrd="0" destOrd="0" presId="urn:microsoft.com/office/officeart/2005/8/layout/hList6"/>
     <dgm:cxn modelId="{184F8CAB-05C6-4D91-8F21-795A44F98C4D}" type="presOf" srcId="{79BB08CC-B1E6-4B7E-AAC7-C38E3794C471}" destId="{07112225-DBE3-4767-B863-B33AE5135511}" srcOrd="0" destOrd="4" presId="urn:microsoft.com/office/officeart/2005/8/layout/hList6"/>
-    <dgm:cxn modelId="{DC7DDA08-F571-47D7-8A6B-C2E56FC35BBA}" type="presOf" srcId="{A6A559D5-1DBD-4A1B-9C84-11DD56731C42}" destId="{07112225-DBE3-4767-B863-B33AE5135511}" srcOrd="0" destOrd="0" presId="urn:microsoft.com/office/officeart/2005/8/layout/hList6"/>
     <dgm:cxn modelId="{5547B623-2397-4102-849D-E1933C084766}" srcId="{B0E30588-1614-4F1A-B863-E835765ED56C}" destId="{173A95D6-627F-4EE4-B440-3E9FBF53A473}" srcOrd="2" destOrd="0" parTransId="{EF491163-C474-4FE6-9611-CBC8688EE962}" sibTransId="{A86BF36B-FF95-4A8D-A3B3-8897AC9FD386}"/>
     <dgm:cxn modelId="{4C204BEB-7C82-49B9-B439-BE50EF3FF009}" type="presOf" srcId="{924F9493-B6F4-4681-98A9-DF6C585A595D}" destId="{07112225-DBE3-4767-B863-B33AE5135511}" srcOrd="0" destOrd="2" presId="urn:microsoft.com/office/officeart/2005/8/layout/hList6"/>
     <dgm:cxn modelId="{99D4D824-F7FC-4B0B-9292-345DD6D42BFB}" type="presOf" srcId="{08CB5A2F-393F-464E-A882-D9ED7D44C396}" destId="{B790B033-8861-44F9-A411-A64891A1F78D}" srcOrd="0" destOrd="3" presId="urn:microsoft.com/office/officeart/2005/8/layout/hList6"/>
@@ -3859,14 +3866,14 @@
     <dgm:cxn modelId="{860E6A07-10A9-4F32-9CC8-BF5127198212}" srcId="{173A95D6-627F-4EE4-B440-3E9FBF53A473}" destId="{7EDB0E82-0C3F-4570-AE44-2ADE5BD8875A}" srcOrd="1" destOrd="0" parTransId="{8DACBAF6-298B-4E56-85CF-A70C60893CF4}" sibTransId="{C34F397A-67E9-48FF-B84B-B87BFF785F57}"/>
     <dgm:cxn modelId="{E8D0E561-F515-47BF-A061-95095C2CCD62}" type="presOf" srcId="{6F30B221-5C40-4FBA-9427-2F0B5413EADD}" destId="{5F91C283-CBEC-401B-9811-6B9815385BF4}" srcOrd="0" destOrd="4" presId="urn:microsoft.com/office/officeart/2005/8/layout/hList6"/>
     <dgm:cxn modelId="{92FC21F7-0B3C-47F5-84F5-C834D753B808}" type="presOf" srcId="{A446800D-2712-4870-A860-B80692232F7F}" destId="{5F91C283-CBEC-401B-9811-6B9815385BF4}" srcOrd="0" destOrd="2" presId="urn:microsoft.com/office/officeart/2005/8/layout/hList6"/>
+    <dgm:cxn modelId="{9DEDE0B0-F2D5-44CC-BCD4-4B0A8CD8E28A}" srcId="{A6A559D5-1DBD-4A1B-9C84-11DD56731C42}" destId="{924F9493-B6F4-4681-98A9-DF6C585A595D}" srcOrd="1" destOrd="0" parTransId="{A520016C-8EAA-4AE5-82EF-925B6EBECA66}" sibTransId="{DC434730-29E2-4201-BB96-5CE99D4247F9}"/>
     <dgm:cxn modelId="{95944B8F-0B58-4BA7-BB55-7B4993E59751}" type="presOf" srcId="{5D5A5A7A-2479-432D-B9E6-B45F78D27CE5}" destId="{E2944459-30FB-4A39-B98C-CA50DEBD0FE0}" srcOrd="0" destOrd="1" presId="urn:microsoft.com/office/officeart/2005/8/layout/hList6"/>
-    <dgm:cxn modelId="{9DEDE0B0-F2D5-44CC-BCD4-4B0A8CD8E28A}" srcId="{A6A559D5-1DBD-4A1B-9C84-11DD56731C42}" destId="{924F9493-B6F4-4681-98A9-DF6C585A595D}" srcOrd="1" destOrd="0" parTransId="{A520016C-8EAA-4AE5-82EF-925B6EBECA66}" sibTransId="{DC434730-29E2-4201-BB96-5CE99D4247F9}"/>
     <dgm:cxn modelId="{6FD66FB2-4BBD-41E5-8B29-C08F0C2F1235}" srcId="{4BC937DE-DF2D-4FFA-B88A-E5338D433781}" destId="{5D5A5A7A-2479-432D-B9E6-B45F78D27CE5}" srcOrd="0" destOrd="0" parTransId="{AF8022CA-2430-4D45-AF80-C8A2250D1DDE}" sibTransId="{453A98B2-D262-4DFF-9306-9A4A4C5EA18E}"/>
     <dgm:cxn modelId="{327AC2D3-6232-4819-9A96-43387153053B}" type="presOf" srcId="{2C240D2F-E71A-43C1-9CF6-01F5C8127177}" destId="{E2944459-30FB-4A39-B98C-CA50DEBD0FE0}" srcOrd="0" destOrd="5" presId="urn:microsoft.com/office/officeart/2005/8/layout/hList6"/>
     <dgm:cxn modelId="{81214B5E-1E77-4401-A8B2-667E0A6FC00E}" srcId="{C9B12C90-8B57-400E-AFDB-85B1CC8B63C9}" destId="{26C7AD60-0846-4829-95EF-6583E73D0D36}" srcOrd="0" destOrd="0" parTransId="{EAAAA668-267A-43EB-B99E-EE7ECDB0FF43}" sibTransId="{1B670C0F-69C8-493E-97A2-A21B8EEA14C6}"/>
     <dgm:cxn modelId="{E8AFD954-4EE8-48D0-8618-3C0024AEDB72}" type="presOf" srcId="{7EDB0E82-0C3F-4570-AE44-2ADE5BD8875A}" destId="{B790B033-8861-44F9-A411-A64891A1F78D}" srcOrd="0" destOrd="2" presId="urn:microsoft.com/office/officeart/2005/8/layout/hList6"/>
+    <dgm:cxn modelId="{DA694487-5C68-4FCE-8B32-F1A86F93E8B1}" srcId="{A6A559D5-1DBD-4A1B-9C84-11DD56731C42}" destId="{127057A1-3005-47EE-9DA0-5BB7EF177F1C}" srcOrd="2" destOrd="0" parTransId="{9D16DEC4-F8E8-4856-8AEA-113C6AD38A38}" sibTransId="{6C12C3BE-D1E7-4B42-A1DE-7B098BAFB04F}"/>
     <dgm:cxn modelId="{BC5B958A-70C6-4C59-A9A3-5687F8CCC5C2}" type="presOf" srcId="{C9B12C90-8B57-400E-AFDB-85B1CC8B63C9}" destId="{5F91C283-CBEC-401B-9811-6B9815385BF4}" srcOrd="0" destOrd="0" presId="urn:microsoft.com/office/officeart/2005/8/layout/hList6"/>
-    <dgm:cxn modelId="{DA694487-5C68-4FCE-8B32-F1A86F93E8B1}" srcId="{A6A559D5-1DBD-4A1B-9C84-11DD56731C42}" destId="{127057A1-3005-47EE-9DA0-5BB7EF177F1C}" srcOrd="2" destOrd="0" parTransId="{9D16DEC4-F8E8-4856-8AEA-113C6AD38A38}" sibTransId="{6C12C3BE-D1E7-4B42-A1DE-7B098BAFB04F}"/>
     <dgm:cxn modelId="{E360E79E-4455-477E-AFF0-18B1A6AA90E3}" srcId="{C9B12C90-8B57-400E-AFDB-85B1CC8B63C9}" destId="{340ABA22-01E9-4FF1-993F-9F90A8EDD93C}" srcOrd="2" destOrd="0" parTransId="{5A45E56C-469B-437B-87B6-2731BE76489F}" sibTransId="{705F9002-865E-4D4A-9DD4-9FF937E35BC7}"/>
     <dgm:cxn modelId="{F284ED83-3A6B-41AE-96D6-F2E5F5652038}" type="presOf" srcId="{D5D44B7F-AA41-424D-A05E-93AA86CAC2AD}" destId="{07112225-DBE3-4767-B863-B33AE5135511}" srcOrd="0" destOrd="1" presId="urn:microsoft.com/office/officeart/2005/8/layout/hList6"/>
     <dgm:cxn modelId="{95477E30-4688-40A7-B74E-F4BEC8BFC79F}" srcId="{A6A559D5-1DBD-4A1B-9C84-11DD56731C42}" destId="{D5D44B7F-AA41-424D-A05E-93AA86CAC2AD}" srcOrd="0" destOrd="0" parTransId="{7D6CC85D-1A55-48FC-8B24-98362ACCB633}" sibTransId="{B6529680-4D05-4FBF-A607-3BB1FC919F3C}"/>
@@ -3878,14 +3885,14 @@
     <dgm:cxn modelId="{FC03A96D-B518-4F52-A0A3-BF13B5F1F1EA}" type="presOf" srcId="{340ABA22-01E9-4FF1-993F-9F90A8EDD93C}" destId="{5F91C283-CBEC-401B-9811-6B9815385BF4}" srcOrd="0" destOrd="3" presId="urn:microsoft.com/office/officeart/2005/8/layout/hList6"/>
     <dgm:cxn modelId="{754FCB48-B71B-48F4-8D2E-BEEEB5B5ADDC}" srcId="{A6A559D5-1DBD-4A1B-9C84-11DD56731C42}" destId="{5F008396-1FAF-4AD2-93C9-694E6D2BF1F8}" srcOrd="4" destOrd="0" parTransId="{A9C9237E-A9D6-4A17-BD9B-68978D3D5C6D}" sibTransId="{9D00E550-C864-46CD-AE9D-B1AF962526B1}"/>
     <dgm:cxn modelId="{FE86D344-0688-4B61-B749-A4CAA969983A}" type="presOf" srcId="{E66BEFBB-91E6-4BA8-BDAD-7EE83CE7BD62}" destId="{E2944459-30FB-4A39-B98C-CA50DEBD0FE0}" srcOrd="0" destOrd="3" presId="urn:microsoft.com/office/officeart/2005/8/layout/hList6"/>
+    <dgm:cxn modelId="{8922FE34-5936-40CF-A124-57538CA090E7}" srcId="{C9B12C90-8B57-400E-AFDB-85B1CC8B63C9}" destId="{6F30B221-5C40-4FBA-9427-2F0B5413EADD}" srcOrd="3" destOrd="0" parTransId="{6A9AA358-48AC-4FC2-9543-0955AE191018}" sibTransId="{5268864B-A751-4738-994C-C7296370875B}"/>
     <dgm:cxn modelId="{D53CB57D-4399-4910-B880-55C5D881DF75}" type="presOf" srcId="{22B59ABE-7B41-47B6-A407-81A19262CE66}" destId="{E2944459-30FB-4A39-B98C-CA50DEBD0FE0}" srcOrd="0" destOrd="2" presId="urn:microsoft.com/office/officeart/2005/8/layout/hList6"/>
-    <dgm:cxn modelId="{8922FE34-5936-40CF-A124-57538CA090E7}" srcId="{C9B12C90-8B57-400E-AFDB-85B1CC8B63C9}" destId="{6F30B221-5C40-4FBA-9427-2F0B5413EADD}" srcOrd="3" destOrd="0" parTransId="{6A9AA358-48AC-4FC2-9543-0955AE191018}" sibTransId="{5268864B-A751-4738-994C-C7296370875B}"/>
     <dgm:cxn modelId="{F234136F-0AEE-4ED3-9C9D-92DFB964DF96}" type="presOf" srcId="{D06940CB-7C21-4684-9A28-0F376CFC6BB8}" destId="{B790B033-8861-44F9-A411-A64891A1F78D}" srcOrd="0" destOrd="1" presId="urn:microsoft.com/office/officeart/2005/8/layout/hList6"/>
     <dgm:cxn modelId="{B5C73BD3-7E4C-40C2-A95E-ADF73D8B2256}" srcId="{B0E30588-1614-4F1A-B863-E835765ED56C}" destId="{4BC937DE-DF2D-4FFA-B88A-E5338D433781}" srcOrd="0" destOrd="0" parTransId="{1835388E-52BA-4E72-8792-3A12EDB4C03B}" sibTransId="{F59B1304-AA1E-4810-9E72-0861E45F8AE6}"/>
     <dgm:cxn modelId="{8A517DDD-C1DF-4CAA-AAE5-CCDE04277E9B}" type="presOf" srcId="{173A95D6-627F-4EE4-B440-3E9FBF53A473}" destId="{B790B033-8861-44F9-A411-A64891A1F78D}" srcOrd="0" destOrd="0" presId="urn:microsoft.com/office/officeart/2005/8/layout/hList6"/>
-    <dgm:cxn modelId="{C1EB94C4-3409-4152-8092-E35309B80ED3}" type="presOf" srcId="{4BC937DE-DF2D-4FFA-B88A-E5338D433781}" destId="{E2944459-30FB-4A39-B98C-CA50DEBD0FE0}" srcOrd="0" destOrd="0" presId="urn:microsoft.com/office/officeart/2005/8/layout/hList6"/>
     <dgm:cxn modelId="{AA84AAB7-CA17-40C5-A465-15DA0C289E43}" srcId="{C9B12C90-8B57-400E-AFDB-85B1CC8B63C9}" destId="{A446800D-2712-4870-A860-B80692232F7F}" srcOrd="1" destOrd="0" parTransId="{D5CB3F02-2D52-4C7C-B42D-1F2F79D73300}" sibTransId="{21E781E9-0AC7-4C2B-9DB1-F96922E5188D}"/>
     <dgm:cxn modelId="{88D56E5A-A386-4511-98DB-B41DB3305915}" type="presOf" srcId="{127057A1-3005-47EE-9DA0-5BB7EF177F1C}" destId="{07112225-DBE3-4767-B863-B33AE5135511}" srcOrd="0" destOrd="3" presId="urn:microsoft.com/office/officeart/2005/8/layout/hList6"/>
+    <dgm:cxn modelId="{C1EB94C4-3409-4152-8092-E35309B80ED3}" type="presOf" srcId="{4BC937DE-DF2D-4FFA-B88A-E5338D433781}" destId="{E2944459-30FB-4A39-B98C-CA50DEBD0FE0}" srcOrd="0" destOrd="0" presId="urn:microsoft.com/office/officeart/2005/8/layout/hList6"/>
     <dgm:cxn modelId="{56A39AAE-6DA0-429E-9B61-C1B68FD07691}" type="presParOf" srcId="{3E78A654-C050-4A6D-AE20-E7E88B2A53F2}" destId="{E2944459-30FB-4A39-B98C-CA50DEBD0FE0}" srcOrd="0" destOrd="0" presId="urn:microsoft.com/office/officeart/2005/8/layout/hList6"/>
     <dgm:cxn modelId="{EBC8954A-EE2E-4089-B4B5-DB4EA99C6E58}" type="presParOf" srcId="{3E78A654-C050-4A6D-AE20-E7E88B2A53F2}" destId="{50494F57-9413-46C6-806C-1F0BC7375A67}" srcOrd="1" destOrd="0" presId="urn:microsoft.com/office/officeart/2005/8/layout/hList6"/>
     <dgm:cxn modelId="{7FA9A8C4-0A23-48D0-A95B-976E3B06590C}" type="presParOf" srcId="{3E78A654-C050-4A6D-AE20-E7E88B2A53F2}" destId="{07112225-DBE3-4767-B863-B33AE5135511}" srcOrd="2" destOrd="0" presId="urn:microsoft.com/office/officeart/2005/8/layout/hList6"/>
@@ -6096,7 +6103,7 @@
           <a:p>
             <a:fld id="{D376626B-8044-4126-A03C-8C0AE257EC41}" type="slidenum">
               <a:rPr lang="fr-FR" smtClean="0"/>
-              <a:t>‹N°›</a:t>
+              <a:t>‹#›</a:t>
             </a:fld>
             <a:endParaRPr lang="fr-FR"/>
           </a:p>
@@ -6304,7 +6311,7 @@
           <a:p>
             <a:fld id="{D376626B-8044-4126-A03C-8C0AE257EC41}" type="slidenum">
               <a:rPr lang="fr-FR" smtClean="0"/>
-              <a:t>‹N°›</a:t>
+              <a:t>‹#›</a:t>
             </a:fld>
             <a:endParaRPr lang="fr-FR"/>
           </a:p>
@@ -6560,7 +6567,7 @@
           <a:p>
             <a:fld id="{D376626B-8044-4126-A03C-8C0AE257EC41}" type="slidenum">
               <a:rPr lang="fr-FR" smtClean="0"/>
-              <a:t>‹N°›</a:t>
+              <a:t>‹#›</a:t>
             </a:fld>
             <a:endParaRPr lang="fr-FR"/>
           </a:p>
@@ -6730,7 +6737,7 @@
           <a:p>
             <a:fld id="{D376626B-8044-4126-A03C-8C0AE257EC41}" type="slidenum">
               <a:rPr lang="fr-FR" smtClean="0"/>
-              <a:t>‹N°›</a:t>
+              <a:t>‹#›</a:t>
             </a:fld>
             <a:endParaRPr lang="fr-FR"/>
           </a:p>
@@ -7073,7 +7080,7 @@
           <a:p>
             <a:fld id="{D376626B-8044-4126-A03C-8C0AE257EC41}" type="slidenum">
               <a:rPr lang="fr-FR" smtClean="0"/>
-              <a:t>‹N°›</a:t>
+              <a:t>‹#›</a:t>
             </a:fld>
             <a:endParaRPr lang="fr-FR"/>
           </a:p>
@@ -7348,7 +7355,7 @@
           <a:p>
             <a:fld id="{D376626B-8044-4126-A03C-8C0AE257EC41}" type="slidenum">
               <a:rPr lang="fr-FR" smtClean="0"/>
-              <a:t>‹N°›</a:t>
+              <a:t>‹#›</a:t>
             </a:fld>
             <a:endParaRPr lang="fr-FR"/>
           </a:p>
@@ -7727,7 +7734,7 @@
           <a:p>
             <a:fld id="{D376626B-8044-4126-A03C-8C0AE257EC41}" type="slidenum">
               <a:rPr lang="fr-FR" smtClean="0"/>
-              <a:t>‹N°›</a:t>
+              <a:t>‹#›</a:t>
             </a:fld>
             <a:endParaRPr lang="fr-FR"/>
           </a:p>
@@ -7845,7 +7852,7 @@
           <a:p>
             <a:fld id="{D376626B-8044-4126-A03C-8C0AE257EC41}" type="slidenum">
               <a:rPr lang="fr-FR" smtClean="0"/>
-              <a:t>‹N°›</a:t>
+              <a:t>‹#›</a:t>
             </a:fld>
             <a:endParaRPr lang="fr-FR"/>
           </a:p>
@@ -8024,7 +8031,7 @@
           <a:p>
             <a:fld id="{D376626B-8044-4126-A03C-8C0AE257EC41}" type="slidenum">
               <a:rPr lang="fr-FR" smtClean="0"/>
-              <a:t>‹N°›</a:t>
+              <a:t>‹#›</a:t>
             </a:fld>
             <a:endParaRPr lang="fr-FR"/>
           </a:p>
@@ -8391,7 +8398,7 @@
           <a:p>
             <a:fld id="{D376626B-8044-4126-A03C-8C0AE257EC41}" type="slidenum">
               <a:rPr lang="fr-FR" smtClean="0"/>
-              <a:t>‹N°›</a:t>
+              <a:t>‹#›</a:t>
             </a:fld>
             <a:endParaRPr lang="fr-FR"/>
           </a:p>
@@ -8747,7 +8754,7 @@
           <a:p>
             <a:fld id="{D376626B-8044-4126-A03C-8C0AE257EC41}" type="slidenum">
               <a:rPr lang="fr-FR" smtClean="0"/>
-              <a:t>‹N°›</a:t>
+              <a:t>‹#›</a:t>
             </a:fld>
             <a:endParaRPr lang="fr-FR"/>
           </a:p>
@@ -9066,7 +9073,7 @@
           <a:p>
             <a:fld id="{D376626B-8044-4126-A03C-8C0AE257EC41}" type="slidenum">
               <a:rPr lang="fr-FR" smtClean="0"/>
-              <a:t>‹N°›</a:t>
+              <a:t>‹#›</a:t>
             </a:fld>
             <a:endParaRPr lang="fr-FR"/>
           </a:p>
@@ -9110,6 +9117,58 @@
           </a:fontRef>
         </p:style>
       </p:cxnSp>
+      <p:sp>
+        <p:nvSpPr>
+          <p:cNvPr id="12" name="Rectangle 11"/>
+          <p:cNvSpPr>
+            <a:spLocks noChangeAspect="1"/>
+          </p:cNvSpPr>
+          <p:nvPr userDrawn="1"/>
+        </p:nvSpPr>
+        <p:spPr>
+          <a:xfrm>
+            <a:off x="10400818" y="711907"/>
+            <a:ext cx="757268" cy="1025695"/>
+          </a:xfrm>
+          <a:prstGeom prst="rect">
+            <a:avLst/>
+          </a:prstGeom>
+          <a:blipFill dpi="0" rotWithShape="1">
+            <a:blip r:embed="rId13"/>
+            <a:srcRect/>
+            <a:stretch>
+              <a:fillRect/>
+            </a:stretch>
+          </a:blipFill>
+          <a:ln>
+            <a:noFill/>
+          </a:ln>
+        </p:spPr>
+        <p:style>
+          <a:lnRef idx="2">
+            <a:schemeClr val="accent1">
+              <a:shade val="50000"/>
+            </a:schemeClr>
+          </a:lnRef>
+          <a:fillRef idx="1">
+            <a:schemeClr val="accent1"/>
+          </a:fillRef>
+          <a:effectRef idx="0">
+            <a:schemeClr val="accent1"/>
+          </a:effectRef>
+          <a:fontRef idx="minor">
+            <a:schemeClr val="lt1"/>
+          </a:fontRef>
+        </p:style>
+        <p:txBody>
+          <a:bodyPr rtlCol="0" anchor="ctr"/>
+          <a:lstStyle/>
+          <a:p>
+            <a:pPr algn="ctr"/>
+            <a:endParaRPr lang="de-DE"/>
+          </a:p>
+        </p:txBody>
+      </p:sp>
     </p:spTree>
     <p:extLst>
       <p:ext uri="{BB962C8B-B14F-4D97-AF65-F5344CB8AC3E}">
@@ -9496,6 +9555,22 @@
       </a:lvl9pPr>
     </p:otherStyle>
   </p:txStyles>
+  <p:extLst>
+    <p:ext uri="{27BBF7A9-308A-43DC-89C8-2F10F3537804}">
+      <p15:sldGuideLst xmlns:p15="http://schemas.microsoft.com/office/powerpoint/2012/main">
+        <p15:guide id="1" pos="3840" userDrawn="1">
+          <p15:clr>
+            <a:srgbClr val="F26B43"/>
+          </p15:clr>
+        </p15:guide>
+        <p15:guide id="2" orient="horz" pos="2160" userDrawn="1">
+          <p15:clr>
+            <a:srgbClr val="F26B43"/>
+          </p15:clr>
+        </p15:guide>
+      </p15:sldGuideLst>
+    </p:ext>
+  </p:extLst>
 </p:sldMaster>
 </file>
 
@@ -9555,6 +9630,60 @@
           <a:lstStyle/>
           <a:p>
             <a:endParaRPr lang="fr-FR" dirty="0"/>
+          </a:p>
+        </p:txBody>
+      </p:sp>
+      <p:sp>
+        <p:nvSpPr>
+          <p:cNvPr id="8" name="Rectangle 7"/>
+          <p:cNvSpPr>
+            <a:spLocks noChangeAspect="1"/>
+          </p:cNvSpPr>
+          <p:nvPr/>
+        </p:nvSpPr>
+        <p:spPr>
+          <a:xfrm>
+            <a:off x="1407474" y="103786"/>
+            <a:ext cx="9601301" cy="4778518"/>
+          </a:xfrm>
+          <a:prstGeom prst="rect">
+            <a:avLst/>
+          </a:prstGeom>
+          <a:blipFill dpi="0" rotWithShape="1">
+            <a:blip r:embed="rId2">
+              <a:alphaModFix amt="5000"/>
+            </a:blip>
+            <a:srcRect/>
+            <a:stretch>
+              <a:fillRect/>
+            </a:stretch>
+          </a:blipFill>
+          <a:ln>
+            <a:noFill/>
+          </a:ln>
+        </p:spPr>
+        <p:style>
+          <a:lnRef idx="2">
+            <a:schemeClr val="accent1">
+              <a:shade val="50000"/>
+            </a:schemeClr>
+          </a:lnRef>
+          <a:fillRef idx="1">
+            <a:schemeClr val="accent1"/>
+          </a:fillRef>
+          <a:effectRef idx="0">
+            <a:schemeClr val="accent1"/>
+          </a:effectRef>
+          <a:fontRef idx="minor">
+            <a:schemeClr val="lt1"/>
+          </a:fontRef>
+        </p:style>
+        <p:txBody>
+          <a:bodyPr rtlCol="0" anchor="ctr"/>
+          <a:lstStyle/>
+          <a:p>
+            <a:pPr algn="ctr"/>
+            <a:endParaRPr lang="de-DE"/>
           </a:p>
         </p:txBody>
       </p:sp>
@@ -9632,6 +9761,49 @@
             <a:chExt cx="3162319" cy="3832860"/>
           </a:xfrm>
         </p:grpSpPr>
+        <p:sp>
+          <p:nvSpPr>
+            <p:cNvPr id="9" name="矩形 21"/>
+            <p:cNvSpPr/>
+            <p:nvPr/>
+          </p:nvSpPr>
+          <p:spPr>
+            <a:xfrm>
+              <a:off x="4739640" y="1927860"/>
+              <a:ext cx="2987040" cy="3832860"/>
+            </a:xfrm>
+            <a:prstGeom prst="rect">
+              <a:avLst/>
+            </a:prstGeom>
+            <a:solidFill>
+              <a:schemeClr val="bg1"/>
+            </a:solidFill>
+          </p:spPr>
+          <p:style>
+            <a:lnRef idx="2">
+              <a:schemeClr val="accent1">
+                <a:shade val="50000"/>
+              </a:schemeClr>
+            </a:lnRef>
+            <a:fillRef idx="1">
+              <a:schemeClr val="accent1"/>
+            </a:fillRef>
+            <a:effectRef idx="0">
+              <a:schemeClr val="accent1"/>
+            </a:effectRef>
+            <a:fontRef idx="minor">
+              <a:schemeClr val="lt1"/>
+            </a:fontRef>
+          </p:style>
+          <p:txBody>
+            <a:bodyPr rtlCol="0" anchor="ctr"/>
+            <a:lstStyle/>
+            <a:p>
+              <a:pPr algn="ctr"/>
+              <a:endParaRPr lang="zh-CN" altLang="en-US"/>
+            </a:p>
+          </p:txBody>
+        </p:sp>
         <p:grpSp>
           <p:nvGrpSpPr>
             <p:cNvPr id="5" name="组合 14"/>
@@ -9960,21 +10132,38 @@
             </a:p>
           </p:txBody>
         </p:sp>
+      </p:grpSp>
+      <p:grpSp>
+        <p:nvGrpSpPr>
+          <p:cNvPr id="15" name="组合 24"/>
+          <p:cNvGrpSpPr/>
+          <p:nvPr/>
+        </p:nvGrpSpPr>
+        <p:grpSpPr>
+          <a:xfrm>
+            <a:off x="8567204" y="1927860"/>
+            <a:ext cx="2987040" cy="3832860"/>
+            <a:chOff x="8403738" y="1783265"/>
+            <a:chExt cx="2987040" cy="3832860"/>
+          </a:xfrm>
+        </p:grpSpPr>
         <p:sp>
           <p:nvSpPr>
-            <p:cNvPr id="9" name="矩形 21"/>
+            <p:cNvPr id="18" name="矩形 23"/>
             <p:cNvSpPr/>
             <p:nvPr/>
           </p:nvSpPr>
           <p:spPr>
             <a:xfrm>
-              <a:off x="4739640" y="1927860"/>
+              <a:off x="8403738" y="1783265"/>
               <a:ext cx="2987040" cy="3832860"/>
             </a:xfrm>
             <a:prstGeom prst="rect">
               <a:avLst/>
             </a:prstGeom>
-            <a:noFill/>
+            <a:solidFill>
+              <a:schemeClr val="bg1"/>
+            </a:solidFill>
           </p:spPr>
           <p:style>
             <a:lnRef idx="2">
@@ -10001,21 +10190,6 @@
             </a:p>
           </p:txBody>
         </p:sp>
-      </p:grpSp>
-      <p:grpSp>
-        <p:nvGrpSpPr>
-          <p:cNvPr id="15" name="组合 24"/>
-          <p:cNvGrpSpPr/>
-          <p:nvPr/>
-        </p:nvGrpSpPr>
-        <p:grpSpPr>
-          <a:xfrm>
-            <a:off x="8567204" y="1927860"/>
-            <a:ext cx="2987040" cy="3832860"/>
-            <a:chOff x="8403738" y="1783265"/>
-            <a:chExt cx="2987040" cy="3832860"/>
-          </a:xfrm>
-        </p:grpSpPr>
         <p:grpSp>
           <p:nvGrpSpPr>
             <p:cNvPr id="16" name="组合 9"/>
@@ -10213,47 +10387,6 @@
                 <a:rPr lang="en-US" altLang="zh-CN" dirty="0" smtClean="0"/>
                 <a:t>Water</a:t>
               </a:r>
-            </a:p>
-          </p:txBody>
-        </p:sp>
-        <p:sp>
-          <p:nvSpPr>
-            <p:cNvPr id="18" name="矩形 23"/>
-            <p:cNvSpPr/>
-            <p:nvPr/>
-          </p:nvSpPr>
-          <p:spPr>
-            <a:xfrm>
-              <a:off x="8403738" y="1783265"/>
-              <a:ext cx="2987040" cy="3832860"/>
-            </a:xfrm>
-            <a:prstGeom prst="rect">
-              <a:avLst/>
-            </a:prstGeom>
-            <a:noFill/>
-          </p:spPr>
-          <p:style>
-            <a:lnRef idx="2">
-              <a:schemeClr val="accent1">
-                <a:shade val="50000"/>
-              </a:schemeClr>
-            </a:lnRef>
-            <a:fillRef idx="1">
-              <a:schemeClr val="accent1"/>
-            </a:fillRef>
-            <a:effectRef idx="0">
-              <a:schemeClr val="accent1"/>
-            </a:effectRef>
-            <a:fontRef idx="minor">
-              <a:schemeClr val="lt1"/>
-            </a:fontRef>
-          </p:style>
-          <p:txBody>
-            <a:bodyPr rtlCol="0" anchor="ctr"/>
-            <a:lstStyle/>
-            <a:p>
-              <a:pPr algn="ctr"/>
-              <a:endParaRPr lang="zh-CN" altLang="en-US"/>
             </a:p>
           </p:txBody>
         </p:sp>
@@ -13438,11 +13571,7 @@
                       </a:r>
                       <a:r>
                         <a:rPr lang="fr-FR" sz="1400" baseline="0" dirty="0" smtClean="0"/>
-                        <a:t> in </a:t>
-                      </a:r>
-                      <a:r>
-                        <a:rPr lang="fr-FR" sz="1400" baseline="0" dirty="0" smtClean="0"/>
-                        <a:t>2014? (</a:t>
+                        <a:t> in 2014? (</a:t>
                       </a:r>
                       <a:r>
                         <a:rPr lang="fr-FR" sz="1400" baseline="0" dirty="0" err="1" smtClean="0"/>

--- a/Assignments/Presentations/2015.04.15Presentation_0.pptx
+++ b/Assignments/Presentations/2015.04.15Presentation_0.pptx
@@ -6,13 +6,14 @@
   </p:sldMasterIdLst>
   <p:sldIdLst>
     <p:sldId id="270" r:id="rId2"/>
-    <p:sldId id="264" r:id="rId3"/>
-    <p:sldId id="269" r:id="rId4"/>
-    <p:sldId id="265" r:id="rId5"/>
-    <p:sldId id="268" r:id="rId6"/>
-    <p:sldId id="258" r:id="rId7"/>
-    <p:sldId id="260" r:id="rId8"/>
-    <p:sldId id="261" r:id="rId9"/>
+    <p:sldId id="271" r:id="rId3"/>
+    <p:sldId id="264" r:id="rId4"/>
+    <p:sldId id="269" r:id="rId5"/>
+    <p:sldId id="265" r:id="rId6"/>
+    <p:sldId id="268" r:id="rId7"/>
+    <p:sldId id="258" r:id="rId8"/>
+    <p:sldId id="260" r:id="rId9"/>
+    <p:sldId id="261" r:id="rId10"/>
   </p:sldIdLst>
   <p:sldSz cx="12192000" cy="6858000"/>
   <p:notesSz cx="6858000" cy="9144000"/>
@@ -114,12 +115,12 @@
   <p:extLst>
     <p:ext uri="{EFAFB233-063F-42B5-8137-9DF3F51BA10A}">
       <p15:sldGuideLst xmlns:p15="http://schemas.microsoft.com/office/powerpoint/2012/main">
-        <p15:guide id="1" orient="horz" pos="2160">
+        <p15:guide id="1" orient="horz" pos="2160" userDrawn="1">
           <p15:clr>
             <a:srgbClr val="A4A3A4"/>
           </p15:clr>
         </p15:guide>
-        <p15:guide id="2" pos="3840">
+        <p15:guide id="2" pos="3840" userDrawn="1">
           <p15:clr>
             <a:srgbClr val="A4A3A4"/>
           </p15:clr>
@@ -175,7 +176,6 @@
           </a:p>
         </c:rich>
       </c:tx>
-      <c:layout/>
       <c:overlay val="0"/>
       <c:spPr>
         <a:noFill/>
@@ -357,11 +357,11 @@
         </c:dLbls>
         <c:gapWidth val="150"/>
         <c:overlap val="100"/>
-        <c:axId val="140097824"/>
-        <c:axId val="140098384"/>
+        <c:axId val="136283872"/>
+        <c:axId val="136284432"/>
       </c:barChart>
       <c:catAx>
-        <c:axId val="140097824"/>
+        <c:axId val="136283872"/>
         <c:scaling>
           <c:orientation val="minMax"/>
         </c:scaling>
@@ -404,7 +404,7 @@
             <a:endParaRPr lang="de-DE"/>
           </a:p>
         </c:txPr>
-        <c:crossAx val="140098384"/>
+        <c:crossAx val="136284432"/>
         <c:crosses val="autoZero"/>
         <c:auto val="1"/>
         <c:lblAlgn val="ctr"/>
@@ -412,7 +412,7 @@
         <c:noMultiLvlLbl val="0"/>
       </c:catAx>
       <c:valAx>
-        <c:axId val="140098384"/>
+        <c:axId val="136284432"/>
         <c:scaling>
           <c:orientation val="minMax"/>
         </c:scaling>
@@ -531,7 +531,7 @@
             <a:endParaRPr lang="de-DE"/>
           </a:p>
         </c:txPr>
-        <c:crossAx val="140097824"/>
+        <c:crossAx val="136283872"/>
         <c:crosses val="autoZero"/>
         <c:crossBetween val="between"/>
       </c:valAx>
@@ -618,7 +618,6 @@
           </a:p>
         </c:rich>
       </c:tx>
-      <c:layout/>
       <c:overlay val="0"/>
       <c:spPr>
         <a:noFill/>
@@ -824,11 +823,11 @@
         </c:dLbls>
         <c:gapWidth val="150"/>
         <c:overlap val="100"/>
-        <c:axId val="140897504"/>
-        <c:axId val="140898064"/>
+        <c:axId val="136653232"/>
+        <c:axId val="136653792"/>
       </c:barChart>
       <c:catAx>
-        <c:axId val="140897504"/>
+        <c:axId val="136653232"/>
         <c:scaling>
           <c:orientation val="minMax"/>
         </c:scaling>
@@ -871,7 +870,7 @@
             <a:endParaRPr lang="de-DE"/>
           </a:p>
         </c:txPr>
-        <c:crossAx val="140898064"/>
+        <c:crossAx val="136653792"/>
         <c:crosses val="autoZero"/>
         <c:auto val="1"/>
         <c:lblAlgn val="ctr"/>
@@ -879,7 +878,7 @@
         <c:noMultiLvlLbl val="0"/>
       </c:catAx>
       <c:valAx>
-        <c:axId val="140898064"/>
+        <c:axId val="136653792"/>
         <c:scaling>
           <c:orientation val="minMax"/>
         </c:scaling>
@@ -998,7 +997,7 @@
             <a:endParaRPr lang="de-DE"/>
           </a:p>
         </c:txPr>
-        <c:crossAx val="140897504"/>
+        <c:crossAx val="136653232"/>
         <c:crosses val="autoZero"/>
         <c:crossBetween val="between"/>
       </c:valAx>
@@ -3891,8 +3890,8 @@
     <dgm:cxn modelId="{B5C73BD3-7E4C-40C2-A95E-ADF73D8B2256}" srcId="{B0E30588-1614-4F1A-B863-E835765ED56C}" destId="{4BC937DE-DF2D-4FFA-B88A-E5338D433781}" srcOrd="0" destOrd="0" parTransId="{1835388E-52BA-4E72-8792-3A12EDB4C03B}" sibTransId="{F59B1304-AA1E-4810-9E72-0861E45F8AE6}"/>
     <dgm:cxn modelId="{8A517DDD-C1DF-4CAA-AAE5-CCDE04277E9B}" type="presOf" srcId="{173A95D6-627F-4EE4-B440-3E9FBF53A473}" destId="{B790B033-8861-44F9-A411-A64891A1F78D}" srcOrd="0" destOrd="0" presId="urn:microsoft.com/office/officeart/2005/8/layout/hList6"/>
     <dgm:cxn modelId="{AA84AAB7-CA17-40C5-A465-15DA0C289E43}" srcId="{C9B12C90-8B57-400E-AFDB-85B1CC8B63C9}" destId="{A446800D-2712-4870-A860-B80692232F7F}" srcOrd="1" destOrd="0" parTransId="{D5CB3F02-2D52-4C7C-B42D-1F2F79D73300}" sibTransId="{21E781E9-0AC7-4C2B-9DB1-F96922E5188D}"/>
+    <dgm:cxn modelId="{C1EB94C4-3409-4152-8092-E35309B80ED3}" type="presOf" srcId="{4BC937DE-DF2D-4FFA-B88A-E5338D433781}" destId="{E2944459-30FB-4A39-B98C-CA50DEBD0FE0}" srcOrd="0" destOrd="0" presId="urn:microsoft.com/office/officeart/2005/8/layout/hList6"/>
     <dgm:cxn modelId="{88D56E5A-A386-4511-98DB-B41DB3305915}" type="presOf" srcId="{127057A1-3005-47EE-9DA0-5BB7EF177F1C}" destId="{07112225-DBE3-4767-B863-B33AE5135511}" srcOrd="0" destOrd="3" presId="urn:microsoft.com/office/officeart/2005/8/layout/hList6"/>
-    <dgm:cxn modelId="{C1EB94C4-3409-4152-8092-E35309B80ED3}" type="presOf" srcId="{4BC937DE-DF2D-4FFA-B88A-E5338D433781}" destId="{E2944459-30FB-4A39-B98C-CA50DEBD0FE0}" srcOrd="0" destOrd="0" presId="urn:microsoft.com/office/officeart/2005/8/layout/hList6"/>
     <dgm:cxn modelId="{56A39AAE-6DA0-429E-9B61-C1B68FD07691}" type="presParOf" srcId="{3E78A654-C050-4A6D-AE20-E7E88B2A53F2}" destId="{E2944459-30FB-4A39-B98C-CA50DEBD0FE0}" srcOrd="0" destOrd="0" presId="urn:microsoft.com/office/officeart/2005/8/layout/hList6"/>
     <dgm:cxn modelId="{EBC8954A-EE2E-4089-B4B5-DB4EA99C6E58}" type="presParOf" srcId="{3E78A654-C050-4A6D-AE20-E7E88B2A53F2}" destId="{50494F57-9413-46C6-806C-1F0BC7375A67}" srcOrd="1" destOrd="0" presId="urn:microsoft.com/office/officeart/2005/8/layout/hList6"/>
     <dgm:cxn modelId="{7FA9A8C4-0A23-48D0-A95B-976E3B06590C}" type="presParOf" srcId="{3E78A654-C050-4A6D-AE20-E7E88B2A53F2}" destId="{07112225-DBE3-4767-B863-B33AE5135511}" srcOrd="2" destOrd="0" presId="urn:microsoft.com/office/officeart/2005/8/layout/hList6"/>
@@ -5860,7 +5859,7 @@
         </p:nvSpPr>
         <p:spPr>
           <a:xfrm>
-            <a:off x="3175" y="6400800"/>
+            <a:off x="3182" y="6400800"/>
             <a:ext cx="12188825" cy="457200"/>
           </a:xfrm>
           <a:prstGeom prst="rect">
@@ -5898,7 +5897,7 @@
         </p:nvSpPr>
         <p:spPr>
           <a:xfrm>
-            <a:off x="15" y="6334316"/>
+            <a:off x="22" y="6334316"/>
             <a:ext cx="12188825" cy="64008"/>
           </a:xfrm>
           <a:prstGeom prst="rect">
@@ -5953,7 +5952,7 @@
               <a:lnSpc>
                 <a:spcPct val="85000"/>
               </a:lnSpc>
-              <a:defRPr sz="8000" spc="-50" baseline="0">
+              <a:defRPr sz="8000" spc="-51" baseline="0">
                 <a:solidFill>
                   <a:schemeClr val="tx1">
                     <a:lumMod val="85000"/>
@@ -6002,35 +6001,35 @@
                 <a:latin typeface="+mj-lt"/>
               </a:defRPr>
             </a:lvl1pPr>
-            <a:lvl2pPr marL="457200" indent="0" algn="ctr">
+            <a:lvl2pPr marL="457178" indent="0" algn="ctr">
               <a:buNone/>
               <a:defRPr sz="2400"/>
             </a:lvl2pPr>
-            <a:lvl3pPr marL="914400" indent="0" algn="ctr">
+            <a:lvl3pPr marL="914354" indent="0" algn="ctr">
               <a:buNone/>
               <a:defRPr sz="2400"/>
             </a:lvl3pPr>
-            <a:lvl4pPr marL="1371600" indent="0" algn="ctr">
+            <a:lvl4pPr marL="1371532" indent="0" algn="ctr">
               <a:buNone/>
               <a:defRPr sz="2000"/>
             </a:lvl4pPr>
-            <a:lvl5pPr marL="1828800" indent="0" algn="ctr">
+            <a:lvl5pPr marL="1828709" indent="0" algn="ctr">
               <a:buNone/>
               <a:defRPr sz="2000"/>
             </a:lvl5pPr>
-            <a:lvl6pPr marL="2286000" indent="0" algn="ctr">
+            <a:lvl6pPr marL="2285886" indent="0" algn="ctr">
               <a:buNone/>
               <a:defRPr sz="2000"/>
             </a:lvl6pPr>
-            <a:lvl7pPr marL="2743200" indent="0" algn="ctr">
+            <a:lvl7pPr marL="2743062" indent="0" algn="ctr">
               <a:buNone/>
               <a:defRPr sz="2000"/>
             </a:lvl7pPr>
-            <a:lvl8pPr marL="3200400" indent="0" algn="ctr">
+            <a:lvl8pPr marL="3200240" indent="0" algn="ctr">
               <a:buNone/>
               <a:defRPr sz="2000"/>
             </a:lvl8pPr>
-            <a:lvl9pPr marL="3657600" indent="0" algn="ctr">
+            <a:lvl9pPr marL="3657418" indent="0" algn="ctr">
               <a:buNone/>
               <a:defRPr sz="2000"/>
             </a:lvl9pPr>
@@ -6117,7 +6116,7 @@
         </p:nvCxnSpPr>
         <p:spPr>
           <a:xfrm>
-            <a:off x="1207658" y="4343400"/>
+            <a:off x="1207659" y="4343400"/>
             <a:ext cx="9875520" cy="0"/>
           </a:xfrm>
           <a:prstGeom prst="line">
@@ -6355,7 +6354,7 @@
         </p:nvSpPr>
         <p:spPr>
           <a:xfrm>
-            <a:off x="3175" y="6400800"/>
+            <a:off x="3182" y="6400800"/>
             <a:ext cx="12188825" cy="457200"/>
           </a:xfrm>
           <a:prstGeom prst="rect">
@@ -6393,7 +6392,7 @@
         </p:nvSpPr>
         <p:spPr>
           <a:xfrm>
-            <a:off x="15" y="6334316"/>
+            <a:off x="22" y="6334316"/>
             <a:ext cx="12188825" cy="64008"/>
           </a:xfrm>
           <a:prstGeom prst="rect">
@@ -6435,7 +6434,7 @@
         </p:nvSpPr>
         <p:spPr>
           <a:xfrm>
-            <a:off x="8724900" y="412302"/>
+            <a:off x="8724902" y="412302"/>
             <a:ext cx="2628900" cy="5759898"/>
           </a:xfrm>
         </p:spPr>
@@ -6463,7 +6462,7 @@
         </p:nvSpPr>
         <p:spPr>
           <a:xfrm>
-            <a:off x="838200" y="412302"/>
+            <a:off x="838203" y="412302"/>
             <a:ext cx="7734300" cy="5759898"/>
           </a:xfrm>
         </p:spPr>
@@ -6789,7 +6788,7 @@
         </p:nvSpPr>
         <p:spPr>
           <a:xfrm>
-            <a:off x="3175" y="6400800"/>
+            <a:off x="3182" y="6400800"/>
             <a:ext cx="12188825" cy="457200"/>
           </a:xfrm>
           <a:prstGeom prst="rect">
@@ -6827,7 +6826,7 @@
         </p:nvSpPr>
         <p:spPr>
           <a:xfrm>
-            <a:off x="15" y="6334316"/>
+            <a:off x="22" y="6334316"/>
             <a:ext cx="12188825" cy="64008"/>
           </a:xfrm>
           <a:prstGeom prst="rect">
@@ -6931,7 +6930,7 @@
                 <a:latin typeface="+mj-lt"/>
               </a:defRPr>
             </a:lvl1pPr>
-            <a:lvl2pPr marL="457200" indent="0">
+            <a:lvl2pPr marL="457178" indent="0">
               <a:buNone/>
               <a:defRPr sz="1800">
                 <a:solidFill>
@@ -6941,7 +6940,7 @@
                 </a:solidFill>
               </a:defRPr>
             </a:lvl2pPr>
-            <a:lvl3pPr marL="914400" indent="0">
+            <a:lvl3pPr marL="914354" indent="0">
               <a:buNone/>
               <a:defRPr sz="1600">
                 <a:solidFill>
@@ -6951,7 +6950,7 @@
                 </a:solidFill>
               </a:defRPr>
             </a:lvl3pPr>
-            <a:lvl4pPr marL="1371600" indent="0">
+            <a:lvl4pPr marL="1371532" indent="0">
               <a:buNone/>
               <a:defRPr sz="1400">
                 <a:solidFill>
@@ -6961,7 +6960,7 @@
                 </a:solidFill>
               </a:defRPr>
             </a:lvl4pPr>
-            <a:lvl5pPr marL="1828800" indent="0">
+            <a:lvl5pPr marL="1828709" indent="0">
               <a:buNone/>
               <a:defRPr sz="1400">
                 <a:solidFill>
@@ -6971,7 +6970,7 @@
                 </a:solidFill>
               </a:defRPr>
             </a:lvl5pPr>
-            <a:lvl6pPr marL="2286000" indent="0">
+            <a:lvl6pPr marL="2285886" indent="0">
               <a:buNone/>
               <a:defRPr sz="1400">
                 <a:solidFill>
@@ -6981,7 +6980,7 @@
                 </a:solidFill>
               </a:defRPr>
             </a:lvl6pPr>
-            <a:lvl7pPr marL="2743200" indent="0">
+            <a:lvl7pPr marL="2743062" indent="0">
               <a:buNone/>
               <a:defRPr sz="1400">
                 <a:solidFill>
@@ -6991,7 +6990,7 @@
                 </a:solidFill>
               </a:defRPr>
             </a:lvl7pPr>
-            <a:lvl8pPr marL="3200400" indent="0">
+            <a:lvl8pPr marL="3200240" indent="0">
               <a:buNone/>
               <a:defRPr sz="1400">
                 <a:solidFill>
@@ -7001,7 +7000,7 @@
                 </a:solidFill>
               </a:defRPr>
             </a:lvl8pPr>
-            <a:lvl9pPr marL="3657600" indent="0">
+            <a:lvl9pPr marL="3657418" indent="0">
               <a:buNone/>
               <a:defRPr sz="1400">
                 <a:solidFill>
@@ -7094,7 +7093,7 @@
         </p:nvCxnSpPr>
         <p:spPr>
           <a:xfrm>
-            <a:off x="1207658" y="4343400"/>
+            <a:off x="1207659" y="4343400"/>
             <a:ext cx="9875520" cy="0"/>
           </a:xfrm>
           <a:prstGeom prst="line">
@@ -7166,7 +7165,7 @@
         </p:nvSpPr>
         <p:spPr>
           <a:xfrm>
-            <a:off x="1097280" y="286603"/>
+            <a:off x="1097280" y="286607"/>
             <a:ext cx="10058400" cy="1450757"/>
           </a:xfrm>
         </p:spPr>
@@ -7194,7 +7193,7 @@
         </p:nvSpPr>
         <p:spPr>
           <a:xfrm>
-            <a:off x="1097278" y="1845734"/>
+            <a:off x="1097279" y="1845734"/>
             <a:ext cx="4937760" cy="4023360"/>
           </a:xfrm>
         </p:spPr>
@@ -7403,7 +7402,7 @@
         </p:nvSpPr>
         <p:spPr>
           <a:xfrm>
-            <a:off x="1097280" y="286603"/>
+            <a:off x="1097280" y="286607"/>
             <a:ext cx="10058400" cy="1450757"/>
           </a:xfrm>
         </p:spPr>
@@ -7448,35 +7447,35 @@
                 </a:solidFill>
               </a:defRPr>
             </a:lvl1pPr>
-            <a:lvl2pPr marL="457200" indent="0">
+            <a:lvl2pPr marL="457178" indent="0">
               <a:buNone/>
               <a:defRPr sz="2000" b="1"/>
             </a:lvl2pPr>
-            <a:lvl3pPr marL="914400" indent="0">
+            <a:lvl3pPr marL="914354" indent="0">
               <a:buNone/>
               <a:defRPr sz="1800" b="1"/>
             </a:lvl3pPr>
-            <a:lvl4pPr marL="1371600" indent="0">
+            <a:lvl4pPr marL="1371532" indent="0">
               <a:buNone/>
               <a:defRPr sz="1600" b="1"/>
             </a:lvl4pPr>
-            <a:lvl5pPr marL="1828800" indent="0">
+            <a:lvl5pPr marL="1828709" indent="0">
               <a:buNone/>
               <a:defRPr sz="1600" b="1"/>
             </a:lvl5pPr>
-            <a:lvl6pPr marL="2286000" indent="0">
+            <a:lvl6pPr marL="2285886" indent="0">
               <a:buNone/>
               <a:defRPr sz="1600" b="1"/>
             </a:lvl6pPr>
-            <a:lvl7pPr marL="2743200" indent="0">
+            <a:lvl7pPr marL="2743062" indent="0">
               <a:buNone/>
               <a:defRPr sz="1600" b="1"/>
             </a:lvl7pPr>
-            <a:lvl8pPr marL="3200400" indent="0">
+            <a:lvl8pPr marL="3200240" indent="0">
               <a:buNone/>
               <a:defRPr sz="1600" b="1"/>
             </a:lvl8pPr>
-            <a:lvl9pPr marL="3657600" indent="0">
+            <a:lvl9pPr marL="3657418" indent="0">
               <a:buNone/>
               <a:defRPr sz="1600" b="1"/>
             </a:lvl9pPr>
@@ -7576,35 +7575,35 @@
                 </a:solidFill>
               </a:defRPr>
             </a:lvl1pPr>
-            <a:lvl2pPr marL="457200" indent="0">
+            <a:lvl2pPr marL="457178" indent="0">
               <a:buNone/>
               <a:defRPr sz="2000" b="1"/>
             </a:lvl2pPr>
-            <a:lvl3pPr marL="914400" indent="0">
+            <a:lvl3pPr marL="914354" indent="0">
               <a:buNone/>
               <a:defRPr sz="1800" b="1"/>
             </a:lvl3pPr>
-            <a:lvl4pPr marL="1371600" indent="0">
+            <a:lvl4pPr marL="1371532" indent="0">
               <a:buNone/>
               <a:defRPr sz="1600" b="1"/>
             </a:lvl4pPr>
-            <a:lvl5pPr marL="1828800" indent="0">
+            <a:lvl5pPr marL="1828709" indent="0">
               <a:buNone/>
               <a:defRPr sz="1600" b="1"/>
             </a:lvl5pPr>
-            <a:lvl6pPr marL="2286000" indent="0">
+            <a:lvl6pPr marL="2285886" indent="0">
               <a:buNone/>
               <a:defRPr sz="1600" b="1"/>
             </a:lvl6pPr>
-            <a:lvl7pPr marL="2743200" indent="0">
+            <a:lvl7pPr marL="2743062" indent="0">
               <a:buNone/>
               <a:defRPr sz="1600" b="1"/>
             </a:lvl7pPr>
-            <a:lvl8pPr marL="3200400" indent="0">
+            <a:lvl8pPr marL="3200240" indent="0">
               <a:buNone/>
               <a:defRPr sz="1600" b="1"/>
             </a:lvl8pPr>
-            <a:lvl9pPr marL="3657600" indent="0">
+            <a:lvl9pPr marL="3657418" indent="0">
               <a:buNone/>
               <a:defRPr sz="1600" b="1"/>
             </a:lvl9pPr>
@@ -7896,7 +7895,7 @@
         </p:nvSpPr>
         <p:spPr>
           <a:xfrm>
-            <a:off x="3175" y="6400800"/>
+            <a:off x="3182" y="6400800"/>
             <a:ext cx="12188825" cy="457200"/>
           </a:xfrm>
           <a:prstGeom prst="rect">
@@ -7934,7 +7933,7 @@
         </p:nvSpPr>
         <p:spPr>
           <a:xfrm>
-            <a:off x="15" y="6334316"/>
+            <a:off x="22" y="6334316"/>
             <a:ext cx="12188825" cy="64008"/>
           </a:xfrm>
           <a:prstGeom prst="rect">
@@ -8075,7 +8074,7 @@
         </p:nvSpPr>
         <p:spPr>
           <a:xfrm>
-            <a:off x="16" y="0"/>
+            <a:off x="23" y="0"/>
             <a:ext cx="4050791" cy="6858000"/>
           </a:xfrm>
           <a:prstGeom prst="rect">
@@ -8267,35 +8266,35 @@
                 </a:solidFill>
               </a:defRPr>
             </a:lvl1pPr>
-            <a:lvl2pPr marL="457200" indent="0">
+            <a:lvl2pPr marL="457178" indent="0">
               <a:buNone/>
               <a:defRPr sz="1200"/>
             </a:lvl2pPr>
-            <a:lvl3pPr marL="914400" indent="0">
+            <a:lvl3pPr marL="914354" indent="0">
               <a:buNone/>
               <a:defRPr sz="1000"/>
             </a:lvl3pPr>
-            <a:lvl4pPr marL="1371600" indent="0">
+            <a:lvl4pPr marL="1371532" indent="0">
               <a:buNone/>
               <a:defRPr sz="900"/>
             </a:lvl4pPr>
-            <a:lvl5pPr marL="1828800" indent="0">
+            <a:lvl5pPr marL="1828709" indent="0">
               <a:buNone/>
               <a:defRPr sz="900"/>
             </a:lvl5pPr>
-            <a:lvl6pPr marL="2286000" indent="0">
+            <a:lvl6pPr marL="2285886" indent="0">
               <a:buNone/>
               <a:defRPr sz="900"/>
             </a:lvl6pPr>
-            <a:lvl7pPr marL="2743200" indent="0">
+            <a:lvl7pPr marL="2743062" indent="0">
               <a:buNone/>
               <a:defRPr sz="900"/>
             </a:lvl7pPr>
-            <a:lvl8pPr marL="3200400" indent="0">
+            <a:lvl8pPr marL="3200240" indent="0">
               <a:buNone/>
               <a:defRPr sz="900"/>
             </a:lvl8pPr>
-            <a:lvl9pPr marL="3657600" indent="0">
+            <a:lvl9pPr marL="3657418" indent="0">
               <a:buNone/>
               <a:defRPr sz="900"/>
             </a:lvl9pPr>
@@ -8321,8 +8320,8 @@
         </p:nvSpPr>
         <p:spPr>
           <a:xfrm>
-            <a:off x="465512" y="6459785"/>
-            <a:ext cx="2618510" cy="365125"/>
+            <a:off x="465518" y="6459795"/>
+            <a:ext cx="2618511" cy="365125"/>
           </a:xfrm>
         </p:spPr>
         <p:txBody>
@@ -8353,7 +8352,7 @@
         </p:nvSpPr>
         <p:spPr>
           <a:xfrm>
-            <a:off x="4800600" y="6459785"/>
+            <a:off x="4800600" y="6459795"/>
             <a:ext cx="4648200" cy="365125"/>
           </a:xfrm>
         </p:spPr>
@@ -8442,7 +8441,7 @@
         </p:nvSpPr>
         <p:spPr>
           <a:xfrm>
-            <a:off x="0" y="4953000"/>
+            <a:off x="6" y="4953000"/>
             <a:ext cx="12188825" cy="1905000"/>
           </a:xfrm>
           <a:prstGeom prst="rect">
@@ -8480,7 +8479,7 @@
         </p:nvSpPr>
         <p:spPr>
           <a:xfrm>
-            <a:off x="15" y="4915076"/>
+            <a:off x="22" y="4915076"/>
             <a:ext cx="12188825" cy="64008"/>
           </a:xfrm>
           <a:prstGeom prst="rect">
@@ -8560,7 +8559,7 @@
         </p:nvSpPr>
         <p:spPr>
           <a:xfrm>
-            <a:off x="15" y="0"/>
+            <a:off x="22" y="0"/>
             <a:ext cx="12191985" cy="4915076"/>
           </a:xfrm>
           <a:solidFill>
@@ -8576,35 +8575,35 @@
               <a:buNone/>
               <a:defRPr sz="3200"/>
             </a:lvl1pPr>
-            <a:lvl2pPr marL="457200" indent="0">
+            <a:lvl2pPr marL="457178" indent="0">
               <a:buNone/>
               <a:defRPr sz="2800"/>
             </a:lvl2pPr>
-            <a:lvl3pPr marL="914400" indent="0">
+            <a:lvl3pPr marL="914354" indent="0">
               <a:buNone/>
               <a:defRPr sz="2400"/>
             </a:lvl3pPr>
-            <a:lvl4pPr marL="1371600" indent="0">
+            <a:lvl4pPr marL="1371532" indent="0">
               <a:buNone/>
               <a:defRPr sz="2000"/>
             </a:lvl4pPr>
-            <a:lvl5pPr marL="1828800" indent="0">
+            <a:lvl5pPr marL="1828709" indent="0">
               <a:buNone/>
               <a:defRPr sz="2000"/>
             </a:lvl5pPr>
-            <a:lvl6pPr marL="2286000" indent="0">
+            <a:lvl6pPr marL="2285886" indent="0">
               <a:buNone/>
               <a:defRPr sz="2000"/>
             </a:lvl6pPr>
-            <a:lvl7pPr marL="2743200" indent="0">
+            <a:lvl7pPr marL="2743062" indent="0">
               <a:buNone/>
               <a:defRPr sz="2000"/>
             </a:lvl7pPr>
-            <a:lvl8pPr marL="3200400" indent="0">
+            <a:lvl8pPr marL="3200240" indent="0">
               <a:buNone/>
               <a:defRPr sz="2000"/>
             </a:lvl8pPr>
-            <a:lvl9pPr marL="3657600" indent="0">
+            <a:lvl9pPr marL="3657418" indent="0">
               <a:buNone/>
               <a:defRPr sz="2000"/>
             </a:lvl9pPr>
@@ -8653,35 +8652,35 @@
                 </a:solidFill>
               </a:defRPr>
             </a:lvl1pPr>
-            <a:lvl2pPr marL="457200" indent="0">
+            <a:lvl2pPr marL="457178" indent="0">
               <a:buNone/>
               <a:defRPr sz="1200"/>
             </a:lvl2pPr>
-            <a:lvl3pPr marL="914400" indent="0">
+            <a:lvl3pPr marL="914354" indent="0">
               <a:buNone/>
               <a:defRPr sz="1000"/>
             </a:lvl3pPr>
-            <a:lvl4pPr marL="1371600" indent="0">
+            <a:lvl4pPr marL="1371532" indent="0">
               <a:buNone/>
               <a:defRPr sz="900"/>
             </a:lvl4pPr>
-            <a:lvl5pPr marL="1828800" indent="0">
+            <a:lvl5pPr marL="1828709" indent="0">
               <a:buNone/>
               <a:defRPr sz="900"/>
             </a:lvl5pPr>
-            <a:lvl6pPr marL="2286000" indent="0">
+            <a:lvl6pPr marL="2285886" indent="0">
               <a:buNone/>
               <a:defRPr sz="900"/>
             </a:lvl6pPr>
-            <a:lvl7pPr marL="2743200" indent="0">
+            <a:lvl7pPr marL="2743062" indent="0">
               <a:buNone/>
               <a:defRPr sz="900"/>
             </a:lvl7pPr>
-            <a:lvl8pPr marL="3200400" indent="0">
+            <a:lvl8pPr marL="3200240" indent="0">
               <a:buNone/>
               <a:defRPr sz="900"/>
             </a:lvl8pPr>
-            <a:lvl9pPr marL="3657600" indent="0">
+            <a:lvl9pPr marL="3657418" indent="0">
               <a:buNone/>
               <a:defRPr sz="900"/>
             </a:lvl9pPr>
@@ -8841,7 +8840,7 @@
         </p:nvSpPr>
         <p:spPr>
           <a:xfrm>
-            <a:off x="15" y="6334316"/>
+            <a:off x="22" y="6334316"/>
             <a:ext cx="12191985" cy="66484"/>
           </a:xfrm>
           <a:prstGeom prst="rect">
@@ -8883,7 +8882,7 @@
         </p:nvSpPr>
         <p:spPr>
           <a:xfrm>
-            <a:off x="1097280" y="286603"/>
+            <a:off x="1097280" y="286607"/>
             <a:ext cx="10058400" cy="1450757"/>
           </a:xfrm>
           <a:prstGeom prst="rect">
@@ -8978,7 +8977,7 @@
         </p:nvSpPr>
         <p:spPr>
           <a:xfrm>
-            <a:off x="1097280" y="6459785"/>
+            <a:off x="1097287" y="6459795"/>
             <a:ext cx="2472271" cy="365125"/>
           </a:xfrm>
           <a:prstGeom prst="rect">
@@ -9017,7 +9016,7 @@
         </p:nvSpPr>
         <p:spPr>
           <a:xfrm>
-            <a:off x="3686185" y="6459785"/>
+            <a:off x="3686187" y="6459795"/>
             <a:ext cx="4822804" cy="365125"/>
           </a:xfrm>
           <a:prstGeom prst="rect">
@@ -9052,7 +9051,7 @@
         </p:nvSpPr>
         <p:spPr>
           <a:xfrm>
-            <a:off x="9900458" y="6459785"/>
+            <a:off x="9900465" y="6459795"/>
             <a:ext cx="1312025" cy="365125"/>
           </a:xfrm>
           <a:prstGeom prst="rect">
@@ -9063,7 +9062,7 @@
           <a:bodyPr vert="horz" lIns="91440" tIns="45720" rIns="91440" bIns="45720" rtlCol="0" anchor="ctr"/>
           <a:lstStyle>
             <a:lvl1pPr algn="r">
-              <a:defRPr sz="1050">
+              <a:defRPr sz="1051">
                 <a:solidFill>
                   <a:srgbClr val="FFFFFF"/>
                 </a:solidFill>
@@ -9127,7 +9126,7 @@
         </p:nvSpPr>
         <p:spPr>
           <a:xfrm>
-            <a:off x="10400818" y="711907"/>
+            <a:off x="10400819" y="711917"/>
             <a:ext cx="757268" cy="1025695"/>
           </a:xfrm>
           <a:prstGeom prst="rect">
@@ -9165,7 +9164,7 @@
           <a:lstStyle/>
           <a:p>
             <a:pPr algn="ctr"/>
-            <a:endParaRPr lang="de-DE"/>
+            <a:endParaRPr lang="de-DE" sz="1800"/>
           </a:p>
         </p:txBody>
       </p:sp>
@@ -9192,7 +9191,7 @@
   </p:sldLayoutIdLst>
   <p:txStyles>
     <p:titleStyle>
-      <a:lvl1pPr algn="l" defTabSz="914400" rtl="0" eaLnBrk="1" latinLnBrk="0" hangingPunct="1">
+      <a:lvl1pPr algn="l" defTabSz="914354" rtl="0" eaLnBrk="1" latinLnBrk="0" hangingPunct="1">
         <a:lnSpc>
           <a:spcPct val="85000"/>
         </a:lnSpc>
@@ -9200,7 +9199,7 @@
           <a:spcPct val="0"/>
         </a:spcBef>
         <a:buNone/>
-        <a:defRPr sz="4800" kern="1200" spc="-50" baseline="0">
+        <a:defRPr sz="4800" kern="1200" spc="-51" baseline="0">
           <a:solidFill>
             <a:schemeClr val="tx1">
               <a:lumMod val="75000"/>
@@ -9214,7 +9213,7 @@
       </a:lvl1pPr>
     </p:titleStyle>
     <p:bodyStyle>
-      <a:lvl1pPr marL="91440" indent="-91440" algn="l" defTabSz="914400" rtl="0" eaLnBrk="1" latinLnBrk="0" hangingPunct="1">
+      <a:lvl1pPr marL="91436" indent="-91436" algn="l" defTabSz="914354" rtl="0" eaLnBrk="1" latinLnBrk="0" hangingPunct="1">
         <a:lnSpc>
           <a:spcPct val="90000"/>
         </a:lnSpc>
@@ -9242,7 +9241,7 @@
           <a:cs typeface="+mn-cs"/>
         </a:defRPr>
       </a:lvl1pPr>
-      <a:lvl2pPr marL="384048" indent="-182880" algn="l" defTabSz="914400" rtl="0" eaLnBrk="1" latinLnBrk="0" hangingPunct="1">
+      <a:lvl2pPr marL="384029" indent="-182870" algn="l" defTabSz="914354" rtl="0" eaLnBrk="1" latinLnBrk="0" hangingPunct="1">
         <a:lnSpc>
           <a:spcPct val="90000"/>
         </a:lnSpc>
@@ -9269,7 +9268,7 @@
           <a:cs typeface="+mn-cs"/>
         </a:defRPr>
       </a:lvl2pPr>
-      <a:lvl3pPr marL="566928" indent="-182880" algn="l" defTabSz="914400" rtl="0" eaLnBrk="1" latinLnBrk="0" hangingPunct="1">
+      <a:lvl3pPr marL="566900" indent="-182870" algn="l" defTabSz="914354" rtl="0" eaLnBrk="1" latinLnBrk="0" hangingPunct="1">
         <a:lnSpc>
           <a:spcPct val="90000"/>
         </a:lnSpc>
@@ -9296,7 +9295,7 @@
           <a:cs typeface="+mn-cs"/>
         </a:defRPr>
       </a:lvl3pPr>
-      <a:lvl4pPr marL="749808" indent="-182880" algn="l" defTabSz="914400" rtl="0" eaLnBrk="1" latinLnBrk="0" hangingPunct="1">
+      <a:lvl4pPr marL="749771" indent="-182870" algn="l" defTabSz="914354" rtl="0" eaLnBrk="1" latinLnBrk="0" hangingPunct="1">
         <a:lnSpc>
           <a:spcPct val="90000"/>
         </a:lnSpc>
@@ -9323,7 +9322,7 @@
           <a:cs typeface="+mn-cs"/>
         </a:defRPr>
       </a:lvl4pPr>
-      <a:lvl5pPr marL="932688" indent="-182880" algn="l" defTabSz="914400" rtl="0" eaLnBrk="1" latinLnBrk="0" hangingPunct="1">
+      <a:lvl5pPr marL="932642" indent="-182870" algn="l" defTabSz="914354" rtl="0" eaLnBrk="1" latinLnBrk="0" hangingPunct="1">
         <a:lnSpc>
           <a:spcPct val="90000"/>
         </a:lnSpc>
@@ -9350,7 +9349,7 @@
           <a:cs typeface="+mn-cs"/>
         </a:defRPr>
       </a:lvl5pPr>
-      <a:lvl6pPr marL="1100000" indent="-228600" algn="l" defTabSz="914400" rtl="0" eaLnBrk="1" latinLnBrk="0" hangingPunct="1">
+      <a:lvl6pPr marL="1099946" indent="-228589" algn="l" defTabSz="914354" rtl="0" eaLnBrk="1" latinLnBrk="0" hangingPunct="1">
         <a:lnSpc>
           <a:spcPct val="90000"/>
         </a:lnSpc>
@@ -9377,7 +9376,7 @@
           <a:cs typeface="+mn-cs"/>
         </a:defRPr>
       </a:lvl6pPr>
-      <a:lvl7pPr marL="1300000" indent="-228600" algn="l" defTabSz="914400" rtl="0" eaLnBrk="1" latinLnBrk="0" hangingPunct="1">
+      <a:lvl7pPr marL="1299936" indent="-228589" algn="l" defTabSz="914354" rtl="0" eaLnBrk="1" latinLnBrk="0" hangingPunct="1">
         <a:lnSpc>
           <a:spcPct val="90000"/>
         </a:lnSpc>
@@ -9404,7 +9403,7 @@
           <a:cs typeface="+mn-cs"/>
         </a:defRPr>
       </a:lvl7pPr>
-      <a:lvl8pPr marL="1500000" indent="-228600" algn="l" defTabSz="914400" rtl="0" eaLnBrk="1" latinLnBrk="0" hangingPunct="1">
+      <a:lvl8pPr marL="1499925" indent="-228589" algn="l" defTabSz="914354" rtl="0" eaLnBrk="1" latinLnBrk="0" hangingPunct="1">
         <a:lnSpc>
           <a:spcPct val="90000"/>
         </a:lnSpc>
@@ -9431,7 +9430,7 @@
           <a:cs typeface="+mn-cs"/>
         </a:defRPr>
       </a:lvl8pPr>
-      <a:lvl9pPr marL="1700000" indent="-228600" algn="l" defTabSz="914400" rtl="0" eaLnBrk="1" latinLnBrk="0" hangingPunct="1">
+      <a:lvl9pPr marL="1699916" indent="-228589" algn="l" defTabSz="914354" rtl="0" eaLnBrk="1" latinLnBrk="0" hangingPunct="1">
         <a:lnSpc>
           <a:spcPct val="90000"/>
         </a:lnSpc>
@@ -9463,7 +9462,7 @@
       <a:defPPr>
         <a:defRPr lang="en-US"/>
       </a:defPPr>
-      <a:lvl1pPr marL="0" algn="l" defTabSz="914400" rtl="0" eaLnBrk="1" latinLnBrk="0" hangingPunct="1">
+      <a:lvl1pPr marL="0" algn="l" defTabSz="914354" rtl="0" eaLnBrk="1" latinLnBrk="0" hangingPunct="1">
         <a:defRPr sz="1800" kern="1200">
           <a:solidFill>
             <a:schemeClr val="tx1"/>
@@ -9473,7 +9472,7 @@
           <a:cs typeface="+mn-cs"/>
         </a:defRPr>
       </a:lvl1pPr>
-      <a:lvl2pPr marL="457200" algn="l" defTabSz="914400" rtl="0" eaLnBrk="1" latinLnBrk="0" hangingPunct="1">
+      <a:lvl2pPr marL="457178" algn="l" defTabSz="914354" rtl="0" eaLnBrk="1" latinLnBrk="0" hangingPunct="1">
         <a:defRPr sz="1800" kern="1200">
           <a:solidFill>
             <a:schemeClr val="tx1"/>
@@ -9483,7 +9482,7 @@
           <a:cs typeface="+mn-cs"/>
         </a:defRPr>
       </a:lvl2pPr>
-      <a:lvl3pPr marL="914400" algn="l" defTabSz="914400" rtl="0" eaLnBrk="1" latinLnBrk="0" hangingPunct="1">
+      <a:lvl3pPr marL="914354" algn="l" defTabSz="914354" rtl="0" eaLnBrk="1" latinLnBrk="0" hangingPunct="1">
         <a:defRPr sz="1800" kern="1200">
           <a:solidFill>
             <a:schemeClr val="tx1"/>
@@ -9493,7 +9492,7 @@
           <a:cs typeface="+mn-cs"/>
         </a:defRPr>
       </a:lvl3pPr>
-      <a:lvl4pPr marL="1371600" algn="l" defTabSz="914400" rtl="0" eaLnBrk="1" latinLnBrk="0" hangingPunct="1">
+      <a:lvl4pPr marL="1371532" algn="l" defTabSz="914354" rtl="0" eaLnBrk="1" latinLnBrk="0" hangingPunct="1">
         <a:defRPr sz="1800" kern="1200">
           <a:solidFill>
             <a:schemeClr val="tx1"/>
@@ -9503,7 +9502,7 @@
           <a:cs typeface="+mn-cs"/>
         </a:defRPr>
       </a:lvl4pPr>
-      <a:lvl5pPr marL="1828800" algn="l" defTabSz="914400" rtl="0" eaLnBrk="1" latinLnBrk="0" hangingPunct="1">
+      <a:lvl5pPr marL="1828709" algn="l" defTabSz="914354" rtl="0" eaLnBrk="1" latinLnBrk="0" hangingPunct="1">
         <a:defRPr sz="1800" kern="1200">
           <a:solidFill>
             <a:schemeClr val="tx1"/>
@@ -9513,7 +9512,7 @@
           <a:cs typeface="+mn-cs"/>
         </a:defRPr>
       </a:lvl5pPr>
-      <a:lvl6pPr marL="2286000" algn="l" defTabSz="914400" rtl="0" eaLnBrk="1" latinLnBrk="0" hangingPunct="1">
+      <a:lvl6pPr marL="2285886" algn="l" defTabSz="914354" rtl="0" eaLnBrk="1" latinLnBrk="0" hangingPunct="1">
         <a:defRPr sz="1800" kern="1200">
           <a:solidFill>
             <a:schemeClr val="tx1"/>
@@ -9523,7 +9522,7 @@
           <a:cs typeface="+mn-cs"/>
         </a:defRPr>
       </a:lvl6pPr>
-      <a:lvl7pPr marL="2743200" algn="l" defTabSz="914400" rtl="0" eaLnBrk="1" latinLnBrk="0" hangingPunct="1">
+      <a:lvl7pPr marL="2743062" algn="l" defTabSz="914354" rtl="0" eaLnBrk="1" latinLnBrk="0" hangingPunct="1">
         <a:defRPr sz="1800" kern="1200">
           <a:solidFill>
             <a:schemeClr val="tx1"/>
@@ -9533,7 +9532,7 @@
           <a:cs typeface="+mn-cs"/>
         </a:defRPr>
       </a:lvl7pPr>
-      <a:lvl8pPr marL="3200400" algn="l" defTabSz="914400" rtl="0" eaLnBrk="1" latinLnBrk="0" hangingPunct="1">
+      <a:lvl8pPr marL="3200240" algn="l" defTabSz="914354" rtl="0" eaLnBrk="1" latinLnBrk="0" hangingPunct="1">
         <a:defRPr sz="1800" kern="1200">
           <a:solidFill>
             <a:schemeClr val="tx1"/>
@@ -9543,7 +9542,7 @@
           <a:cs typeface="+mn-cs"/>
         </a:defRPr>
       </a:lvl8pPr>
-      <a:lvl9pPr marL="3657600" algn="l" defTabSz="914400" rtl="0" eaLnBrk="1" latinLnBrk="0" hangingPunct="1">
+      <a:lvl9pPr marL="3657418" algn="l" defTabSz="914354" rtl="0" eaLnBrk="1" latinLnBrk="0" hangingPunct="1">
         <a:defRPr sz="1800" kern="1200">
           <a:solidFill>
             <a:schemeClr val="tx1"/>
@@ -9555,7 +9554,7 @@
       </a:lvl9pPr>
     </p:otherStyle>
   </p:txStyles>
-  <p:extLst>
+  <p:extLst mod="1">
     <p:ext uri="{27BBF7A9-308A-43DC-89C8-2F10F3537804}">
       <p15:sldGuideLst xmlns:p15="http://schemas.microsoft.com/office/powerpoint/2012/main">
         <p15:guide id="1" pos="3840" userDrawn="1">
@@ -9607,10 +9606,10 @@
           <a:lstStyle/>
           <a:p>
             <a:r>
-              <a:rPr lang="fr-FR" dirty="0" smtClean="0"/>
+              <a:rPr lang="en-US" noProof="0" dirty="0" smtClean="0"/>
               <a:t>FUEL CELLS	</a:t>
             </a:r>
-            <a:endParaRPr lang="fr-FR" dirty="0"/>
+            <a:endParaRPr lang="en-US" noProof="0" dirty="0"/>
           </a:p>
         </p:txBody>
       </p:sp>
@@ -9643,7 +9642,7 @@
         </p:nvSpPr>
         <p:spPr>
           <a:xfrm>
-            <a:off x="1407474" y="103786"/>
+            <a:off x="1407474" y="-288109"/>
             <a:ext cx="9601301" cy="4778518"/>
           </a:xfrm>
           <a:prstGeom prst="rect">
@@ -9726,6 +9725,1186 @@
       </p:grpSpPr>
       <p:sp>
         <p:nvSpPr>
+          <p:cNvPr id="2" name="Title 1"/>
+          <p:cNvSpPr>
+            <a:spLocks noGrp="1"/>
+          </p:cNvSpPr>
+          <p:nvPr>
+            <p:ph type="title"/>
+          </p:nvPr>
+        </p:nvSpPr>
+        <p:spPr/>
+        <p:txBody>
+          <a:bodyPr/>
+          <a:lstStyle/>
+          <a:p>
+            <a:r>
+              <a:rPr lang="en-US" noProof="0" dirty="0" smtClean="0"/>
+              <a:t>Introduction</a:t>
+            </a:r>
+            <a:endParaRPr lang="en-US" noProof="0" dirty="0"/>
+          </a:p>
+        </p:txBody>
+      </p:sp>
+      <p:sp>
+        <p:nvSpPr>
+          <p:cNvPr id="3" name="Content Placeholder 2"/>
+          <p:cNvSpPr>
+            <a:spLocks noGrp="1"/>
+          </p:cNvSpPr>
+          <p:nvPr>
+            <p:ph idx="1"/>
+          </p:nvPr>
+        </p:nvSpPr>
+        <p:spPr/>
+        <p:txBody>
+          <a:bodyPr/>
+          <a:lstStyle/>
+          <a:p>
+            <a:pPr marL="266687" indent="-165092">
+              <a:buFont typeface="Wingdings" panose="05000000000000000000" pitchFamily="2" charset="2"/>
+              <a:buChar char="§"/>
+            </a:pPr>
+            <a:r>
+              <a:rPr lang="en-US" noProof="0" dirty="0" smtClean="0"/>
+              <a:t>Intention of this report:</a:t>
+            </a:r>
+          </a:p>
+          <a:p>
+            <a:pPr marL="559281" lvl="1" indent="-177792">
+              <a:buFont typeface="Wingdings" panose="05000000000000000000" pitchFamily="2" charset="2"/>
+              <a:buChar char="§"/>
+            </a:pPr>
+            <a:r>
+              <a:rPr lang="en-US" noProof="0" dirty="0" smtClean="0"/>
+              <a:t>Provide public information about fuel cells</a:t>
+            </a:r>
+          </a:p>
+          <a:p>
+            <a:pPr marL="266687" indent="-177792">
+              <a:buFont typeface="Wingdings" panose="05000000000000000000" pitchFamily="2" charset="2"/>
+              <a:buChar char="§"/>
+            </a:pPr>
+            <a:r>
+              <a:rPr lang="en-US" noProof="0" dirty="0" smtClean="0"/>
+              <a:t>History of fuel cells:</a:t>
+            </a:r>
+          </a:p>
+          <a:p>
+            <a:pPr marL="559281" lvl="1" indent="-177792">
+              <a:buFont typeface="Wingdings" panose="05000000000000000000" pitchFamily="2" charset="2"/>
+              <a:buChar char="§"/>
+            </a:pPr>
+            <a:endParaRPr lang="en-US" noProof="0" dirty="0"/>
+          </a:p>
+        </p:txBody>
+      </p:sp>
+      <p:sp>
+        <p:nvSpPr>
+          <p:cNvPr id="4" name="Pentagon 3"/>
+          <p:cNvSpPr/>
+          <p:nvPr/>
+        </p:nvSpPr>
+        <p:spPr>
+          <a:xfrm>
+            <a:off x="1097287" y="4545419"/>
+            <a:ext cx="10058399" cy="369332"/>
+          </a:xfrm>
+          <a:prstGeom prst="homePlate">
+            <a:avLst/>
+          </a:prstGeom>
+          <a:ln>
+            <a:noFill/>
+          </a:ln>
+        </p:spPr>
+        <p:style>
+          <a:lnRef idx="2">
+            <a:schemeClr val="accent2">
+              <a:shade val="50000"/>
+            </a:schemeClr>
+          </a:lnRef>
+          <a:fillRef idx="1">
+            <a:schemeClr val="accent2"/>
+          </a:fillRef>
+          <a:effectRef idx="0">
+            <a:schemeClr val="accent2"/>
+          </a:effectRef>
+          <a:fontRef idx="minor">
+            <a:schemeClr val="lt1"/>
+          </a:fontRef>
+        </p:style>
+        <p:txBody>
+          <a:bodyPr rot="0" spcFirstLastPara="0" vertOverflow="overflow" horzOverflow="overflow" vert="horz" wrap="square" lIns="91440" tIns="45720" rIns="91440" bIns="45720" numCol="1" spcCol="0" rtlCol="0" fromWordArt="0" anchor="ctr" anchorCtr="0" forceAA="0" compatLnSpc="1">
+            <a:prstTxWarp prst="textNoShape">
+              <a:avLst/>
+            </a:prstTxWarp>
+            <a:noAutofit/>
+          </a:bodyPr>
+          <a:lstStyle/>
+          <a:p>
+            <a:pPr algn="ctr"/>
+            <a:endParaRPr lang="de-DE"/>
+          </a:p>
+        </p:txBody>
+      </p:sp>
+      <p:sp>
+        <p:nvSpPr>
+          <p:cNvPr id="5" name="TextBox 4"/>
+          <p:cNvSpPr txBox="1"/>
+          <p:nvPr/>
+        </p:nvSpPr>
+        <p:spPr>
+          <a:xfrm rot="18900000">
+            <a:off x="942882" y="3279759"/>
+            <a:ext cx="1998676" cy="646331"/>
+          </a:xfrm>
+          <a:prstGeom prst="rect">
+            <a:avLst/>
+          </a:prstGeom>
+          <a:noFill/>
+        </p:spPr>
+        <p:txBody>
+          <a:bodyPr wrap="square" rtlCol="0">
+            <a:spAutoFit/>
+          </a:bodyPr>
+          <a:lstStyle/>
+          <a:p>
+            <a:r>
+              <a:rPr lang="de-DE" dirty="0">
+                <a:solidFill>
+                  <a:schemeClr val="tx2"/>
+                </a:solidFill>
+              </a:rPr>
+              <a:t>Discovery </a:t>
+            </a:r>
+            <a:r>
+              <a:rPr lang="de-DE" dirty="0" err="1">
+                <a:solidFill>
+                  <a:schemeClr val="tx2"/>
+                </a:solidFill>
+              </a:rPr>
+              <a:t>of</a:t>
+            </a:r>
+            <a:r>
+              <a:rPr lang="de-DE" dirty="0">
+                <a:solidFill>
+                  <a:schemeClr val="tx2"/>
+                </a:solidFill>
+              </a:rPr>
+              <a:t> </a:t>
+            </a:r>
+            <a:r>
+              <a:rPr lang="de-DE" dirty="0" err="1">
+                <a:solidFill>
+                  <a:schemeClr val="tx2"/>
+                </a:solidFill>
+              </a:rPr>
+              <a:t>the</a:t>
+            </a:r>
+            <a:r>
+              <a:rPr lang="de-DE" dirty="0">
+                <a:solidFill>
+                  <a:schemeClr val="tx2"/>
+                </a:solidFill>
+              </a:rPr>
+              <a:t> </a:t>
+            </a:r>
+            <a:r>
+              <a:rPr lang="de-DE" dirty="0" err="1">
+                <a:solidFill>
+                  <a:schemeClr val="tx2"/>
+                </a:solidFill>
+              </a:rPr>
+              <a:t>principle</a:t>
+            </a:r>
+            <a:endParaRPr lang="de-DE" dirty="0">
+              <a:solidFill>
+                <a:schemeClr val="tx2"/>
+              </a:solidFill>
+            </a:endParaRPr>
+          </a:p>
+        </p:txBody>
+      </p:sp>
+      <p:sp>
+        <p:nvSpPr>
+          <p:cNvPr id="15" name="TextBox 14"/>
+          <p:cNvSpPr txBox="1"/>
+          <p:nvPr/>
+        </p:nvSpPr>
+        <p:spPr>
+          <a:xfrm>
+            <a:off x="1140670" y="4545419"/>
+            <a:ext cx="673463" cy="369332"/>
+          </a:xfrm>
+          <a:prstGeom prst="rect">
+            <a:avLst/>
+          </a:prstGeom>
+          <a:noFill/>
+        </p:spPr>
+        <p:txBody>
+          <a:bodyPr wrap="square" rtlCol="0">
+            <a:spAutoFit/>
+          </a:bodyPr>
+          <a:lstStyle/>
+          <a:p>
+            <a:r>
+              <a:rPr lang="de-DE" dirty="0">
+                <a:solidFill>
+                  <a:schemeClr val="bg1"/>
+                </a:solidFill>
+              </a:rPr>
+              <a:t>1801</a:t>
+            </a:r>
+          </a:p>
+        </p:txBody>
+      </p:sp>
+      <p:sp>
+        <p:nvSpPr>
+          <p:cNvPr id="18" name="TextBox 17"/>
+          <p:cNvSpPr txBox="1"/>
+          <p:nvPr/>
+        </p:nvSpPr>
+        <p:spPr>
+          <a:xfrm>
+            <a:off x="2082356" y="4545419"/>
+            <a:ext cx="673463" cy="369332"/>
+          </a:xfrm>
+          <a:prstGeom prst="rect">
+            <a:avLst/>
+          </a:prstGeom>
+          <a:noFill/>
+        </p:spPr>
+        <p:txBody>
+          <a:bodyPr wrap="square" rtlCol="0">
+            <a:spAutoFit/>
+          </a:bodyPr>
+          <a:lstStyle/>
+          <a:p>
+            <a:r>
+              <a:rPr lang="de-DE" dirty="0">
+                <a:solidFill>
+                  <a:schemeClr val="bg1"/>
+                </a:solidFill>
+              </a:rPr>
+              <a:t>1839</a:t>
+            </a:r>
+          </a:p>
+        </p:txBody>
+      </p:sp>
+      <p:sp>
+        <p:nvSpPr>
+          <p:cNvPr id="19" name="TextBox 18"/>
+          <p:cNvSpPr txBox="1"/>
+          <p:nvPr/>
+        </p:nvSpPr>
+        <p:spPr>
+          <a:xfrm rot="18900000">
+            <a:off x="1890283" y="3279766"/>
+            <a:ext cx="1998676" cy="646331"/>
+          </a:xfrm>
+          <a:prstGeom prst="rect">
+            <a:avLst/>
+          </a:prstGeom>
+          <a:noFill/>
+        </p:spPr>
+        <p:txBody>
+          <a:bodyPr wrap="square" rtlCol="0">
+            <a:spAutoFit/>
+          </a:bodyPr>
+          <a:lstStyle/>
+          <a:p>
+            <a:r>
+              <a:rPr lang="de-DE" dirty="0">
+                <a:solidFill>
+                  <a:schemeClr val="tx2"/>
+                </a:solidFill>
+              </a:rPr>
+              <a:t>„Gas </a:t>
+            </a:r>
+            <a:r>
+              <a:rPr lang="de-DE" dirty="0" err="1">
+                <a:solidFill>
+                  <a:schemeClr val="tx2"/>
+                </a:solidFill>
+              </a:rPr>
+              <a:t>battery</a:t>
+            </a:r>
+            <a:r>
+              <a:rPr lang="de-DE" dirty="0">
+                <a:solidFill>
+                  <a:schemeClr val="tx2"/>
+                </a:solidFill>
+              </a:rPr>
+              <a:t>“ </a:t>
+            </a:r>
+            <a:r>
+              <a:rPr lang="de-DE" dirty="0" err="1">
+                <a:solidFill>
+                  <a:schemeClr val="tx2"/>
+                </a:solidFill>
+              </a:rPr>
+              <a:t>as</a:t>
+            </a:r>
+            <a:r>
+              <a:rPr lang="de-DE" dirty="0">
+                <a:solidFill>
+                  <a:schemeClr val="tx2"/>
+                </a:solidFill>
+              </a:rPr>
+              <a:t> </a:t>
+            </a:r>
+            <a:r>
+              <a:rPr lang="de-DE" dirty="0" err="1">
+                <a:solidFill>
+                  <a:schemeClr val="tx2"/>
+                </a:solidFill>
+              </a:rPr>
+              <a:t>first</a:t>
+            </a:r>
+            <a:r>
+              <a:rPr lang="de-DE" dirty="0">
+                <a:solidFill>
+                  <a:schemeClr val="tx2"/>
+                </a:solidFill>
+              </a:rPr>
+              <a:t> </a:t>
+            </a:r>
+            <a:r>
+              <a:rPr lang="de-DE" dirty="0" err="1">
+                <a:solidFill>
+                  <a:schemeClr val="tx2"/>
+                </a:solidFill>
+              </a:rPr>
+              <a:t>fuel</a:t>
+            </a:r>
+            <a:r>
+              <a:rPr lang="de-DE" dirty="0">
+                <a:solidFill>
+                  <a:schemeClr val="tx2"/>
+                </a:solidFill>
+              </a:rPr>
+              <a:t> </a:t>
+            </a:r>
+            <a:r>
+              <a:rPr lang="de-DE" dirty="0" err="1">
+                <a:solidFill>
+                  <a:schemeClr val="tx2"/>
+                </a:solidFill>
+              </a:rPr>
+              <a:t>cell</a:t>
+            </a:r>
+            <a:endParaRPr lang="de-DE" dirty="0">
+              <a:solidFill>
+                <a:schemeClr val="tx2"/>
+              </a:solidFill>
+            </a:endParaRPr>
+          </a:p>
+        </p:txBody>
+      </p:sp>
+      <p:sp>
+        <p:nvSpPr>
+          <p:cNvPr id="20" name="TextBox 19"/>
+          <p:cNvSpPr txBox="1"/>
+          <p:nvPr/>
+        </p:nvSpPr>
+        <p:spPr>
+          <a:xfrm>
+            <a:off x="3465046" y="4546066"/>
+            <a:ext cx="790547" cy="369332"/>
+          </a:xfrm>
+          <a:prstGeom prst="rect">
+            <a:avLst/>
+          </a:prstGeom>
+          <a:noFill/>
+        </p:spPr>
+        <p:txBody>
+          <a:bodyPr wrap="square" rtlCol="0">
+            <a:spAutoFit/>
+          </a:bodyPr>
+          <a:lstStyle/>
+          <a:p>
+            <a:r>
+              <a:rPr lang="de-DE" dirty="0">
+                <a:solidFill>
+                  <a:schemeClr val="bg1"/>
+                </a:solidFill>
+              </a:rPr>
+              <a:t>1960s</a:t>
+            </a:r>
+          </a:p>
+        </p:txBody>
+      </p:sp>
+      <p:sp>
+        <p:nvSpPr>
+          <p:cNvPr id="21" name="TextBox 20"/>
+          <p:cNvSpPr txBox="1"/>
+          <p:nvPr/>
+        </p:nvSpPr>
+        <p:spPr>
+          <a:xfrm rot="18900000">
+            <a:off x="3333846" y="3279766"/>
+            <a:ext cx="1998676" cy="646331"/>
+          </a:xfrm>
+          <a:prstGeom prst="rect">
+            <a:avLst/>
+          </a:prstGeom>
+          <a:noFill/>
+        </p:spPr>
+        <p:txBody>
+          <a:bodyPr wrap="square" rtlCol="0">
+            <a:spAutoFit/>
+          </a:bodyPr>
+          <a:lstStyle/>
+          <a:p>
+            <a:r>
+              <a:rPr lang="de-DE" dirty="0">
+                <a:solidFill>
+                  <a:schemeClr val="tx2"/>
+                </a:solidFill>
+              </a:rPr>
+              <a:t>First </a:t>
+            </a:r>
+            <a:r>
+              <a:rPr lang="de-DE" dirty="0" err="1">
+                <a:solidFill>
+                  <a:schemeClr val="tx2"/>
+                </a:solidFill>
+              </a:rPr>
+              <a:t>use</a:t>
+            </a:r>
+            <a:r>
+              <a:rPr lang="de-DE" dirty="0">
+                <a:solidFill>
+                  <a:schemeClr val="tx2"/>
+                </a:solidFill>
+              </a:rPr>
+              <a:t> in </a:t>
+            </a:r>
+            <a:r>
+              <a:rPr lang="de-DE" dirty="0" err="1">
+                <a:solidFill>
+                  <a:schemeClr val="tx2"/>
+                </a:solidFill>
+              </a:rPr>
+              <a:t>space</a:t>
+            </a:r>
+            <a:r>
+              <a:rPr lang="de-DE" dirty="0">
+                <a:solidFill>
+                  <a:schemeClr val="tx2"/>
+                </a:solidFill>
+              </a:rPr>
+              <a:t> </a:t>
+            </a:r>
+            <a:r>
+              <a:rPr lang="de-DE" dirty="0" err="1">
+                <a:solidFill>
+                  <a:schemeClr val="tx2"/>
+                </a:solidFill>
+              </a:rPr>
+              <a:t>missions</a:t>
+            </a:r>
+            <a:endParaRPr lang="de-DE" dirty="0">
+              <a:solidFill>
+                <a:schemeClr val="tx2"/>
+              </a:solidFill>
+            </a:endParaRPr>
+          </a:p>
+        </p:txBody>
+      </p:sp>
+      <p:sp>
+        <p:nvSpPr>
+          <p:cNvPr id="22" name="TextBox 21"/>
+          <p:cNvSpPr txBox="1"/>
+          <p:nvPr/>
+        </p:nvSpPr>
+        <p:spPr>
+          <a:xfrm>
+            <a:off x="4723933" y="4544774"/>
+            <a:ext cx="790547" cy="369332"/>
+          </a:xfrm>
+          <a:prstGeom prst="rect">
+            <a:avLst/>
+          </a:prstGeom>
+          <a:noFill/>
+        </p:spPr>
+        <p:txBody>
+          <a:bodyPr wrap="square" rtlCol="0">
+            <a:spAutoFit/>
+          </a:bodyPr>
+          <a:lstStyle/>
+          <a:p>
+            <a:r>
+              <a:rPr lang="de-DE" dirty="0">
+                <a:solidFill>
+                  <a:schemeClr val="bg1"/>
+                </a:solidFill>
+              </a:rPr>
+              <a:t>1980s</a:t>
+            </a:r>
+          </a:p>
+        </p:txBody>
+      </p:sp>
+      <p:sp>
+        <p:nvSpPr>
+          <p:cNvPr id="23" name="TextBox 22"/>
+          <p:cNvSpPr txBox="1"/>
+          <p:nvPr/>
+        </p:nvSpPr>
+        <p:spPr>
+          <a:xfrm rot="18900000">
+            <a:off x="4611278" y="3279765"/>
+            <a:ext cx="1998676" cy="646331"/>
+          </a:xfrm>
+          <a:prstGeom prst="rect">
+            <a:avLst/>
+          </a:prstGeom>
+          <a:noFill/>
+        </p:spPr>
+        <p:txBody>
+          <a:bodyPr wrap="square" rtlCol="0">
+            <a:spAutoFit/>
+          </a:bodyPr>
+          <a:lstStyle/>
+          <a:p>
+            <a:r>
+              <a:rPr lang="de-DE" dirty="0">
+                <a:solidFill>
+                  <a:schemeClr val="tx2"/>
+                </a:solidFill>
+              </a:rPr>
+              <a:t>First </a:t>
+            </a:r>
+            <a:r>
+              <a:rPr lang="de-DE" dirty="0" err="1">
+                <a:solidFill>
+                  <a:schemeClr val="tx2"/>
+                </a:solidFill>
+              </a:rPr>
+              <a:t>use</a:t>
+            </a:r>
+            <a:r>
+              <a:rPr lang="de-DE" dirty="0">
+                <a:solidFill>
+                  <a:schemeClr val="tx2"/>
+                </a:solidFill>
+              </a:rPr>
+              <a:t> in </a:t>
+            </a:r>
+            <a:r>
+              <a:rPr lang="de-DE" dirty="0" err="1">
+                <a:solidFill>
+                  <a:schemeClr val="tx2"/>
+                </a:solidFill>
+              </a:rPr>
+              <a:t>in</a:t>
+            </a:r>
+            <a:r>
+              <a:rPr lang="de-DE" dirty="0">
+                <a:solidFill>
+                  <a:schemeClr val="tx2"/>
+                </a:solidFill>
+              </a:rPr>
+              <a:t> submarines</a:t>
+            </a:r>
+          </a:p>
+        </p:txBody>
+      </p:sp>
+      <p:sp>
+        <p:nvSpPr>
+          <p:cNvPr id="24" name="TextBox 23"/>
+          <p:cNvSpPr txBox="1"/>
+          <p:nvPr/>
+        </p:nvSpPr>
+        <p:spPr>
+          <a:xfrm>
+            <a:off x="6045174" y="4546262"/>
+            <a:ext cx="790547" cy="369332"/>
+          </a:xfrm>
+          <a:prstGeom prst="rect">
+            <a:avLst/>
+          </a:prstGeom>
+          <a:noFill/>
+        </p:spPr>
+        <p:txBody>
+          <a:bodyPr wrap="square" rtlCol="0">
+            <a:spAutoFit/>
+          </a:bodyPr>
+          <a:lstStyle/>
+          <a:p>
+            <a:r>
+              <a:rPr lang="de-DE" dirty="0">
+                <a:solidFill>
+                  <a:schemeClr val="bg1"/>
+                </a:solidFill>
+              </a:rPr>
+              <a:t>1990s</a:t>
+            </a:r>
+          </a:p>
+        </p:txBody>
+      </p:sp>
+      <p:sp>
+        <p:nvSpPr>
+          <p:cNvPr id="25" name="TextBox 24"/>
+          <p:cNvSpPr txBox="1"/>
+          <p:nvPr/>
+        </p:nvSpPr>
+        <p:spPr>
+          <a:xfrm rot="18900000">
+            <a:off x="5824275" y="3043324"/>
+            <a:ext cx="1998676" cy="923330"/>
+          </a:xfrm>
+          <a:prstGeom prst="rect">
+            <a:avLst/>
+          </a:prstGeom>
+          <a:noFill/>
+        </p:spPr>
+        <p:txBody>
+          <a:bodyPr wrap="square" rtlCol="0">
+            <a:spAutoFit/>
+          </a:bodyPr>
+          <a:lstStyle/>
+          <a:p>
+            <a:r>
+              <a:rPr lang="de-DE" dirty="0" err="1">
+                <a:solidFill>
+                  <a:schemeClr val="tx2"/>
+                </a:solidFill>
+              </a:rPr>
+              <a:t>Developement</a:t>
+            </a:r>
+            <a:r>
+              <a:rPr lang="de-DE" dirty="0">
+                <a:solidFill>
+                  <a:schemeClr val="tx2"/>
+                </a:solidFill>
+              </a:rPr>
+              <a:t> </a:t>
+            </a:r>
+            <a:r>
+              <a:rPr lang="de-DE" dirty="0" err="1">
+                <a:solidFill>
+                  <a:schemeClr val="tx2"/>
+                </a:solidFill>
+              </a:rPr>
+              <a:t>of</a:t>
+            </a:r>
+            <a:r>
+              <a:rPr lang="de-DE" dirty="0">
+                <a:solidFill>
+                  <a:schemeClr val="tx2"/>
+                </a:solidFill>
+              </a:rPr>
+              <a:t> large </a:t>
+            </a:r>
+            <a:r>
+              <a:rPr lang="de-DE" dirty="0" err="1">
+                <a:solidFill>
+                  <a:schemeClr val="tx2"/>
+                </a:solidFill>
+              </a:rPr>
+              <a:t>stationary</a:t>
+            </a:r>
+            <a:r>
+              <a:rPr lang="de-DE" dirty="0">
+                <a:solidFill>
+                  <a:schemeClr val="tx2"/>
+                </a:solidFill>
+              </a:rPr>
+              <a:t> </a:t>
+            </a:r>
+            <a:r>
+              <a:rPr lang="de-DE" dirty="0" err="1">
+                <a:solidFill>
+                  <a:schemeClr val="tx2"/>
+                </a:solidFill>
+              </a:rPr>
+              <a:t>fuel</a:t>
+            </a:r>
+            <a:r>
+              <a:rPr lang="de-DE" dirty="0">
+                <a:solidFill>
+                  <a:schemeClr val="tx2"/>
+                </a:solidFill>
+              </a:rPr>
+              <a:t> </a:t>
+            </a:r>
+            <a:r>
+              <a:rPr lang="de-DE" dirty="0" err="1">
+                <a:solidFill>
+                  <a:schemeClr val="tx2"/>
+                </a:solidFill>
+              </a:rPr>
+              <a:t>cells</a:t>
+            </a:r>
+            <a:endParaRPr lang="de-DE" dirty="0">
+              <a:solidFill>
+                <a:schemeClr val="tx2"/>
+              </a:solidFill>
+            </a:endParaRPr>
+          </a:p>
+        </p:txBody>
+      </p:sp>
+      <p:sp>
+        <p:nvSpPr>
+          <p:cNvPr id="26" name="TextBox 25"/>
+          <p:cNvSpPr txBox="1"/>
+          <p:nvPr/>
+        </p:nvSpPr>
+        <p:spPr>
+          <a:xfrm rot="18900000">
+            <a:off x="7375491" y="3043324"/>
+            <a:ext cx="1998676" cy="923330"/>
+          </a:xfrm>
+          <a:prstGeom prst="rect">
+            <a:avLst/>
+          </a:prstGeom>
+          <a:noFill/>
+        </p:spPr>
+        <p:txBody>
+          <a:bodyPr wrap="square" rtlCol="0">
+            <a:spAutoFit/>
+          </a:bodyPr>
+          <a:lstStyle/>
+          <a:p>
+            <a:r>
+              <a:rPr lang="de-DE" dirty="0">
+                <a:solidFill>
+                  <a:schemeClr val="tx2"/>
+                </a:solidFill>
+              </a:rPr>
+              <a:t>Commercial </a:t>
+            </a:r>
+            <a:r>
+              <a:rPr lang="de-DE" dirty="0" err="1">
+                <a:solidFill>
+                  <a:schemeClr val="tx2"/>
+                </a:solidFill>
+              </a:rPr>
+              <a:t>use</a:t>
+            </a:r>
+            <a:r>
+              <a:rPr lang="de-DE" dirty="0">
+                <a:solidFill>
+                  <a:schemeClr val="tx2"/>
+                </a:solidFill>
+              </a:rPr>
+              <a:t> </a:t>
+            </a:r>
+            <a:r>
+              <a:rPr lang="de-DE" dirty="0" err="1">
+                <a:solidFill>
+                  <a:schemeClr val="tx2"/>
+                </a:solidFill>
+              </a:rPr>
+              <a:t>as</a:t>
+            </a:r>
+            <a:r>
+              <a:rPr lang="de-DE" dirty="0">
+                <a:solidFill>
+                  <a:schemeClr val="tx2"/>
+                </a:solidFill>
+              </a:rPr>
+              <a:t> portable </a:t>
+            </a:r>
+            <a:r>
+              <a:rPr lang="de-DE" dirty="0" err="1">
+                <a:solidFill>
+                  <a:schemeClr val="tx2"/>
+                </a:solidFill>
+              </a:rPr>
+              <a:t>energy</a:t>
+            </a:r>
+            <a:r>
+              <a:rPr lang="de-DE" dirty="0">
+                <a:solidFill>
+                  <a:schemeClr val="tx2"/>
+                </a:solidFill>
+              </a:rPr>
+              <a:t> </a:t>
+            </a:r>
+            <a:r>
+              <a:rPr lang="de-DE" dirty="0" err="1">
+                <a:solidFill>
+                  <a:schemeClr val="tx2"/>
+                </a:solidFill>
+              </a:rPr>
+              <a:t>source</a:t>
+            </a:r>
+            <a:endParaRPr lang="de-DE" dirty="0">
+              <a:solidFill>
+                <a:schemeClr val="tx2"/>
+              </a:solidFill>
+            </a:endParaRPr>
+          </a:p>
+        </p:txBody>
+      </p:sp>
+      <p:sp>
+        <p:nvSpPr>
+          <p:cNvPr id="27" name="TextBox 26"/>
+          <p:cNvSpPr txBox="1"/>
+          <p:nvPr/>
+        </p:nvSpPr>
+        <p:spPr>
+          <a:xfrm>
+            <a:off x="7606141" y="4545419"/>
+            <a:ext cx="790547" cy="369332"/>
+          </a:xfrm>
+          <a:prstGeom prst="rect">
+            <a:avLst/>
+          </a:prstGeom>
+          <a:noFill/>
+        </p:spPr>
+        <p:txBody>
+          <a:bodyPr wrap="square" rtlCol="0">
+            <a:spAutoFit/>
+          </a:bodyPr>
+          <a:lstStyle/>
+          <a:p>
+            <a:r>
+              <a:rPr lang="de-DE" dirty="0">
+                <a:solidFill>
+                  <a:schemeClr val="bg1"/>
+                </a:solidFill>
+              </a:rPr>
+              <a:t>2007</a:t>
+            </a:r>
+          </a:p>
+        </p:txBody>
+      </p:sp>
+      <p:sp>
+        <p:nvSpPr>
+          <p:cNvPr id="28" name="TextBox 27"/>
+          <p:cNvSpPr txBox="1"/>
+          <p:nvPr/>
+        </p:nvSpPr>
+        <p:spPr>
+          <a:xfrm rot="18900000">
+            <a:off x="8410599" y="3043324"/>
+            <a:ext cx="1998676" cy="923330"/>
+          </a:xfrm>
+          <a:prstGeom prst="rect">
+            <a:avLst/>
+          </a:prstGeom>
+          <a:noFill/>
+        </p:spPr>
+        <p:txBody>
+          <a:bodyPr wrap="square" rtlCol="0">
+            <a:spAutoFit/>
+          </a:bodyPr>
+          <a:lstStyle/>
+          <a:p>
+            <a:r>
+              <a:rPr lang="de-DE" dirty="0">
+                <a:solidFill>
+                  <a:schemeClr val="tx2"/>
+                </a:solidFill>
+              </a:rPr>
+              <a:t>Honda </a:t>
+            </a:r>
+            <a:r>
+              <a:rPr lang="de-DE" dirty="0" err="1">
+                <a:solidFill>
+                  <a:schemeClr val="tx2"/>
+                </a:solidFill>
+              </a:rPr>
+              <a:t>is</a:t>
+            </a:r>
+            <a:r>
+              <a:rPr lang="de-DE" dirty="0">
+                <a:solidFill>
+                  <a:schemeClr val="tx2"/>
+                </a:solidFill>
+              </a:rPr>
+              <a:t> </a:t>
+            </a:r>
+            <a:r>
+              <a:rPr lang="de-DE" dirty="0" err="1">
+                <a:solidFill>
+                  <a:schemeClr val="tx2"/>
+                </a:solidFill>
+              </a:rPr>
+              <a:t>leasing</a:t>
+            </a:r>
+            <a:r>
+              <a:rPr lang="de-DE" dirty="0">
+                <a:solidFill>
+                  <a:schemeClr val="tx2"/>
+                </a:solidFill>
+              </a:rPr>
+              <a:t> </a:t>
+            </a:r>
+            <a:r>
+              <a:rPr lang="de-DE" dirty="0" err="1">
+                <a:solidFill>
+                  <a:schemeClr val="tx2"/>
+                </a:solidFill>
+              </a:rPr>
+              <a:t>first</a:t>
+            </a:r>
+            <a:r>
+              <a:rPr lang="de-DE" dirty="0">
+                <a:solidFill>
+                  <a:schemeClr val="tx2"/>
+                </a:solidFill>
+              </a:rPr>
+              <a:t> </a:t>
+            </a:r>
+            <a:r>
+              <a:rPr lang="de-DE" dirty="0" err="1">
+                <a:solidFill>
+                  <a:schemeClr val="tx2"/>
+                </a:solidFill>
+              </a:rPr>
+              <a:t>fuel</a:t>
+            </a:r>
+            <a:r>
+              <a:rPr lang="de-DE" dirty="0">
+                <a:solidFill>
+                  <a:schemeClr val="tx2"/>
+                </a:solidFill>
+              </a:rPr>
+              <a:t> </a:t>
+            </a:r>
+            <a:r>
+              <a:rPr lang="de-DE" dirty="0" err="1">
+                <a:solidFill>
+                  <a:schemeClr val="tx2"/>
+                </a:solidFill>
+              </a:rPr>
+              <a:t>cell</a:t>
+            </a:r>
+            <a:r>
+              <a:rPr lang="de-DE" dirty="0">
+                <a:solidFill>
+                  <a:schemeClr val="tx2"/>
+                </a:solidFill>
+              </a:rPr>
+              <a:t> </a:t>
+            </a:r>
+            <a:r>
+              <a:rPr lang="de-DE" dirty="0" err="1">
+                <a:solidFill>
+                  <a:schemeClr val="tx2"/>
+                </a:solidFill>
+              </a:rPr>
+              <a:t>vehicle</a:t>
+            </a:r>
+            <a:endParaRPr lang="de-DE" dirty="0">
+              <a:solidFill>
+                <a:schemeClr val="tx2"/>
+              </a:solidFill>
+            </a:endParaRPr>
+          </a:p>
+        </p:txBody>
+      </p:sp>
+      <p:sp>
+        <p:nvSpPr>
+          <p:cNvPr id="29" name="TextBox 28"/>
+          <p:cNvSpPr txBox="1"/>
+          <p:nvPr/>
+        </p:nvSpPr>
+        <p:spPr>
+          <a:xfrm>
+            <a:off x="8622090" y="4538642"/>
+            <a:ext cx="790547" cy="369332"/>
+          </a:xfrm>
+          <a:prstGeom prst="rect">
+            <a:avLst/>
+          </a:prstGeom>
+          <a:noFill/>
+        </p:spPr>
+        <p:txBody>
+          <a:bodyPr wrap="square" rtlCol="0">
+            <a:spAutoFit/>
+          </a:bodyPr>
+          <a:lstStyle/>
+          <a:p>
+            <a:r>
+              <a:rPr lang="de-DE" dirty="0">
+                <a:solidFill>
+                  <a:schemeClr val="bg1"/>
+                </a:solidFill>
+              </a:rPr>
+              <a:t>2008</a:t>
+            </a:r>
+          </a:p>
+        </p:txBody>
+      </p:sp>
+      <p:sp>
+        <p:nvSpPr>
+          <p:cNvPr id="30" name="TextBox 29"/>
+          <p:cNvSpPr txBox="1"/>
+          <p:nvPr/>
+        </p:nvSpPr>
+        <p:spPr>
+          <a:xfrm rot="18900000">
+            <a:off x="9391230" y="3279766"/>
+            <a:ext cx="1998676" cy="646331"/>
+          </a:xfrm>
+          <a:prstGeom prst="rect">
+            <a:avLst/>
+          </a:prstGeom>
+          <a:noFill/>
+        </p:spPr>
+        <p:txBody>
+          <a:bodyPr wrap="square" rtlCol="0">
+            <a:spAutoFit/>
+          </a:bodyPr>
+          <a:lstStyle/>
+          <a:p>
+            <a:r>
+              <a:rPr lang="de-DE" dirty="0" err="1">
+                <a:solidFill>
+                  <a:schemeClr val="tx2"/>
+                </a:solidFill>
+              </a:rPr>
+              <a:t>Commerzialisation</a:t>
+            </a:r>
+            <a:r>
+              <a:rPr lang="de-DE" dirty="0">
+                <a:solidFill>
+                  <a:schemeClr val="tx2"/>
+                </a:solidFill>
+              </a:rPr>
+              <a:t> </a:t>
+            </a:r>
+            <a:r>
+              <a:rPr lang="de-DE" dirty="0" err="1">
+                <a:solidFill>
+                  <a:schemeClr val="tx2"/>
+                </a:solidFill>
+              </a:rPr>
+              <a:t>of</a:t>
+            </a:r>
+            <a:r>
+              <a:rPr lang="de-DE" dirty="0">
+                <a:solidFill>
+                  <a:schemeClr val="tx2"/>
+                </a:solidFill>
+              </a:rPr>
+              <a:t> </a:t>
+            </a:r>
+            <a:r>
+              <a:rPr lang="de-DE" dirty="0" err="1">
+                <a:solidFill>
+                  <a:schemeClr val="tx2"/>
+                </a:solidFill>
+              </a:rPr>
+              <a:t>micro</a:t>
+            </a:r>
+            <a:r>
+              <a:rPr lang="de-DE" dirty="0">
+                <a:solidFill>
+                  <a:schemeClr val="tx2"/>
+                </a:solidFill>
+              </a:rPr>
+              <a:t> </a:t>
+            </a:r>
+            <a:r>
+              <a:rPr lang="de-DE" dirty="0" err="1">
+                <a:solidFill>
+                  <a:schemeClr val="tx2"/>
+                </a:solidFill>
+              </a:rPr>
+              <a:t>fuel</a:t>
+            </a:r>
+            <a:r>
+              <a:rPr lang="de-DE" dirty="0">
+                <a:solidFill>
+                  <a:schemeClr val="tx2"/>
+                </a:solidFill>
+              </a:rPr>
+              <a:t> </a:t>
+            </a:r>
+            <a:r>
+              <a:rPr lang="de-DE" dirty="0" err="1">
+                <a:solidFill>
+                  <a:schemeClr val="tx2"/>
+                </a:solidFill>
+              </a:rPr>
+              <a:t>cells</a:t>
+            </a:r>
+            <a:endParaRPr lang="de-DE" dirty="0">
+              <a:solidFill>
+                <a:schemeClr val="tx2"/>
+              </a:solidFill>
+            </a:endParaRPr>
+          </a:p>
+        </p:txBody>
+      </p:sp>
+      <p:sp>
+        <p:nvSpPr>
+          <p:cNvPr id="31" name="TextBox 30"/>
+          <p:cNvSpPr txBox="1"/>
+          <p:nvPr/>
+        </p:nvSpPr>
+        <p:spPr>
+          <a:xfrm>
+            <a:off x="9525942" y="4548850"/>
+            <a:ext cx="790547" cy="369332"/>
+          </a:xfrm>
+          <a:prstGeom prst="rect">
+            <a:avLst/>
+          </a:prstGeom>
+          <a:noFill/>
+        </p:spPr>
+        <p:txBody>
+          <a:bodyPr wrap="square" rtlCol="0">
+            <a:spAutoFit/>
+          </a:bodyPr>
+          <a:lstStyle/>
+          <a:p>
+            <a:r>
+              <a:rPr lang="de-DE" dirty="0">
+                <a:solidFill>
+                  <a:schemeClr val="bg1"/>
+                </a:solidFill>
+              </a:rPr>
+              <a:t>2009</a:t>
+            </a:r>
+          </a:p>
+        </p:txBody>
+      </p:sp>
+    </p:spTree>
+    <p:extLst>
+      <p:ext uri="{BB962C8B-B14F-4D97-AF65-F5344CB8AC3E}">
+        <p14:creationId xmlns:p14="http://schemas.microsoft.com/office/powerpoint/2010/main" val="1338541695"/>
+      </p:ext>
+    </p:extLst>
+  </p:cSld>
+  <p:clrMapOvr>
+    <a:masterClrMapping/>
+  </p:clrMapOvr>
+  <p:timing>
+    <p:tnLst>
+      <p:par>
+        <p:cTn id="1" dur="indefinite" restart="never" nodeType="tmRoot"/>
+      </p:par>
+    </p:tnLst>
+  </p:timing>
+</p:sld>
+</file>
+
+<file path=ppt/slides/slide3.xml><?xml version="1.0" encoding="utf-8"?>
+<p:sld xmlns:a="http://schemas.openxmlformats.org/drawingml/2006/main" xmlns:r="http://schemas.openxmlformats.org/officeDocument/2006/relationships" xmlns:p="http://schemas.openxmlformats.org/presentationml/2006/main">
+  <p:cSld>
+    <p:spTree>
+      <p:nvGrpSpPr>
+        <p:cNvPr id="1" name=""/>
+        <p:cNvGrpSpPr/>
+        <p:nvPr/>
+      </p:nvGrpSpPr>
+      <p:grpSpPr>
+        <a:xfrm>
+          <a:off x="0" y="0"/>
+          <a:ext cx="0" cy="0"/>
+          <a:chOff x="0" y="0"/>
+          <a:chExt cx="0" cy="0"/>
+        </a:xfrm>
+      </p:grpSpPr>
+      <p:sp>
+        <p:nvSpPr>
           <p:cNvPr id="2" name="Titre 1"/>
           <p:cNvSpPr>
             <a:spLocks noGrp="1"/>
@@ -9740,10 +10919,10 @@
           <a:lstStyle/>
           <a:p>
             <a:r>
-              <a:rPr lang="fr-FR" altLang="zh-CN" dirty="0"/>
+              <a:rPr lang="en-US" altLang="zh-CN" noProof="0" dirty="0" smtClean="0"/>
               <a:t>PRODUCT PERSPECTIVES</a:t>
             </a:r>
-            <a:endParaRPr lang="fr-FR" dirty="0"/>
+            <a:endParaRPr lang="en-US" noProof="0" dirty="0"/>
           </a:p>
         </p:txBody>
       </p:sp>
@@ -9755,7 +10934,7 @@
         </p:nvGrpSpPr>
         <p:grpSpPr>
           <a:xfrm>
-            <a:off x="5475460" y="1927860"/>
+            <a:off x="5475468" y="1927860"/>
             <a:ext cx="3162319" cy="3832860"/>
             <a:chOff x="4739640" y="1927860"/>
             <a:chExt cx="3162319" cy="3832860"/>
@@ -10080,7 +11259,7 @@
           </p:nvSpPr>
           <p:spPr>
             <a:xfrm>
-              <a:off x="4808220" y="2949714"/>
+              <a:off x="4808220" y="2949715"/>
               <a:ext cx="1623079" cy="369332"/>
             </a:xfrm>
             <a:prstGeom prst="rect">
@@ -10096,7 +11275,7 @@
             <a:p>
               <a:pPr algn="ctr"/>
               <a:r>
-                <a:rPr lang="en-US" altLang="zh-CN" dirty="0" smtClean="0"/>
+                <a:rPr lang="en-US" altLang="zh-CN" dirty="0"/>
                 <a:t>Hydrogen</a:t>
               </a:r>
             </a:p>
@@ -10126,7 +11305,7 @@
             <a:p>
               <a:pPr algn="ctr"/>
               <a:r>
-                <a:rPr lang="en-US" altLang="zh-CN" dirty="0" smtClean="0"/>
+                <a:rPr lang="en-US" altLang="zh-CN" dirty="0"/>
                 <a:t>Oxygen</a:t>
               </a:r>
             </a:p>
@@ -10141,7 +11320,7 @@
         </p:nvGrpSpPr>
         <p:grpSpPr>
           <a:xfrm>
-            <a:off x="8567204" y="1927860"/>
+            <a:off x="8567204" y="1927862"/>
             <a:ext cx="2987040" cy="3832860"/>
             <a:chOff x="8403738" y="1783265"/>
             <a:chExt cx="2987040" cy="3832860"/>
@@ -10368,7 +11547,7 @@
           </p:nvSpPr>
           <p:spPr>
             <a:xfrm>
-              <a:off x="9085719" y="4489095"/>
+              <a:off x="9085719" y="4489096"/>
               <a:ext cx="1623079" cy="369332"/>
             </a:xfrm>
             <a:prstGeom prst="rect">
@@ -10384,7 +11563,7 @@
             <a:p>
               <a:pPr algn="ctr"/>
               <a:r>
-                <a:rPr lang="en-US" altLang="zh-CN" dirty="0" smtClean="0"/>
+                <a:rPr lang="en-US" altLang="zh-CN" dirty="0"/>
                 <a:t>Water</a:t>
               </a:r>
             </a:p>
@@ -10403,7 +11582,7 @@
         </p:nvSpPr>
         <p:spPr>
           <a:xfrm>
-            <a:off x="1097280" y="1845734"/>
+            <a:off x="1097282" y="1845735"/>
             <a:ext cx="3986537" cy="4023360"/>
           </a:xfrm>
         </p:spPr>
@@ -10412,79 +11591,31 @@
           <a:lstStyle/>
           <a:p>
             <a:r>
-              <a:rPr lang="fr-FR" sz="2400" dirty="0" smtClean="0"/>
+              <a:rPr lang="en-US" sz="2400" dirty="0"/>
               <a:t>MAIN PRINCIPLE</a:t>
             </a:r>
           </a:p>
           <a:p>
             <a:r>
-              <a:rPr lang="fr-FR" dirty="0" smtClean="0"/>
-              <a:t>Combine </a:t>
-            </a:r>
-            <a:r>
-              <a:rPr lang="fr-FR" dirty="0" err="1" smtClean="0"/>
-              <a:t>Hydrogen</a:t>
-            </a:r>
-            <a:r>
-              <a:rPr lang="fr-FR" dirty="0" smtClean="0"/>
-              <a:t> and </a:t>
-            </a:r>
-            <a:r>
-              <a:rPr lang="fr-FR" dirty="0" err="1" smtClean="0"/>
-              <a:t>Oxygen</a:t>
-            </a:r>
-            <a:r>
-              <a:rPr lang="fr-FR" dirty="0" smtClean="0"/>
-              <a:t> to </a:t>
-            </a:r>
-            <a:r>
-              <a:rPr lang="fr-FR" dirty="0" err="1" smtClean="0"/>
-              <a:t>produce</a:t>
-            </a:r>
-            <a:r>
-              <a:rPr lang="fr-FR" dirty="0" smtClean="0"/>
-              <a:t> </a:t>
-            </a:r>
-            <a:r>
-              <a:rPr lang="fr-FR" dirty="0" err="1" smtClean="0"/>
-              <a:t>electricity</a:t>
-            </a:r>
-            <a:endParaRPr lang="fr-FR" dirty="0" smtClean="0"/>
+              <a:rPr lang="en-US" noProof="0" dirty="0" smtClean="0"/>
+              <a:t>Combine Hydrogen and Oxygen to produce electricity</a:t>
+            </a:r>
           </a:p>
           <a:p>
-            <a:endParaRPr lang="fr-FR" dirty="0"/>
+            <a:endParaRPr lang="en-US" noProof="0" dirty="0" smtClean="0"/>
           </a:p>
           <a:p>
             <a:r>
-              <a:rPr lang="fr-FR" sz="2400" dirty="0" smtClean="0"/>
+              <a:rPr lang="en-US" sz="2400" dirty="0"/>
               <a:t>PROBLEM</a:t>
             </a:r>
           </a:p>
           <a:p>
             <a:r>
-              <a:rPr lang="fr-FR" dirty="0" err="1" smtClean="0"/>
-              <a:t>Where</a:t>
-            </a:r>
-            <a:r>
-              <a:rPr lang="fr-FR" dirty="0" smtClean="0"/>
-              <a:t> to </a:t>
-            </a:r>
-            <a:r>
-              <a:rPr lang="fr-FR" dirty="0" err="1" smtClean="0"/>
-              <a:t>find</a:t>
-            </a:r>
-            <a:r>
-              <a:rPr lang="fr-FR" dirty="0" smtClean="0"/>
-              <a:t> </a:t>
-            </a:r>
-            <a:r>
-              <a:rPr lang="fr-FR" dirty="0" err="1" smtClean="0"/>
-              <a:t>Hydrogen</a:t>
-            </a:r>
-            <a:r>
-              <a:rPr lang="fr-FR" dirty="0" smtClean="0"/>
-              <a:t>?</a:t>
-            </a:r>
+              <a:rPr lang="en-US" noProof="0" dirty="0" smtClean="0"/>
+              <a:t>Where to find Hydrogen?</a:t>
+            </a:r>
+            <a:endParaRPr lang="en-US" noProof="0" dirty="0" smtClean="0"/>
           </a:p>
         </p:txBody>
       </p:sp>
@@ -10508,7 +11639,7 @@
 </p:sld>
 </file>
 
-<file path=ppt/slides/slide3.xml><?xml version="1.0" encoding="utf-8"?>
+<file path=ppt/slides/slide4.xml><?xml version="1.0" encoding="utf-8"?>
 <p:sld xmlns:a="http://schemas.openxmlformats.org/drawingml/2006/main" xmlns:r="http://schemas.openxmlformats.org/officeDocument/2006/relationships" xmlns:p="http://schemas.openxmlformats.org/presentationml/2006/main">
   <p:cSld>
     <p:spTree>
@@ -10554,7 +11685,7 @@
         </p:blipFill>
         <p:spPr>
           <a:xfrm>
-            <a:off x="5208814" y="1832927"/>
+            <a:off x="5208815" y="1832934"/>
             <a:ext cx="6692056" cy="4022725"/>
           </a:xfrm>
           <a:prstGeom prst="rect">
@@ -10578,10 +11709,10 @@
           <a:lstStyle/>
           <a:p>
             <a:r>
-              <a:rPr lang="fr-FR" altLang="zh-CN" dirty="0"/>
+              <a:rPr lang="en-US" altLang="zh-CN" noProof="0" dirty="0" smtClean="0"/>
               <a:t>PRODUCT PERSPECTIVES</a:t>
             </a:r>
-            <a:endParaRPr lang="fr-FR" dirty="0"/>
+            <a:endParaRPr lang="en-US" noProof="0" dirty="0"/>
           </a:p>
         </p:txBody>
       </p:sp>
@@ -10597,7 +11728,7 @@
         </p:nvSpPr>
         <p:spPr>
           <a:xfrm>
-            <a:off x="1097280" y="1845734"/>
+            <a:off x="1097282" y="1845735"/>
             <a:ext cx="3986537" cy="4023360"/>
           </a:xfrm>
         </p:spPr>
@@ -10606,79 +11737,31 @@
           <a:lstStyle/>
           <a:p>
             <a:r>
-              <a:rPr lang="fr-FR" sz="2400" dirty="0" smtClean="0"/>
+              <a:rPr lang="en-US" sz="2400" dirty="0"/>
               <a:t>MAIN PRINCIPLE</a:t>
             </a:r>
           </a:p>
           <a:p>
             <a:r>
-              <a:rPr lang="fr-FR" dirty="0" smtClean="0"/>
-              <a:t>Combine </a:t>
-            </a:r>
-            <a:r>
-              <a:rPr lang="fr-FR" dirty="0" err="1" smtClean="0"/>
-              <a:t>Hydrogen</a:t>
-            </a:r>
-            <a:r>
-              <a:rPr lang="fr-FR" dirty="0" smtClean="0"/>
-              <a:t> and </a:t>
-            </a:r>
-            <a:r>
-              <a:rPr lang="fr-FR" dirty="0" err="1" smtClean="0"/>
-              <a:t>Oxygen</a:t>
-            </a:r>
-            <a:r>
-              <a:rPr lang="fr-FR" dirty="0" smtClean="0"/>
-              <a:t> to </a:t>
-            </a:r>
-            <a:r>
-              <a:rPr lang="fr-FR" dirty="0" err="1" smtClean="0"/>
-              <a:t>produce</a:t>
-            </a:r>
-            <a:r>
-              <a:rPr lang="fr-FR" dirty="0" smtClean="0"/>
-              <a:t> </a:t>
-            </a:r>
-            <a:r>
-              <a:rPr lang="fr-FR" dirty="0" err="1" smtClean="0"/>
-              <a:t>electricity</a:t>
-            </a:r>
-            <a:endParaRPr lang="fr-FR" dirty="0" smtClean="0"/>
+              <a:rPr lang="en-US" noProof="0" dirty="0" smtClean="0"/>
+              <a:t>Combine Hydrogen and Oxygen to produce electricity</a:t>
+            </a:r>
           </a:p>
           <a:p>
-            <a:endParaRPr lang="fr-FR" dirty="0"/>
+            <a:endParaRPr lang="en-US" noProof="0" dirty="0" smtClean="0"/>
           </a:p>
           <a:p>
             <a:r>
-              <a:rPr lang="fr-FR" sz="2400" dirty="0" smtClean="0"/>
+              <a:rPr lang="en-US" sz="2400" dirty="0"/>
               <a:t>PROBLEM</a:t>
             </a:r>
           </a:p>
           <a:p>
             <a:r>
-              <a:rPr lang="fr-FR" dirty="0" err="1" smtClean="0"/>
-              <a:t>Where</a:t>
-            </a:r>
-            <a:r>
-              <a:rPr lang="fr-FR" dirty="0" smtClean="0"/>
-              <a:t> to </a:t>
-            </a:r>
-            <a:r>
-              <a:rPr lang="fr-FR" dirty="0" err="1" smtClean="0"/>
-              <a:t>find</a:t>
-            </a:r>
-            <a:r>
-              <a:rPr lang="fr-FR" dirty="0" smtClean="0"/>
-              <a:t> </a:t>
-            </a:r>
-            <a:r>
-              <a:rPr lang="fr-FR" dirty="0" err="1" smtClean="0"/>
-              <a:t>Hydrogen</a:t>
-            </a:r>
-            <a:r>
-              <a:rPr lang="fr-FR" dirty="0" smtClean="0"/>
-              <a:t>?</a:t>
-            </a:r>
+              <a:rPr lang="en-US" noProof="0" dirty="0" smtClean="0"/>
+              <a:t>Where to find Hydrogen?</a:t>
+            </a:r>
+            <a:endParaRPr lang="en-US" noProof="0" dirty="0" smtClean="0"/>
           </a:p>
         </p:txBody>
       </p:sp>
@@ -10702,7 +11785,7 @@
 </p:sld>
 </file>
 
-<file path=ppt/slides/slide4.xml><?xml version="1.0" encoding="utf-8"?>
+<file path=ppt/slides/slide5.xml><?xml version="1.0" encoding="utf-8"?>
 <p:sld xmlns:a="http://schemas.openxmlformats.org/drawingml/2006/main" xmlns:r="http://schemas.openxmlformats.org/officeDocument/2006/relationships" xmlns:p="http://schemas.openxmlformats.org/presentationml/2006/main">
   <p:cSld>
     <p:spTree>
@@ -10735,10 +11818,10 @@
           <a:lstStyle/>
           <a:p>
             <a:r>
-              <a:rPr lang="fr-FR" dirty="0" smtClean="0"/>
+              <a:rPr lang="en-US" noProof="0" dirty="0" smtClean="0"/>
               <a:t>PRODUCT PERSPECTIVES</a:t>
             </a:r>
-            <a:endParaRPr lang="fr-FR" dirty="0"/>
+            <a:endParaRPr lang="en-US" noProof="0" dirty="0"/>
           </a:p>
         </p:txBody>
       </p:sp>
@@ -10773,7 +11856,7 @@
                 <a:gridCol w="2514600"/>
                 <a:gridCol w="2514600"/>
               </a:tblGrid>
-              <a:tr h="370840">
+              <a:tr h="749808">
                 <a:tc>
                   <a:txBody>
                     <a:bodyPr/>
@@ -10955,7 +12038,7 @@
                   <a:tcPr/>
                 </a:tc>
               </a:tr>
-              <a:tr h="370840">
+              <a:tr h="381000">
                 <a:tc>
                   <a:txBody>
                     <a:bodyPr/>
@@ -10963,10 +12046,10 @@
                     <a:p>
                       <a:pPr algn="ctr"/>
                       <a:r>
-                        <a:rPr lang="fr-FR" dirty="0" smtClean="0"/>
+                        <a:rPr lang="fr-FR" sz="1900" dirty="0" smtClean="0"/>
                         <a:t>PEMFC</a:t>
                       </a:r>
-                      <a:endParaRPr lang="fr-FR" dirty="0"/>
+                      <a:endParaRPr lang="fr-FR" sz="1900" dirty="0"/>
                     </a:p>
                   </a:txBody>
                   <a:tcPr>
@@ -10985,10 +12068,10 @@
                     <a:p>
                       <a:pPr algn="ctr"/>
                       <a:r>
-                        <a:rPr lang="fr-FR" dirty="0" smtClean="0"/>
+                        <a:rPr lang="fr-FR" sz="1900" dirty="0" smtClean="0"/>
                         <a:t>40-90</a:t>
                       </a:r>
-                      <a:endParaRPr lang="fr-FR" dirty="0"/>
+                      <a:endParaRPr lang="fr-FR" sz="1900" dirty="0"/>
                     </a:p>
                   </a:txBody>
                   <a:tcPr>
@@ -11002,7 +12085,7 @@
                     <a:p>
                       <a:pPr algn="ctr"/>
                       <a:r>
-                        <a:rPr lang="fr-FR" sz="1800" kern="1200" dirty="0" smtClean="0">
+                        <a:rPr lang="fr-FR" sz="1900" kern="1200" dirty="0" smtClean="0">
                           <a:solidFill>
                             <a:schemeClr val="tx1"/>
                           </a:solidFill>
@@ -11013,7 +12096,7 @@
                         <a:t>H</a:t>
                       </a:r>
                       <a:r>
-                        <a:rPr lang="fr-FR" sz="1800" kern="1200" baseline="-25000" dirty="0" smtClean="0">
+                        <a:rPr lang="fr-FR" sz="1900" kern="1200" baseline="-25000" dirty="0" smtClean="0">
                           <a:solidFill>
                             <a:schemeClr val="tx1"/>
                           </a:solidFill>
@@ -11024,7 +12107,7 @@
                         <a:t>2</a:t>
                       </a:r>
                       <a:r>
-                        <a:rPr lang="fr-FR" sz="1800" kern="1200" baseline="0" dirty="0" smtClean="0">
+                        <a:rPr lang="fr-FR" sz="1900" kern="1200" baseline="0" dirty="0" smtClean="0">
                           <a:solidFill>
                             <a:schemeClr val="tx1"/>
                           </a:solidFill>
@@ -11035,7 +12118,7 @@
                         <a:t> (/CO</a:t>
                       </a:r>
                       <a:r>
-                        <a:rPr lang="fr-FR" sz="1800" kern="1200" baseline="-25000" dirty="0" smtClean="0">
+                        <a:rPr lang="fr-FR" sz="1900" kern="1200" baseline="-25000" dirty="0" smtClean="0">
                           <a:solidFill>
                             <a:schemeClr val="tx1"/>
                           </a:solidFill>
@@ -11046,7 +12129,7 @@
                         <a:t>2</a:t>
                       </a:r>
                       <a:r>
-                        <a:rPr lang="fr-FR" sz="1800" kern="1200" baseline="0" dirty="0" smtClean="0">
+                        <a:rPr lang="fr-FR" sz="1900" kern="1200" baseline="0" dirty="0" smtClean="0">
                           <a:solidFill>
                             <a:schemeClr val="tx1"/>
                           </a:solidFill>
@@ -11056,7 +12139,7 @@
                         </a:rPr>
                         <a:t>)</a:t>
                       </a:r>
-                      <a:endParaRPr lang="fr-FR" dirty="0"/>
+                      <a:endParaRPr lang="fr-FR" sz="1900" dirty="0"/>
                     </a:p>
                   </a:txBody>
                   <a:tcPr>
@@ -11070,10 +12153,10 @@
                     <a:p>
                       <a:pPr algn="ctr"/>
                       <a:r>
-                        <a:rPr lang="fr-FR" dirty="0" err="1" smtClean="0"/>
+                        <a:rPr lang="fr-FR" sz="1900" dirty="0" err="1" smtClean="0"/>
                         <a:t>Polymer</a:t>
                       </a:r>
-                      <a:endParaRPr lang="fr-FR" dirty="0" smtClean="0"/>
+                      <a:endParaRPr lang="fr-FR" sz="1900" dirty="0" smtClean="0"/>
                     </a:p>
                   </a:txBody>
                   <a:tcPr>
@@ -11081,7 +12164,7 @@
                   </a:tcPr>
                 </a:tc>
               </a:tr>
-              <a:tr h="370840">
+              <a:tr h="381000">
                 <a:tc>
                   <a:txBody>
                     <a:bodyPr/>
@@ -11089,10 +12172,10 @@
                     <a:p>
                       <a:pPr algn="ctr"/>
                       <a:r>
-                        <a:rPr lang="fr-FR" dirty="0" smtClean="0"/>
+                        <a:rPr lang="fr-FR" sz="1900" dirty="0" smtClean="0"/>
                         <a:t>AFC</a:t>
                       </a:r>
-                      <a:endParaRPr lang="fr-FR" dirty="0"/>
+                      <a:endParaRPr lang="fr-FR" sz="1900" dirty="0"/>
                     </a:p>
                   </a:txBody>
                   <a:tcPr>
@@ -11111,10 +12194,10 @@
                     <a:p>
                       <a:pPr algn="ctr"/>
                       <a:r>
-                        <a:rPr lang="fr-FR" dirty="0" smtClean="0"/>
+                        <a:rPr lang="fr-FR" sz="1900" dirty="0" smtClean="0"/>
                         <a:t>40-200</a:t>
                       </a:r>
-                      <a:endParaRPr lang="fr-FR" dirty="0"/>
+                      <a:endParaRPr lang="fr-FR" sz="1900" dirty="0"/>
                     </a:p>
                   </a:txBody>
                   <a:tcPr>
@@ -11128,7 +12211,7 @@
                     <a:p>
                       <a:pPr algn="ctr"/>
                       <a:r>
-                        <a:rPr lang="fr-FR" sz="1800" kern="1200" dirty="0" smtClean="0">
+                        <a:rPr lang="fr-FR" sz="1900" kern="1200" dirty="0" smtClean="0">
                           <a:solidFill>
                             <a:schemeClr val="tx1"/>
                           </a:solidFill>
@@ -11139,7 +12222,7 @@
                         <a:t>H</a:t>
                       </a:r>
                       <a:r>
-                        <a:rPr lang="fr-FR" sz="1800" kern="1200" baseline="-25000" dirty="0" smtClean="0">
+                        <a:rPr lang="fr-FR" sz="1900" kern="1200" baseline="-25000" dirty="0" smtClean="0">
                           <a:solidFill>
                             <a:schemeClr val="tx1"/>
                           </a:solidFill>
@@ -11149,7 +12232,7 @@
                         </a:rPr>
                         <a:t>2</a:t>
                       </a:r>
-                      <a:endParaRPr lang="fr-FR" dirty="0"/>
+                      <a:endParaRPr lang="fr-FR" sz="1900" dirty="0"/>
                     </a:p>
                   </a:txBody>
                   <a:tcPr>
@@ -11163,10 +12246,10 @@
                     <a:p>
                       <a:pPr algn="ctr"/>
                       <a:r>
-                        <a:rPr lang="fr-FR" dirty="0" smtClean="0"/>
+                        <a:rPr lang="fr-FR" sz="1900" dirty="0" smtClean="0"/>
                         <a:t>KOH</a:t>
                       </a:r>
-                      <a:endParaRPr lang="fr-FR" dirty="0"/>
+                      <a:endParaRPr lang="fr-FR" sz="1900" dirty="0"/>
                     </a:p>
                   </a:txBody>
                   <a:tcPr>
@@ -11174,7 +12257,7 @@
                   </a:tcPr>
                 </a:tc>
               </a:tr>
-              <a:tr h="370840">
+              <a:tr h="381000">
                 <a:tc>
                   <a:txBody>
                     <a:bodyPr/>
@@ -11182,10 +12265,10 @@
                     <a:p>
                       <a:pPr algn="ctr"/>
                       <a:r>
-                        <a:rPr lang="fr-FR" dirty="0" smtClean="0"/>
+                        <a:rPr lang="fr-FR" sz="1900" dirty="0" smtClean="0"/>
                         <a:t>DMFC</a:t>
                       </a:r>
-                      <a:endParaRPr lang="fr-FR" dirty="0"/>
+                      <a:endParaRPr lang="fr-FR" sz="1900" dirty="0"/>
                     </a:p>
                   </a:txBody>
                   <a:tcPr>
@@ -11204,10 +12287,10 @@
                     <a:p>
                       <a:pPr algn="ctr"/>
                       <a:r>
-                        <a:rPr lang="fr-FR" dirty="0" smtClean="0"/>
+                        <a:rPr lang="fr-FR" sz="1900" dirty="0" smtClean="0"/>
                         <a:t>60-130</a:t>
                       </a:r>
-                      <a:endParaRPr lang="fr-FR" dirty="0"/>
+                      <a:endParaRPr lang="fr-FR" sz="1900" dirty="0"/>
                     </a:p>
                   </a:txBody>
                   <a:tcPr>
@@ -11221,10 +12304,10 @@
                     <a:p>
                       <a:pPr algn="ctr"/>
                       <a:r>
-                        <a:rPr lang="fr-FR" dirty="0" err="1" smtClean="0"/>
+                        <a:rPr lang="fr-FR" sz="1900" dirty="0" err="1" smtClean="0"/>
                         <a:t>Methanol</a:t>
                       </a:r>
-                      <a:endParaRPr lang="fr-FR" dirty="0"/>
+                      <a:endParaRPr lang="fr-FR" sz="1900" dirty="0"/>
                     </a:p>
                   </a:txBody>
                   <a:tcPr>
@@ -11238,10 +12321,10 @@
                     <a:p>
                       <a:pPr algn="ctr"/>
                       <a:r>
-                        <a:rPr lang="fr-FR" dirty="0" err="1" smtClean="0"/>
+                        <a:rPr lang="fr-FR" sz="1900" dirty="0" err="1" smtClean="0"/>
                         <a:t>Polymer</a:t>
                       </a:r>
-                      <a:endParaRPr lang="fr-FR" dirty="0"/>
+                      <a:endParaRPr lang="fr-FR" sz="1900" dirty="0"/>
                     </a:p>
                   </a:txBody>
                   <a:tcPr>
@@ -11249,7 +12332,7 @@
                   </a:tcPr>
                 </a:tc>
               </a:tr>
-              <a:tr h="370840">
+              <a:tr h="381000">
                 <a:tc>
                   <a:txBody>
                     <a:bodyPr/>
@@ -11257,10 +12340,10 @@
                     <a:p>
                       <a:pPr algn="ctr"/>
                       <a:r>
-                        <a:rPr lang="fr-FR" dirty="0" smtClean="0"/>
+                        <a:rPr lang="fr-FR" sz="1900" dirty="0" smtClean="0"/>
                         <a:t>PAFC</a:t>
                       </a:r>
-                      <a:endParaRPr lang="fr-FR" dirty="0"/>
+                      <a:endParaRPr lang="fr-FR" sz="1900" dirty="0"/>
                     </a:p>
                   </a:txBody>
                   <a:tcPr>
@@ -11279,10 +12362,10 @@
                     <a:p>
                       <a:pPr algn="ctr"/>
                       <a:r>
-                        <a:rPr lang="fr-FR" dirty="0" smtClean="0"/>
+                        <a:rPr lang="fr-FR" sz="1900" dirty="0" smtClean="0"/>
                         <a:t>200</a:t>
                       </a:r>
-                      <a:endParaRPr lang="fr-FR" dirty="0"/>
+                      <a:endParaRPr lang="fr-FR" sz="1900" dirty="0"/>
                     </a:p>
                   </a:txBody>
                   <a:tcPr>
@@ -11296,7 +12379,7 @@
                     <a:p>
                       <a:pPr algn="ctr"/>
                       <a:r>
-                        <a:rPr lang="fr-FR" sz="1800" kern="1200" dirty="0" smtClean="0">
+                        <a:rPr lang="fr-FR" sz="1900" kern="1200" dirty="0" smtClean="0">
                           <a:solidFill>
                             <a:schemeClr val="tx1"/>
                           </a:solidFill>
@@ -11307,7 +12390,7 @@
                         <a:t>H</a:t>
                       </a:r>
                       <a:r>
-                        <a:rPr lang="fr-FR" sz="1800" kern="1200" baseline="-25000" dirty="0" smtClean="0">
+                        <a:rPr lang="fr-FR" sz="1900" kern="1200" baseline="-25000" dirty="0" smtClean="0">
                           <a:solidFill>
                             <a:schemeClr val="tx1"/>
                           </a:solidFill>
@@ -11318,7 +12401,7 @@
                         <a:t>2</a:t>
                       </a:r>
                       <a:r>
-                        <a:rPr lang="fr-FR" sz="1800" kern="1200" baseline="0" dirty="0" smtClean="0">
+                        <a:rPr lang="fr-FR" sz="1900" kern="1200" baseline="0" dirty="0" smtClean="0">
                           <a:solidFill>
                             <a:schemeClr val="tx1"/>
                           </a:solidFill>
@@ -11329,7 +12412,7 @@
                         <a:t> (/CO</a:t>
                       </a:r>
                       <a:r>
-                        <a:rPr lang="fr-FR" sz="1800" kern="1200" baseline="-25000" dirty="0" smtClean="0">
+                        <a:rPr lang="fr-FR" sz="1900" kern="1200" baseline="-25000" dirty="0" smtClean="0">
                           <a:solidFill>
                             <a:schemeClr val="tx1"/>
                           </a:solidFill>
@@ -11340,7 +12423,7 @@
                         <a:t>2</a:t>
                       </a:r>
                       <a:r>
-                        <a:rPr lang="fr-FR" sz="1800" kern="1200" baseline="0" dirty="0" smtClean="0">
+                        <a:rPr lang="fr-FR" sz="1900" kern="1200" baseline="0" dirty="0" smtClean="0">
                           <a:solidFill>
                             <a:schemeClr val="tx1"/>
                           </a:solidFill>
@@ -11350,7 +12433,7 @@
                         </a:rPr>
                         <a:t>)</a:t>
                       </a:r>
-                      <a:endParaRPr lang="fr-FR" dirty="0"/>
+                      <a:endParaRPr lang="fr-FR" sz="1900" dirty="0"/>
                     </a:p>
                   </a:txBody>
                   <a:tcPr>
@@ -11364,14 +12447,14 @@
                     <a:p>
                       <a:pPr algn="ctr"/>
                       <a:r>
-                        <a:rPr lang="fr-FR" dirty="0" err="1" smtClean="0"/>
+                        <a:rPr lang="fr-FR" sz="1900" dirty="0" err="1" smtClean="0"/>
                         <a:t>Phosphoric</a:t>
                       </a:r>
                       <a:r>
-                        <a:rPr lang="fr-FR" dirty="0" smtClean="0"/>
+                        <a:rPr lang="fr-FR" sz="1900" dirty="0" smtClean="0"/>
                         <a:t> Acid</a:t>
                       </a:r>
-                      <a:endParaRPr lang="fr-FR" dirty="0"/>
+                      <a:endParaRPr lang="fr-FR" sz="1900" dirty="0"/>
                     </a:p>
                   </a:txBody>
                   <a:tcPr>
@@ -11379,7 +12462,7 @@
                   </a:tcPr>
                 </a:tc>
               </a:tr>
-              <a:tr h="370840">
+              <a:tr h="381000">
                 <a:tc>
                   <a:txBody>
                     <a:bodyPr/>
@@ -11387,10 +12470,10 @@
                     <a:p>
                       <a:pPr algn="ctr"/>
                       <a:r>
-                        <a:rPr lang="fr-FR" dirty="0" smtClean="0"/>
+                        <a:rPr lang="fr-FR" sz="1900" dirty="0" smtClean="0"/>
                         <a:t>MCFC</a:t>
                       </a:r>
-                      <a:endParaRPr lang="fr-FR" dirty="0"/>
+                      <a:endParaRPr lang="fr-FR" sz="1900" dirty="0"/>
                     </a:p>
                   </a:txBody>
                   <a:tcPr>
@@ -11409,10 +12492,10 @@
                     <a:p>
                       <a:pPr algn="ctr"/>
                       <a:r>
-                        <a:rPr lang="fr-FR" dirty="0" smtClean="0"/>
+                        <a:rPr lang="fr-FR" sz="1900" dirty="0" smtClean="0"/>
                         <a:t>650</a:t>
                       </a:r>
-                      <a:endParaRPr lang="fr-FR" dirty="0"/>
+                      <a:endParaRPr lang="fr-FR" sz="1900" dirty="0"/>
                     </a:p>
                   </a:txBody>
                   <a:tcPr>
@@ -11426,7 +12509,7 @@
                     <a:p>
                       <a:pPr algn="ctr"/>
                       <a:r>
-                        <a:rPr lang="fr-FR" sz="1800" kern="1200" dirty="0" smtClean="0">
+                        <a:rPr lang="fr-FR" sz="1900" kern="1200" dirty="0" smtClean="0">
                           <a:solidFill>
                             <a:schemeClr val="tx1"/>
                           </a:solidFill>
@@ -11437,7 +12520,7 @@
                         <a:t>CH</a:t>
                       </a:r>
                       <a:r>
-                        <a:rPr lang="fr-FR" sz="1800" kern="1200" baseline="-25000" dirty="0" smtClean="0">
+                        <a:rPr lang="fr-FR" sz="1900" kern="1200" baseline="-25000" dirty="0" smtClean="0">
                           <a:solidFill>
                             <a:schemeClr val="tx1"/>
                           </a:solidFill>
@@ -11448,7 +12531,7 @@
                         <a:t>4</a:t>
                       </a:r>
                       <a:r>
-                        <a:rPr lang="fr-FR" sz="1800" kern="1200" baseline="0" dirty="0" smtClean="0">
+                        <a:rPr lang="fr-FR" sz="1900" kern="1200" baseline="0" dirty="0" smtClean="0">
                           <a:solidFill>
                             <a:schemeClr val="tx1"/>
                           </a:solidFill>
@@ -11459,7 +12542,7 @@
                         <a:t>,</a:t>
                       </a:r>
                       <a:r>
-                        <a:rPr lang="fr-FR" sz="1800" kern="1200" dirty="0" smtClean="0">
+                        <a:rPr lang="fr-FR" sz="1900" kern="1200" dirty="0" smtClean="0">
                           <a:solidFill>
                             <a:schemeClr val="tx1"/>
                           </a:solidFill>
@@ -11470,7 +12553,7 @@
                         <a:t> H</a:t>
                       </a:r>
                       <a:r>
-                        <a:rPr lang="fr-FR" sz="1800" kern="1200" baseline="-25000" dirty="0" smtClean="0">
+                        <a:rPr lang="fr-FR" sz="1900" kern="1200" baseline="-25000" dirty="0" smtClean="0">
                           <a:solidFill>
                             <a:schemeClr val="tx1"/>
                           </a:solidFill>
@@ -11481,7 +12564,7 @@
                         <a:t>2</a:t>
                       </a:r>
                       <a:r>
-                        <a:rPr lang="fr-FR" sz="1800" kern="1200" baseline="0" dirty="0" smtClean="0">
+                        <a:rPr lang="fr-FR" sz="1900" kern="1200" baseline="0" dirty="0" smtClean="0">
                           <a:solidFill>
                             <a:schemeClr val="tx1"/>
                           </a:solidFill>
@@ -11492,7 +12575,7 @@
                         <a:t>, CO</a:t>
                       </a:r>
                       <a:r>
-                        <a:rPr lang="fr-FR" sz="1800" kern="1200" baseline="-25000" dirty="0" smtClean="0">
+                        <a:rPr lang="fr-FR" sz="1900" kern="1200" baseline="-25000" dirty="0" smtClean="0">
                           <a:solidFill>
                             <a:schemeClr val="tx1"/>
                           </a:solidFill>
@@ -11502,7 +12585,7 @@
                         </a:rPr>
                         <a:t>2</a:t>
                       </a:r>
-                      <a:endParaRPr lang="fr-FR" dirty="0"/>
+                      <a:endParaRPr lang="fr-FR" sz="1900" dirty="0"/>
                     </a:p>
                   </a:txBody>
                   <a:tcPr>
@@ -11516,14 +12599,14 @@
                     <a:p>
                       <a:pPr algn="ctr"/>
                       <a:r>
-                        <a:rPr lang="fr-FR" dirty="0" err="1" smtClean="0"/>
+                        <a:rPr lang="fr-FR" sz="1900" dirty="0" err="1" smtClean="0"/>
                         <a:t>Molten</a:t>
                       </a:r>
                       <a:r>
-                        <a:rPr lang="fr-FR" dirty="0" smtClean="0"/>
+                        <a:rPr lang="fr-FR" sz="1900" dirty="0" smtClean="0"/>
                         <a:t> Carbonate</a:t>
                       </a:r>
-                      <a:endParaRPr lang="fr-FR" dirty="0"/>
+                      <a:endParaRPr lang="fr-FR" sz="1900" dirty="0"/>
                     </a:p>
                   </a:txBody>
                   <a:tcPr>
@@ -11531,7 +12614,7 @@
                   </a:tcPr>
                 </a:tc>
               </a:tr>
-              <a:tr h="370840">
+              <a:tr h="381000">
                 <a:tc>
                   <a:txBody>
                     <a:bodyPr/>
@@ -11539,10 +12622,10 @@
                     <a:p>
                       <a:pPr algn="ctr"/>
                       <a:r>
-                        <a:rPr lang="fr-FR" dirty="0" smtClean="0"/>
+                        <a:rPr lang="fr-FR" sz="1900" dirty="0" smtClean="0"/>
                         <a:t>SOFC</a:t>
                       </a:r>
-                      <a:endParaRPr lang="fr-FR" dirty="0"/>
+                      <a:endParaRPr lang="fr-FR" sz="1900" dirty="0"/>
                     </a:p>
                   </a:txBody>
                   <a:tcPr>
@@ -11561,10 +12644,10 @@
                     <a:p>
                       <a:pPr algn="ctr"/>
                       <a:r>
-                        <a:rPr lang="fr-FR" dirty="0" smtClean="0"/>
+                        <a:rPr lang="fr-FR" sz="1900" dirty="0" smtClean="0"/>
                         <a:t>600-950</a:t>
                       </a:r>
-                      <a:endParaRPr lang="fr-FR" dirty="0"/>
+                      <a:endParaRPr lang="fr-FR" sz="1900" dirty="0"/>
                     </a:p>
                   </a:txBody>
                   <a:tcPr>
@@ -11578,7 +12661,7 @@
                     <a:p>
                       <a:pPr algn="ctr"/>
                       <a:r>
-                        <a:rPr lang="fr-FR" sz="1800" kern="1200" dirty="0" smtClean="0">
+                        <a:rPr lang="fr-FR" sz="1900" kern="1200" dirty="0" smtClean="0">
                           <a:solidFill>
                             <a:schemeClr val="tx1"/>
                           </a:solidFill>
@@ -11589,7 +12672,7 @@
                         <a:t>CH</a:t>
                       </a:r>
                       <a:r>
-                        <a:rPr lang="fr-FR" sz="1800" kern="1200" baseline="-25000" dirty="0" smtClean="0">
+                        <a:rPr lang="fr-FR" sz="1900" kern="1200" baseline="-25000" dirty="0" smtClean="0">
                           <a:solidFill>
                             <a:schemeClr val="tx1"/>
                           </a:solidFill>
@@ -11600,7 +12683,7 @@
                         <a:t>4</a:t>
                       </a:r>
                       <a:r>
-                        <a:rPr lang="fr-FR" sz="1800" kern="1200" baseline="0" dirty="0" smtClean="0">
+                        <a:rPr lang="fr-FR" sz="1900" kern="1200" baseline="0" dirty="0" smtClean="0">
                           <a:solidFill>
                             <a:schemeClr val="tx1"/>
                           </a:solidFill>
@@ -11611,7 +12694,7 @@
                         <a:t>,</a:t>
                       </a:r>
                       <a:r>
-                        <a:rPr lang="fr-FR" sz="1800" kern="1200" dirty="0" smtClean="0">
+                        <a:rPr lang="fr-FR" sz="1900" kern="1200" dirty="0" smtClean="0">
                           <a:solidFill>
                             <a:schemeClr val="tx1"/>
                           </a:solidFill>
@@ -11622,7 +12705,7 @@
                         <a:t> H</a:t>
                       </a:r>
                       <a:r>
-                        <a:rPr lang="fr-FR" sz="1800" kern="1200" baseline="-25000" dirty="0" smtClean="0">
+                        <a:rPr lang="fr-FR" sz="1900" kern="1200" baseline="-25000" dirty="0" smtClean="0">
                           <a:solidFill>
                             <a:schemeClr val="tx1"/>
                           </a:solidFill>
@@ -11633,7 +12716,7 @@
                         <a:t>2</a:t>
                       </a:r>
                       <a:r>
-                        <a:rPr lang="fr-FR" sz="1800" kern="1200" baseline="0" dirty="0" smtClean="0">
+                        <a:rPr lang="fr-FR" sz="1900" kern="1200" baseline="0" dirty="0" smtClean="0">
                           <a:solidFill>
                             <a:schemeClr val="tx1"/>
                           </a:solidFill>
@@ -11644,7 +12727,7 @@
                         <a:t>, CO</a:t>
                       </a:r>
                       <a:r>
-                        <a:rPr lang="fr-FR" sz="1800" kern="1200" baseline="-25000" dirty="0" smtClean="0">
+                        <a:rPr lang="fr-FR" sz="1900" kern="1200" baseline="-25000" dirty="0" smtClean="0">
                           <a:solidFill>
                             <a:schemeClr val="tx1"/>
                           </a:solidFill>
@@ -11654,7 +12737,7 @@
                         </a:rPr>
                         <a:t>2</a:t>
                       </a:r>
-                      <a:endParaRPr lang="fr-FR" dirty="0"/>
+                      <a:endParaRPr lang="fr-FR" sz="1900" dirty="0"/>
                     </a:p>
                   </a:txBody>
                   <a:tcPr>
@@ -11668,14 +12751,14 @@
                     <a:p>
                       <a:pPr algn="ctr"/>
                       <a:r>
-                        <a:rPr lang="fr-FR" dirty="0" smtClean="0"/>
+                        <a:rPr lang="fr-FR" sz="1900" dirty="0" smtClean="0"/>
                         <a:t>Solid </a:t>
                       </a:r>
                       <a:r>
-                        <a:rPr lang="fr-FR" dirty="0" err="1" smtClean="0"/>
+                        <a:rPr lang="fr-FR" sz="1900" dirty="0" err="1" smtClean="0"/>
                         <a:t>Oxide</a:t>
                       </a:r>
-                      <a:endParaRPr lang="fr-FR" dirty="0"/>
+                      <a:endParaRPr lang="fr-FR" sz="1900" dirty="0"/>
                     </a:p>
                   </a:txBody>
                   <a:tcPr>
@@ -11695,10 +12778,10 @@
         </p:nvGrpSpPr>
         <p:grpSpPr>
           <a:xfrm>
-            <a:off x="1227911" y="4987098"/>
+            <a:off x="1227914" y="4987099"/>
             <a:ext cx="1678577" cy="369332"/>
             <a:chOff x="1097280" y="4870891"/>
-            <a:chExt cx="1678577" cy="369332"/>
+            <a:chExt cx="1678577" cy="369330"/>
           </a:xfrm>
         </p:grpSpPr>
         <p:sp>
@@ -11759,7 +12842,7 @@
           <p:spPr>
             <a:xfrm>
               <a:off x="1313280" y="4870891"/>
-              <a:ext cx="1462577" cy="369332"/>
+              <a:ext cx="1462577" cy="369330"/>
             </a:xfrm>
             <a:prstGeom prst="rect">
               <a:avLst/>
@@ -11773,7 +12856,7 @@
             <a:lstStyle/>
             <a:p>
               <a:r>
-                <a:rPr lang="fr-FR" dirty="0" smtClean="0"/>
+                <a:rPr lang="fr-FR" dirty="0"/>
                 <a:t>Noble </a:t>
               </a:r>
               <a:r>
@@ -11781,7 +12864,7 @@
                 <a:t>m</a:t>
               </a:r>
               <a:r>
-                <a:rPr lang="fr-FR" dirty="0" err="1" smtClean="0"/>
+                <a:rPr lang="fr-FR" dirty="0" err="1"/>
                 <a:t>etals</a:t>
               </a:r>
               <a:endParaRPr lang="fr-FR" dirty="0"/>
@@ -11797,7 +12880,7 @@
         </p:nvGrpSpPr>
         <p:grpSpPr>
           <a:xfrm>
-            <a:off x="4296593" y="4987098"/>
+            <a:off x="4296601" y="4987108"/>
             <a:ext cx="3403963" cy="369332"/>
             <a:chOff x="1097280" y="4853314"/>
             <a:chExt cx="3403963" cy="369332"/>
@@ -11875,15 +12958,15 @@
             <a:lstStyle/>
             <a:p>
               <a:r>
-                <a:rPr lang="fr-FR" dirty="0" err="1" smtClean="0"/>
+                <a:rPr lang="fr-FR" dirty="0" err="1"/>
                 <a:t>Non-metals</a:t>
               </a:r>
               <a:r>
-                <a:rPr lang="fr-FR" dirty="0" smtClean="0"/>
+                <a:rPr lang="fr-FR" dirty="0"/>
                 <a:t>/ Non-noble </a:t>
               </a:r>
               <a:r>
-                <a:rPr lang="fr-FR" dirty="0" err="1" smtClean="0"/>
+                <a:rPr lang="fr-FR" dirty="0" err="1"/>
                 <a:t>metals</a:t>
               </a:r>
               <a:endParaRPr lang="fr-FR" dirty="0"/>
@@ -11899,10 +12982,10 @@
         </p:nvGrpSpPr>
         <p:grpSpPr>
           <a:xfrm>
-            <a:off x="9090661" y="4987098"/>
+            <a:off x="9090669" y="4987099"/>
             <a:ext cx="2078083" cy="369332"/>
             <a:chOff x="1097280" y="4870891"/>
-            <a:chExt cx="2078083" cy="369332"/>
+            <a:chExt cx="2078083" cy="369330"/>
           </a:xfrm>
         </p:grpSpPr>
         <p:sp>
@@ -11963,7 +13046,7 @@
           <p:spPr>
             <a:xfrm>
               <a:off x="1313280" y="4870891"/>
-              <a:ext cx="1862083" cy="369332"/>
+              <a:ext cx="1862083" cy="369330"/>
             </a:xfrm>
             <a:prstGeom prst="rect">
               <a:avLst/>
@@ -11977,11 +13060,11 @@
             <a:lstStyle/>
             <a:p>
               <a:r>
-                <a:rPr lang="fr-FR" dirty="0" smtClean="0"/>
+                <a:rPr lang="fr-FR" dirty="0"/>
                 <a:t>Non-noble </a:t>
               </a:r>
               <a:r>
-                <a:rPr lang="fr-FR" dirty="0" err="1" smtClean="0"/>
+                <a:rPr lang="fr-FR" dirty="0" err="1"/>
                 <a:t>metals</a:t>
               </a:r>
               <a:endParaRPr lang="fr-FR" dirty="0"/>
@@ -11993,116 +13076,6 @@
     <p:extLst>
       <p:ext uri="{BB962C8B-B14F-4D97-AF65-F5344CB8AC3E}">
         <p14:creationId xmlns:p14="http://schemas.microsoft.com/office/powerpoint/2010/main" val="543163528"/>
-      </p:ext>
-    </p:extLst>
-  </p:cSld>
-  <p:clrMapOvr>
-    <a:masterClrMapping/>
-  </p:clrMapOvr>
-  <p:timing>
-    <p:tnLst>
-      <p:par>
-        <p:cTn id="1" dur="indefinite" restart="never" nodeType="tmRoot"/>
-      </p:par>
-    </p:tnLst>
-  </p:timing>
-</p:sld>
-</file>
-
-<file path=ppt/slides/slide5.xml><?xml version="1.0" encoding="utf-8"?>
-<p:sld xmlns:a="http://schemas.openxmlformats.org/drawingml/2006/main" xmlns:r="http://schemas.openxmlformats.org/officeDocument/2006/relationships" xmlns:p="http://schemas.openxmlformats.org/presentationml/2006/main">
-  <p:cSld>
-    <p:spTree>
-      <p:nvGrpSpPr>
-        <p:cNvPr id="1" name=""/>
-        <p:cNvGrpSpPr/>
-        <p:nvPr/>
-      </p:nvGrpSpPr>
-      <p:grpSpPr>
-        <a:xfrm>
-          <a:off x="0" y="0"/>
-          <a:ext cx="0" cy="0"/>
-          <a:chOff x="0" y="0"/>
-          <a:chExt cx="0" cy="0"/>
-        </a:xfrm>
-      </p:grpSpPr>
-      <p:sp>
-        <p:nvSpPr>
-          <p:cNvPr id="2" name="Titre 1"/>
-          <p:cNvSpPr>
-            <a:spLocks noGrp="1"/>
-          </p:cNvSpPr>
-          <p:nvPr>
-            <p:ph type="title"/>
-          </p:nvPr>
-        </p:nvSpPr>
-        <p:spPr/>
-        <p:txBody>
-          <a:bodyPr/>
-          <a:lstStyle/>
-          <a:p>
-            <a:r>
-              <a:rPr lang="fr-FR" dirty="0" smtClean="0"/>
-              <a:t>PRODUCT PERSPECTIVES</a:t>
-            </a:r>
-            <a:endParaRPr lang="fr-FR" dirty="0"/>
-          </a:p>
-        </p:txBody>
-      </p:sp>
-      <p:graphicFrame>
-        <p:nvGraphicFramePr>
-          <p:cNvPr id="5" name="Espace réservé du contenu 3"/>
-          <p:cNvGraphicFramePr>
-            <a:graphicFrameLocks noGrp="1"/>
-          </p:cNvGraphicFramePr>
-          <p:nvPr>
-            <p:ph sz="half" idx="1"/>
-            <p:extLst>
-              <p:ext uri="{D42A27DB-BD31-4B8C-83A1-F6EECF244321}">
-                <p14:modId xmlns:p14="http://schemas.microsoft.com/office/powerpoint/2010/main" val="2753140693"/>
-              </p:ext>
-            </p:extLst>
-          </p:nvPr>
-        </p:nvGraphicFramePr>
-        <p:xfrm>
-          <a:off x="1096963" y="1846263"/>
-          <a:ext cx="4938712" cy="4022725"/>
-        </p:xfrm>
-        <a:graphic>
-          <a:graphicData uri="http://schemas.openxmlformats.org/drawingml/2006/chart">
-            <c:chart xmlns:c="http://schemas.openxmlformats.org/drawingml/2006/chart" xmlns:r="http://schemas.openxmlformats.org/officeDocument/2006/relationships" r:id="rId2"/>
-          </a:graphicData>
-        </a:graphic>
-      </p:graphicFrame>
-      <p:graphicFrame>
-        <p:nvGraphicFramePr>
-          <p:cNvPr id="6" name="Espace réservé du contenu 3"/>
-          <p:cNvGraphicFramePr>
-            <a:graphicFrameLocks noGrp="1"/>
-          </p:cNvGraphicFramePr>
-          <p:nvPr>
-            <p:ph sz="half" idx="2"/>
-            <p:extLst>
-              <p:ext uri="{D42A27DB-BD31-4B8C-83A1-F6EECF244321}">
-                <p14:modId xmlns:p14="http://schemas.microsoft.com/office/powerpoint/2010/main" val="3228716838"/>
-              </p:ext>
-            </p:extLst>
-          </p:nvPr>
-        </p:nvGraphicFramePr>
-        <p:xfrm>
-          <a:off x="6218238" y="1846263"/>
-          <a:ext cx="4937125" cy="4022725"/>
-        </p:xfrm>
-        <a:graphic>
-          <a:graphicData uri="http://schemas.openxmlformats.org/drawingml/2006/chart">
-            <c:chart xmlns:c="http://schemas.openxmlformats.org/drawingml/2006/chart" xmlns:r="http://schemas.openxmlformats.org/officeDocument/2006/relationships" r:id="rId3"/>
-          </a:graphicData>
-        </a:graphic>
-      </p:graphicFrame>
-    </p:spTree>
-    <p:extLst>
-      <p:ext uri="{BB962C8B-B14F-4D97-AF65-F5344CB8AC3E}">
-        <p14:creationId xmlns:p14="http://schemas.microsoft.com/office/powerpoint/2010/main" val="527138977"/>
       </p:ext>
     </p:extLst>
   </p:cSld>
@@ -12152,10 +13125,120 @@
           <a:lstStyle/>
           <a:p>
             <a:r>
-              <a:rPr lang="fr-FR" dirty="0" smtClean="0"/>
+              <a:rPr lang="en-US" noProof="0" dirty="0" smtClean="0"/>
               <a:t>PRODUCT PERSPECTIVES</a:t>
             </a:r>
-            <a:endParaRPr lang="fr-FR" dirty="0"/>
+            <a:endParaRPr lang="en-US" noProof="0" dirty="0"/>
+          </a:p>
+        </p:txBody>
+      </p:sp>
+      <p:graphicFrame>
+        <p:nvGraphicFramePr>
+          <p:cNvPr id="5" name="Espace réservé du contenu 3"/>
+          <p:cNvGraphicFramePr>
+            <a:graphicFrameLocks noGrp="1"/>
+          </p:cNvGraphicFramePr>
+          <p:nvPr>
+            <p:ph sz="half" idx="1"/>
+            <p:extLst>
+              <p:ext uri="{D42A27DB-BD31-4B8C-83A1-F6EECF244321}">
+                <p14:modId xmlns:p14="http://schemas.microsoft.com/office/powerpoint/2010/main" val="2753140693"/>
+              </p:ext>
+            </p:extLst>
+          </p:nvPr>
+        </p:nvGraphicFramePr>
+        <p:xfrm>
+          <a:off x="1096963" y="1846264"/>
+          <a:ext cx="4938712" cy="4022725"/>
+        </p:xfrm>
+        <a:graphic>
+          <a:graphicData uri="http://schemas.openxmlformats.org/drawingml/2006/chart">
+            <c:chart xmlns:c="http://schemas.openxmlformats.org/drawingml/2006/chart" xmlns:r="http://schemas.openxmlformats.org/officeDocument/2006/relationships" r:id="rId2"/>
+          </a:graphicData>
+        </a:graphic>
+      </p:graphicFrame>
+      <p:graphicFrame>
+        <p:nvGraphicFramePr>
+          <p:cNvPr id="6" name="Espace réservé du contenu 3"/>
+          <p:cNvGraphicFramePr>
+            <a:graphicFrameLocks noGrp="1"/>
+          </p:cNvGraphicFramePr>
+          <p:nvPr>
+            <p:ph sz="half" idx="2"/>
+            <p:extLst>
+              <p:ext uri="{D42A27DB-BD31-4B8C-83A1-F6EECF244321}">
+                <p14:modId xmlns:p14="http://schemas.microsoft.com/office/powerpoint/2010/main" val="3228716838"/>
+              </p:ext>
+            </p:extLst>
+          </p:nvPr>
+        </p:nvGraphicFramePr>
+        <p:xfrm>
+          <a:off x="6218245" y="1846270"/>
+          <a:ext cx="4937125" cy="4022725"/>
+        </p:xfrm>
+        <a:graphic>
+          <a:graphicData uri="http://schemas.openxmlformats.org/drawingml/2006/chart">
+            <c:chart xmlns:c="http://schemas.openxmlformats.org/drawingml/2006/chart" xmlns:r="http://schemas.openxmlformats.org/officeDocument/2006/relationships" r:id="rId3"/>
+          </a:graphicData>
+        </a:graphic>
+      </p:graphicFrame>
+    </p:spTree>
+    <p:extLst>
+      <p:ext uri="{BB962C8B-B14F-4D97-AF65-F5344CB8AC3E}">
+        <p14:creationId xmlns:p14="http://schemas.microsoft.com/office/powerpoint/2010/main" val="527138977"/>
+      </p:ext>
+    </p:extLst>
+  </p:cSld>
+  <p:clrMapOvr>
+    <a:masterClrMapping/>
+  </p:clrMapOvr>
+  <p:timing>
+    <p:tnLst>
+      <p:par>
+        <p:cTn id="1" dur="indefinite" restart="never" nodeType="tmRoot"/>
+      </p:par>
+    </p:tnLst>
+  </p:timing>
+</p:sld>
+</file>
+
+<file path=ppt/slides/slide7.xml><?xml version="1.0" encoding="utf-8"?>
+<p:sld xmlns:a="http://schemas.openxmlformats.org/drawingml/2006/main" xmlns:r="http://schemas.openxmlformats.org/officeDocument/2006/relationships" xmlns:p="http://schemas.openxmlformats.org/presentationml/2006/main">
+  <p:cSld>
+    <p:spTree>
+      <p:nvGrpSpPr>
+        <p:cNvPr id="1" name=""/>
+        <p:cNvGrpSpPr/>
+        <p:nvPr/>
+      </p:nvGrpSpPr>
+      <p:grpSpPr>
+        <a:xfrm>
+          <a:off x="0" y="0"/>
+          <a:ext cx="0" cy="0"/>
+          <a:chOff x="0" y="0"/>
+          <a:chExt cx="0" cy="0"/>
+        </a:xfrm>
+      </p:grpSpPr>
+      <p:sp>
+        <p:nvSpPr>
+          <p:cNvPr id="2" name="Titre 1"/>
+          <p:cNvSpPr>
+            <a:spLocks noGrp="1"/>
+          </p:cNvSpPr>
+          <p:nvPr>
+            <p:ph type="title"/>
+          </p:nvPr>
+        </p:nvSpPr>
+        <p:spPr/>
+        <p:txBody>
+          <a:bodyPr/>
+          <a:lstStyle/>
+          <a:p>
+            <a:r>
+              <a:rPr lang="en-US" noProof="0" dirty="0" smtClean="0"/>
+              <a:t>PRODUCT PERSPECTIVES</a:t>
+            </a:r>
+            <a:endParaRPr lang="en-US" noProof="0" dirty="0"/>
           </a:p>
         </p:txBody>
       </p:sp>
@@ -12326,7 +13409,7 @@
                   <a:tcPr/>
                 </a:tc>
               </a:tr>
-              <a:tr h="370840">
+              <a:tr h="579120">
                 <a:tc>
                   <a:txBody>
                     <a:bodyPr/>
@@ -12412,7 +13495,7 @@
                   </a:tcPr>
                 </a:tc>
               </a:tr>
-              <a:tr h="370840">
+              <a:tr h="822960">
                 <a:tc>
                   <a:txBody>
                     <a:bodyPr/>
@@ -12501,7 +13584,7 @@
                   <a:tcPr/>
                 </a:tc>
               </a:tr>
-              <a:tr h="370840">
+              <a:tr h="579120">
                 <a:tc>
                   <a:txBody>
                     <a:bodyPr/>
@@ -12593,7 +13676,7 @@
                   </a:tcPr>
                 </a:tc>
               </a:tr>
-              <a:tr h="370840">
+              <a:tr h="579120">
                 <a:tc>
                   <a:txBody>
                     <a:bodyPr/>
@@ -13031,7 +14114,7 @@
 </p:sld>
 </file>
 
-<file path=ppt/slides/slide7.xml><?xml version="1.0" encoding="utf-8"?>
+<file path=ppt/slides/slide8.xml><?xml version="1.0" encoding="utf-8"?>
 <p:sld xmlns:a="http://schemas.openxmlformats.org/drawingml/2006/main" xmlns:r="http://schemas.openxmlformats.org/officeDocument/2006/relationships" xmlns:p="http://schemas.openxmlformats.org/presentationml/2006/main">
   <p:cSld>
     <p:spTree>
@@ -13064,10 +14147,10 @@
           <a:lstStyle/>
           <a:p>
             <a:r>
-              <a:rPr lang="en-US" altLang="zh-CN" dirty="0" smtClean="0"/>
+              <a:rPr lang="en-US" altLang="zh-CN" noProof="0" dirty="0" smtClean="0"/>
               <a:t>DATA COLLECTION</a:t>
             </a:r>
-            <a:endParaRPr lang="zh-CN" altLang="en-US" dirty="0"/>
+            <a:endParaRPr lang="en-US" altLang="zh-CN" noProof="0" dirty="0"/>
           </a:p>
         </p:txBody>
       </p:sp>
@@ -13128,7 +14211,7 @@
                         <a:buNone/>
                       </a:pPr>
                       <a:r>
-                        <a:rPr lang="fr-FR" sz="1800" kern="1200" cap="all" spc="200" baseline="0" dirty="0" smtClean="0">
+                        <a:rPr lang="fr-FR" sz="1900" kern="1200" cap="all" spc="200" baseline="0" dirty="0" smtClean="0">
                           <a:solidFill>
                             <a:schemeClr val="tx2"/>
                           </a:solidFill>
@@ -13138,7 +14221,7 @@
                         </a:rPr>
                         <a:t>Questions</a:t>
                       </a:r>
-                      <a:endParaRPr lang="fr-FR" sz="1800" kern="1200" cap="all" spc="200" baseline="0" dirty="0">
+                      <a:endParaRPr lang="fr-FR" sz="1900" kern="1200" cap="all" spc="200" baseline="0" dirty="0">
                         <a:solidFill>
                           <a:schemeClr val="tx2"/>
                         </a:solidFill>
@@ -13173,7 +14256,7 @@
                         <a:buNone/>
                       </a:pPr>
                       <a:r>
-                        <a:rPr lang="fr-FR" sz="1800" kern="1200" cap="all" spc="200" baseline="0" dirty="0" smtClean="0">
+                        <a:rPr lang="fr-FR" sz="1900" kern="1200" cap="all" spc="200" baseline="0" dirty="0" smtClean="0">
                           <a:solidFill>
                             <a:schemeClr val="tx2"/>
                           </a:solidFill>
@@ -13183,7 +14266,7 @@
                         </a:rPr>
                         <a:t>Indicators</a:t>
                       </a:r>
-                      <a:endParaRPr lang="fr-FR" sz="1800" kern="1200" cap="all" spc="200" baseline="0" dirty="0">
+                      <a:endParaRPr lang="fr-FR" sz="1900" kern="1200" cap="all" spc="200" baseline="0" dirty="0">
                         <a:solidFill>
                           <a:schemeClr val="tx2"/>
                         </a:solidFill>
@@ -13218,7 +14301,7 @@
                         <a:buNone/>
                       </a:pPr>
                       <a:r>
-                        <a:rPr lang="fr-FR" sz="1800" b="1" kern="1200" cap="all" spc="200" baseline="0" dirty="0" smtClean="0">
+                        <a:rPr lang="fr-FR" sz="1900" b="1" kern="1200" cap="all" spc="200" baseline="0" dirty="0" smtClean="0">
                           <a:solidFill>
                             <a:schemeClr val="tx2"/>
                           </a:solidFill>
@@ -13228,7 +14311,7 @@
                         </a:rPr>
                         <a:t>Data collection</a:t>
                       </a:r>
-                      <a:endParaRPr lang="fr-FR" sz="1800" b="1" kern="1200" cap="all" spc="200" baseline="0" dirty="0">
+                      <a:endParaRPr lang="fr-FR" sz="1900" b="1" kern="1200" cap="all" spc="200" baseline="0" dirty="0">
                         <a:solidFill>
                           <a:schemeClr val="tx2"/>
                         </a:solidFill>
@@ -13347,7 +14430,7 @@
                   <a:tcPr/>
                 </a:tc>
               </a:tr>
-              <a:tr h="370840">
+              <a:tr h="381000">
                 <a:tc vMerge="1">
                   <a:txBody>
                     <a:bodyPr/>
@@ -13381,7 +14464,7 @@
                     <a:p>
                       <a:pPr algn="ctr"/>
                       <a:r>
-                        <a:rPr lang="fr-FR" sz="1800" b="1" kern="1200" cap="all" spc="200" baseline="0" dirty="0" smtClean="0">
+                        <a:rPr lang="fr-FR" sz="1900" b="1" kern="1200" cap="all" spc="200" baseline="0" dirty="0" smtClean="0">
                           <a:solidFill>
                             <a:schemeClr val="tx2"/>
                           </a:solidFill>
@@ -13391,7 +14474,7 @@
                         </a:rPr>
                         <a:t>sources</a:t>
                       </a:r>
-                      <a:endParaRPr lang="fr-FR" sz="1800" b="1" kern="1200" cap="all" spc="200" baseline="0" dirty="0">
+                      <a:endParaRPr lang="fr-FR" sz="1900" b="1" kern="1200" cap="all" spc="200" baseline="0" dirty="0">
                         <a:solidFill>
                           <a:schemeClr val="tx2"/>
                         </a:solidFill>
@@ -13429,7 +14512,7 @@
                     <a:p>
                       <a:pPr algn="ctr"/>
                       <a:r>
-                        <a:rPr lang="fr-FR" sz="1800" b="1" kern="1200" cap="all" spc="200" baseline="0" dirty="0" smtClean="0">
+                        <a:rPr lang="fr-FR" sz="1900" b="1" kern="1200" cap="all" spc="200" baseline="0" dirty="0" smtClean="0">
                           <a:solidFill>
                             <a:schemeClr val="tx2"/>
                           </a:solidFill>
@@ -13439,7 +14522,7 @@
                         </a:rPr>
                         <a:t>methods</a:t>
                       </a:r>
-                      <a:endParaRPr lang="fr-FR" sz="1800" b="1" kern="1200" cap="all" spc="200" baseline="0" dirty="0">
+                      <a:endParaRPr lang="fr-FR" sz="1900" b="1" kern="1200" cap="all" spc="200" baseline="0" dirty="0">
                         <a:solidFill>
                           <a:schemeClr val="tx2"/>
                         </a:solidFill>
@@ -13474,7 +14557,7 @@
                     <a:p>
                       <a:pPr algn="ctr"/>
                       <a:r>
-                        <a:rPr lang="fr-FR" sz="1800" b="1" kern="1200" cap="all" spc="200" baseline="0" dirty="0" smtClean="0">
+                        <a:rPr lang="fr-FR" sz="1900" b="1" kern="1200" cap="all" spc="200" baseline="0" dirty="0" smtClean="0">
                           <a:solidFill>
                             <a:schemeClr val="tx2"/>
                           </a:solidFill>
@@ -13484,7 +14567,7 @@
                         </a:rPr>
                         <a:t>sample</a:t>
                       </a:r>
-                      <a:endParaRPr lang="fr-FR" sz="1800" b="1" kern="1200" cap="all" spc="200" baseline="0" dirty="0">
+                      <a:endParaRPr lang="fr-FR" sz="1900" b="1" kern="1200" cap="all" spc="200" baseline="0" dirty="0">
                         <a:solidFill>
                           <a:schemeClr val="tx2"/>
                         </a:solidFill>
@@ -13519,7 +14602,7 @@
                     <a:p>
                       <a:pPr algn="ctr"/>
                       <a:r>
-                        <a:rPr lang="fr-FR" sz="1800" b="1" kern="1200" cap="all" spc="200" baseline="0" dirty="0" smtClean="0">
+                        <a:rPr lang="fr-FR" sz="1900" b="1" kern="1200" cap="all" spc="200" baseline="0" dirty="0" smtClean="0">
                           <a:solidFill>
                             <a:schemeClr val="tx2"/>
                           </a:solidFill>
@@ -13529,7 +14612,7 @@
                         </a:rPr>
                         <a:t>timing</a:t>
                       </a:r>
-                      <a:endParaRPr lang="fr-FR" sz="1800" b="1" kern="1200" cap="all" spc="200" baseline="0" dirty="0">
+                      <a:endParaRPr lang="fr-FR" sz="1900" b="1" kern="1200" cap="all" spc="200" baseline="0" dirty="0">
                         <a:solidFill>
                           <a:schemeClr val="tx2"/>
                         </a:solidFill>
@@ -13558,7 +14641,7 @@
                   </a:tcPr>
                 </a:tc>
               </a:tr>
-              <a:tr h="370840">
+              <a:tr h="1005840">
                 <a:tc>
                   <a:txBody>
                     <a:bodyPr/>
@@ -13566,22 +14649,22 @@
                     <a:p>
                       <a:pPr algn="l"/>
                       <a:r>
-                        <a:rPr lang="fr-FR" sz="1400" dirty="0" smtClean="0"/>
+                        <a:rPr lang="fr-FR" sz="1500" dirty="0" smtClean="0"/>
                         <a:t>What was the estate of the industry</a:t>
                       </a:r>
                       <a:r>
-                        <a:rPr lang="fr-FR" sz="1400" baseline="0" dirty="0" smtClean="0"/>
+                        <a:rPr lang="fr-FR" sz="1500" baseline="0" dirty="0" smtClean="0"/>
                         <a:t> in 2014? (</a:t>
                       </a:r>
                       <a:r>
-                        <a:rPr lang="fr-FR" sz="1400" baseline="0" dirty="0" err="1" smtClean="0"/>
+                        <a:rPr lang="fr-FR" sz="1500" baseline="0" dirty="0" err="1" smtClean="0"/>
                         <a:t>before</a:t>
                       </a:r>
                       <a:r>
-                        <a:rPr lang="fr-FR" sz="1400" baseline="0" dirty="0" smtClean="0"/>
+                        <a:rPr lang="fr-FR" sz="1500" baseline="0" dirty="0" smtClean="0"/>
                         <a:t> 2015)</a:t>
                       </a:r>
-                      <a:endParaRPr lang="fr-FR" sz="1400" dirty="0"/>
+                      <a:endParaRPr lang="fr-FR" sz="1500" dirty="0"/>
                     </a:p>
                   </a:txBody>
                   <a:tcPr/>
@@ -13593,14 +14676,14 @@
                     <a:p>
                       <a:pPr algn="l"/>
                       <a:r>
-                        <a:rPr lang="fr-FR" sz="1400" dirty="0" smtClean="0"/>
+                        <a:rPr lang="fr-FR" sz="1500" dirty="0" smtClean="0"/>
                         <a:t>MW sold; Units shipped; Leading</a:t>
                       </a:r>
                       <a:r>
-                        <a:rPr lang="fr-FR" sz="1400" baseline="0" dirty="0" smtClean="0"/>
+                        <a:rPr lang="fr-FR" sz="1500" baseline="0" dirty="0" smtClean="0"/>
                         <a:t> countries; Market leaders; Incentives</a:t>
                       </a:r>
-                      <a:endParaRPr lang="fr-FR" sz="1400" dirty="0"/>
+                      <a:endParaRPr lang="fr-FR" sz="1500" dirty="0"/>
                     </a:p>
                   </a:txBody>
                   <a:tcPr/>
@@ -13612,14 +14695,14 @@
                     <a:p>
                       <a:pPr algn="l"/>
                       <a:r>
-                        <a:rPr lang="fr-FR" sz="1400" dirty="0" smtClean="0"/>
+                        <a:rPr lang="fr-FR" sz="1500" dirty="0" smtClean="0"/>
                         <a:t>Older Industry</a:t>
                       </a:r>
                       <a:r>
-                        <a:rPr lang="fr-FR" sz="1400" baseline="0" dirty="0" smtClean="0"/>
+                        <a:rPr lang="fr-FR" sz="1500" baseline="0" dirty="0" smtClean="0"/>
                         <a:t> analysis reports</a:t>
                       </a:r>
-                      <a:endParaRPr lang="fr-FR" sz="1400" dirty="0"/>
+                      <a:endParaRPr lang="fr-FR" sz="1500" dirty="0"/>
                     </a:p>
                   </a:txBody>
                   <a:tcPr>
@@ -13643,10 +14726,10 @@
                     <a:p>
                       <a:pPr algn="l"/>
                       <a:r>
-                        <a:rPr lang="fr-FR" sz="1400" dirty="0" smtClean="0"/>
+                        <a:rPr lang="fr-FR" sz="1500" dirty="0" smtClean="0"/>
                         <a:t>Document review</a:t>
                       </a:r>
-                      <a:endParaRPr lang="fr-FR" sz="1400" dirty="0"/>
+                      <a:endParaRPr lang="fr-FR" sz="1500" dirty="0"/>
                     </a:p>
                   </a:txBody>
                   <a:tcPr>
@@ -13670,10 +14753,10 @@
                     <a:p>
                       <a:pPr algn="l"/>
                       <a:r>
-                        <a:rPr lang="fr-FR" sz="1400" dirty="0" smtClean="0"/>
+                        <a:rPr lang="fr-FR" sz="1500" dirty="0" smtClean="0"/>
                         <a:t>????</a:t>
                       </a:r>
-                      <a:endParaRPr lang="fr-FR" sz="1400" dirty="0"/>
+                      <a:endParaRPr lang="fr-FR" sz="1500" dirty="0"/>
                     </a:p>
                   </a:txBody>
                   <a:tcPr>
@@ -13697,10 +14780,10 @@
                     <a:p>
                       <a:pPr algn="l"/>
                       <a:r>
-                        <a:rPr lang="fr-FR" sz="1400" dirty="0" smtClean="0"/>
+                        <a:rPr lang="fr-FR" sz="1500" dirty="0" smtClean="0"/>
                         <a:t>????</a:t>
                       </a:r>
-                      <a:endParaRPr lang="fr-FR" sz="1400" dirty="0"/>
+                      <a:endParaRPr lang="fr-FR" sz="1500" dirty="0"/>
                     </a:p>
                   </a:txBody>
                   <a:tcPr>
@@ -13718,7 +14801,7 @@
                   </a:tcPr>
                 </a:tc>
               </a:tr>
-              <a:tr h="370840">
+              <a:tr h="548640">
                 <a:tc>
                   <a:txBody>
                     <a:bodyPr/>
@@ -13726,30 +14809,30 @@
                     <a:p>
                       <a:pPr algn="l"/>
                       <a:r>
-                        <a:rPr lang="fr-FR" sz="1400" dirty="0" smtClean="0"/>
+                        <a:rPr lang="fr-FR" sz="1500" dirty="0" smtClean="0"/>
                         <a:t>How</a:t>
                       </a:r>
                       <a:r>
-                        <a:rPr lang="fr-FR" sz="1400" baseline="0" dirty="0" smtClean="0"/>
+                        <a:rPr lang="fr-FR" sz="1500" baseline="0" dirty="0" smtClean="0"/>
                         <a:t> do fuel </a:t>
                       </a:r>
                       <a:r>
-                        <a:rPr lang="fr-FR" sz="1400" baseline="0" dirty="0" err="1" smtClean="0"/>
+                        <a:rPr lang="fr-FR" sz="1500" baseline="0" dirty="0" err="1" smtClean="0"/>
                         <a:t>cells</a:t>
                       </a:r>
                       <a:r>
-                        <a:rPr lang="fr-FR" sz="1400" baseline="0" dirty="0" smtClean="0"/>
+                        <a:rPr lang="fr-FR" sz="1500" baseline="0" dirty="0" smtClean="0"/>
                         <a:t> </a:t>
                       </a:r>
                       <a:r>
-                        <a:rPr lang="fr-FR" sz="1400" baseline="0" dirty="0" err="1" smtClean="0"/>
+                        <a:rPr lang="fr-FR" sz="1500" baseline="0" dirty="0" err="1" smtClean="0"/>
                         <a:t>work</a:t>
                       </a:r>
                       <a:r>
-                        <a:rPr lang="fr-FR" sz="1400" baseline="0" dirty="0" smtClean="0"/>
+                        <a:rPr lang="fr-FR" sz="1500" baseline="0" dirty="0" smtClean="0"/>
                         <a:t>?</a:t>
                       </a:r>
-                      <a:endParaRPr lang="fr-FR" sz="1400" dirty="0"/>
+                      <a:endParaRPr lang="fr-FR" sz="1500" dirty="0"/>
                     </a:p>
                   </a:txBody>
                   <a:tcPr>
@@ -13763,14 +14846,14 @@
                     <a:p>
                       <a:pPr algn="l"/>
                       <a:r>
-                        <a:rPr lang="fr-FR" sz="1400" dirty="0" smtClean="0"/>
+                        <a:rPr lang="fr-FR" sz="1500" dirty="0" smtClean="0"/>
                         <a:t>Number</a:t>
                       </a:r>
                       <a:r>
-                        <a:rPr lang="fr-FR" sz="1400" baseline="0" dirty="0" smtClean="0"/>
+                        <a:rPr lang="fr-FR" sz="1500" baseline="0" dirty="0" smtClean="0"/>
                         <a:t> of products;</a:t>
                       </a:r>
-                      <a:endParaRPr lang="fr-FR" sz="1400" dirty="0"/>
+                      <a:endParaRPr lang="fr-FR" sz="1500" dirty="0"/>
                     </a:p>
                   </a:txBody>
                   <a:tcPr>
@@ -13784,14 +14867,14 @@
                     <a:p>
                       <a:pPr algn="l"/>
                       <a:r>
-                        <a:rPr lang="fr-FR" sz="1400" dirty="0" smtClean="0"/>
+                        <a:rPr lang="fr-FR" sz="1500" dirty="0" smtClean="0"/>
                         <a:t>Web resources;</a:t>
                       </a:r>
                       <a:r>
-                        <a:rPr lang="fr-FR" sz="1400" baseline="0" dirty="0" smtClean="0"/>
+                        <a:rPr lang="fr-FR" sz="1500" baseline="0" dirty="0" smtClean="0"/>
                         <a:t> Student’s lab</a:t>
                       </a:r>
-                      <a:endParaRPr lang="fr-FR" sz="1400" dirty="0"/>
+                      <a:endParaRPr lang="fr-FR" sz="1500" dirty="0"/>
                     </a:p>
                   </a:txBody>
                   <a:tcPr>
@@ -13805,10 +14888,10 @@
                     <a:p>
                       <a:pPr algn="l"/>
                       <a:r>
-                        <a:rPr lang="fr-FR" sz="1400" dirty="0" smtClean="0"/>
+                        <a:rPr lang="fr-FR" sz="1500" dirty="0" smtClean="0"/>
                         <a:t>Document Review; Interview</a:t>
                       </a:r>
-                      <a:endParaRPr lang="fr-FR" sz="1400" dirty="0"/>
+                      <a:endParaRPr lang="fr-FR" sz="1500" dirty="0"/>
                     </a:p>
                   </a:txBody>
                   <a:tcPr>
@@ -13822,10 +14905,10 @@
                     <a:p>
                       <a:pPr algn="l"/>
                       <a:r>
-                        <a:rPr lang="fr-FR" sz="1400" dirty="0" smtClean="0"/>
+                        <a:rPr lang="fr-FR" sz="1500" dirty="0" smtClean="0"/>
                         <a:t>,????</a:t>
                       </a:r>
-                      <a:endParaRPr lang="fr-FR" sz="1400" dirty="0"/>
+                      <a:endParaRPr lang="fr-FR" sz="1500" dirty="0"/>
                     </a:p>
                   </a:txBody>
                   <a:tcPr>
@@ -13839,10 +14922,10 @@
                     <a:p>
                       <a:pPr algn="l"/>
                       <a:r>
-                        <a:rPr lang="fr-FR" sz="1400" dirty="0" smtClean="0"/>
+                        <a:rPr lang="fr-FR" sz="1500" dirty="0" smtClean="0"/>
                         <a:t>?????</a:t>
                       </a:r>
-                      <a:endParaRPr lang="fr-FR" sz="1400" dirty="0"/>
+                      <a:endParaRPr lang="fr-FR" sz="1500" dirty="0"/>
                     </a:p>
                   </a:txBody>
                   <a:tcPr>
@@ -13850,7 +14933,7 @@
                   </a:tcPr>
                 </a:tc>
               </a:tr>
-              <a:tr h="370840">
+              <a:tr h="777240">
                 <a:tc>
                   <a:txBody>
                     <a:bodyPr/>
@@ -13858,15 +14941,15 @@
                     <a:p>
                       <a:pPr algn="l"/>
                       <a:r>
-                        <a:rPr lang="fr-FR" sz="1400" dirty="0" smtClean="0"/>
+                        <a:rPr lang="fr-FR" sz="1500" dirty="0" smtClean="0"/>
                         <a:t>What are the main applications for fuell </a:t>
                       </a:r>
                       <a:r>
-                        <a:rPr lang="fr-FR" sz="1400" dirty="0" err="1" smtClean="0"/>
+                        <a:rPr lang="fr-FR" sz="1500" dirty="0" err="1" smtClean="0"/>
                         <a:t>cells</a:t>
                       </a:r>
                       <a:r>
-                        <a:rPr lang="fr-FR" sz="1400" dirty="0" smtClean="0"/>
+                        <a:rPr lang="fr-FR" sz="1500" dirty="0" smtClean="0"/>
                         <a:t>?</a:t>
                       </a:r>
                     </a:p>
@@ -13882,14 +14965,14 @@
                     <a:p>
                       <a:pPr algn="l"/>
                       <a:r>
-                        <a:rPr lang="fr-FR" sz="1400" dirty="0" smtClean="0"/>
+                        <a:rPr lang="fr-FR" sz="1500" dirty="0" smtClean="0"/>
                         <a:t>Type</a:t>
                       </a:r>
                       <a:r>
-                        <a:rPr lang="fr-FR" sz="1400" baseline="0" dirty="0" smtClean="0"/>
+                        <a:rPr lang="fr-FR" sz="1500" baseline="0" dirty="0" smtClean="0"/>
                         <a:t> of services; </a:t>
                       </a:r>
-                      <a:endParaRPr lang="fr-FR" sz="1400" dirty="0"/>
+                      <a:endParaRPr lang="fr-FR" sz="1500" dirty="0"/>
                     </a:p>
                   </a:txBody>
                   <a:tcPr>
@@ -13903,14 +14986,14 @@
                     <a:p>
                       <a:pPr algn="l"/>
                       <a:r>
-                        <a:rPr lang="fr-FR" sz="1400" dirty="0" smtClean="0"/>
+                        <a:rPr lang="fr-FR" sz="1500" dirty="0" smtClean="0"/>
                         <a:t>Web </a:t>
                       </a:r>
                       <a:r>
-                        <a:rPr lang="en-US" altLang="zh-CN" sz="1400" dirty="0" smtClean="0"/>
+                        <a:rPr lang="en-US" altLang="zh-CN" sz="1500" dirty="0" smtClean="0"/>
                         <a:t>resources</a:t>
                       </a:r>
-                      <a:endParaRPr lang="fr-FR" sz="1400" dirty="0"/>
+                      <a:endParaRPr lang="fr-FR" sz="1500" dirty="0"/>
                     </a:p>
                   </a:txBody>
                   <a:tcPr>
@@ -13924,14 +15007,14 @@
                     <a:p>
                       <a:pPr algn="l"/>
                       <a:r>
-                        <a:rPr lang="fr-FR" sz="1400" dirty="0" smtClean="0"/>
+                        <a:rPr lang="fr-FR" sz="1500" dirty="0" smtClean="0"/>
                         <a:t>Document</a:t>
                       </a:r>
                       <a:r>
-                        <a:rPr lang="fr-FR" sz="1400" baseline="0" dirty="0" smtClean="0"/>
+                        <a:rPr lang="fr-FR" sz="1500" baseline="0" dirty="0" smtClean="0"/>
                         <a:t> review</a:t>
                       </a:r>
-                      <a:endParaRPr lang="fr-FR" sz="1400" dirty="0"/>
+                      <a:endParaRPr lang="fr-FR" sz="1500" dirty="0"/>
                     </a:p>
                   </a:txBody>
                   <a:tcPr>
@@ -13945,10 +15028,10 @@
                     <a:p>
                       <a:pPr algn="l"/>
                       <a:r>
-                        <a:rPr lang="fr-FR" sz="1400" dirty="0" smtClean="0"/>
+                        <a:rPr lang="fr-FR" sz="1500" dirty="0" smtClean="0"/>
                         <a:t>?????</a:t>
                       </a:r>
-                      <a:endParaRPr lang="fr-FR" sz="1400" dirty="0"/>
+                      <a:endParaRPr lang="fr-FR" sz="1500" dirty="0"/>
                     </a:p>
                   </a:txBody>
                   <a:tcPr>
@@ -13962,10 +15045,10 @@
                     <a:p>
                       <a:pPr algn="l"/>
                       <a:r>
-                        <a:rPr lang="fr-FR" sz="1400" dirty="0" smtClean="0"/>
+                        <a:rPr lang="fr-FR" sz="1500" dirty="0" smtClean="0"/>
                         <a:t>?????</a:t>
                       </a:r>
-                      <a:endParaRPr lang="fr-FR" sz="1400" dirty="0"/>
+                      <a:endParaRPr lang="fr-FR" sz="1500" dirty="0"/>
                     </a:p>
                   </a:txBody>
                   <a:tcPr>
@@ -13973,7 +15056,7 @@
                   </a:tcPr>
                 </a:tc>
               </a:tr>
-              <a:tr h="370840">
+              <a:tr h="548640">
                 <a:tc>
                   <a:txBody>
                     <a:bodyPr/>
@@ -13981,22 +15064,22 @@
                     <a:p>
                       <a:pPr algn="l"/>
                       <a:r>
-                        <a:rPr lang="fr-FR" sz="1400" dirty="0" err="1" smtClean="0"/>
+                        <a:rPr lang="fr-FR" sz="1500" dirty="0" err="1" smtClean="0"/>
                         <a:t>What</a:t>
                       </a:r>
                       <a:r>
-                        <a:rPr lang="fr-FR" sz="1400" baseline="0" dirty="0" smtClean="0"/>
+                        <a:rPr lang="fr-FR" sz="1500" baseline="0" dirty="0" smtClean="0"/>
                         <a:t> are the innovation </a:t>
                       </a:r>
                       <a:r>
-                        <a:rPr lang="fr-FR" sz="1400" baseline="0" dirty="0" err="1" smtClean="0"/>
+                        <a:rPr lang="fr-FR" sz="1500" baseline="0" dirty="0" err="1" smtClean="0"/>
                         <a:t>fields</a:t>
                       </a:r>
                       <a:r>
-                        <a:rPr lang="fr-FR" sz="1400" baseline="0" dirty="0" smtClean="0"/>
+                        <a:rPr lang="fr-FR" sz="1500" baseline="0" dirty="0" smtClean="0"/>
                         <a:t>?</a:t>
                       </a:r>
-                      <a:endParaRPr lang="fr-FR" sz="1400" dirty="0" smtClean="0"/>
+                      <a:endParaRPr lang="fr-FR" sz="1500" dirty="0" smtClean="0"/>
                     </a:p>
                   </a:txBody>
                   <a:tcPr>
@@ -14010,30 +15093,30 @@
                     <a:p>
                       <a:pPr algn="l"/>
                       <a:r>
-                        <a:rPr lang="fr-FR" sz="1400" dirty="0" err="1" smtClean="0"/>
+                        <a:rPr lang="fr-FR" sz="1500" dirty="0" err="1" smtClean="0"/>
                         <a:t>Company</a:t>
                       </a:r>
                       <a:r>
-                        <a:rPr lang="fr-FR" sz="1400" baseline="0" dirty="0" smtClean="0"/>
+                        <a:rPr lang="fr-FR" sz="1500" baseline="0" dirty="0" smtClean="0"/>
                         <a:t> </a:t>
                       </a:r>
                       <a:r>
-                        <a:rPr lang="fr-FR" sz="1400" baseline="0" dirty="0" err="1" smtClean="0"/>
+                        <a:rPr lang="fr-FR" sz="1500" baseline="0" dirty="0" err="1" smtClean="0"/>
                         <a:t>names</a:t>
                       </a:r>
                       <a:r>
-                        <a:rPr lang="fr-FR" sz="1400" baseline="0" dirty="0" smtClean="0"/>
+                        <a:rPr lang="fr-FR" sz="1500" baseline="0" dirty="0" smtClean="0"/>
                         <a:t>; </a:t>
                       </a:r>
                       <a:r>
-                        <a:rPr lang="fr-FR" sz="1400" baseline="0" dirty="0" err="1" smtClean="0"/>
+                        <a:rPr lang="fr-FR" sz="1500" baseline="0" dirty="0" err="1" smtClean="0"/>
                         <a:t>Projects</a:t>
                       </a:r>
                       <a:r>
-                        <a:rPr lang="fr-FR" sz="1400" baseline="0" dirty="0" smtClean="0"/>
+                        <a:rPr lang="fr-FR" sz="1500" baseline="0" dirty="0" smtClean="0"/>
                         <a:t>;</a:t>
                       </a:r>
-                      <a:endParaRPr lang="fr-FR" sz="1400" dirty="0"/>
+                      <a:endParaRPr lang="fr-FR" sz="1500" dirty="0"/>
                     </a:p>
                   </a:txBody>
                   <a:tcPr>
@@ -14047,14 +15130,14 @@
                     <a:p>
                       <a:pPr algn="l"/>
                       <a:r>
-                        <a:rPr lang="fr-FR" sz="1400" dirty="0" smtClean="0"/>
+                        <a:rPr lang="fr-FR" sz="1500" dirty="0" smtClean="0"/>
                         <a:t>Web </a:t>
                       </a:r>
                       <a:r>
-                        <a:rPr lang="fr-FR" sz="1400" dirty="0" err="1" smtClean="0"/>
+                        <a:rPr lang="fr-FR" sz="1500" dirty="0" err="1" smtClean="0"/>
                         <a:t>resources</a:t>
                       </a:r>
-                      <a:endParaRPr lang="fr-FR" sz="1400" dirty="0"/>
+                      <a:endParaRPr lang="fr-FR" sz="1500" dirty="0"/>
                     </a:p>
                   </a:txBody>
                   <a:tcPr>
@@ -14068,14 +15151,14 @@
                     <a:p>
                       <a:pPr algn="l"/>
                       <a:r>
-                        <a:rPr lang="fr-FR" sz="1400" dirty="0" smtClean="0"/>
+                        <a:rPr lang="fr-FR" sz="1500" dirty="0" smtClean="0"/>
                         <a:t>Document </a:t>
                       </a:r>
                       <a:r>
-                        <a:rPr lang="fr-FR" sz="1400" dirty="0" err="1" smtClean="0"/>
+                        <a:rPr lang="fr-FR" sz="1500" dirty="0" err="1" smtClean="0"/>
                         <a:t>Review</a:t>
                       </a:r>
-                      <a:endParaRPr lang="fr-FR" sz="1400" dirty="0"/>
+                      <a:endParaRPr lang="fr-FR" sz="1500" dirty="0"/>
                     </a:p>
                   </a:txBody>
                   <a:tcPr>
@@ -14089,10 +15172,10 @@
                     <a:p>
                       <a:pPr algn="l"/>
                       <a:r>
-                        <a:rPr lang="fr-FR" sz="1400" dirty="0" smtClean="0"/>
+                        <a:rPr lang="fr-FR" sz="1500" dirty="0" smtClean="0"/>
                         <a:t>?????</a:t>
                       </a:r>
-                      <a:endParaRPr lang="fr-FR" sz="1400" dirty="0"/>
+                      <a:endParaRPr lang="fr-FR" sz="1500" dirty="0"/>
                     </a:p>
                   </a:txBody>
                   <a:tcPr>
@@ -14106,10 +15189,10 @@
                     <a:p>
                       <a:pPr algn="l"/>
                       <a:r>
-                        <a:rPr lang="fr-FR" sz="1400" dirty="0" smtClean="0"/>
+                        <a:rPr lang="fr-FR" sz="1500" dirty="0" smtClean="0"/>
                         <a:t>?????</a:t>
                       </a:r>
-                      <a:endParaRPr lang="fr-FR" sz="1400" dirty="0"/>
+                      <a:endParaRPr lang="fr-FR" sz="1500" dirty="0"/>
                     </a:p>
                   </a:txBody>
                   <a:tcPr>
@@ -14117,7 +15200,7 @@
                   </a:tcPr>
                 </a:tc>
               </a:tr>
-              <a:tr h="370840">
+              <a:tr h="777240">
                 <a:tc>
                   <a:txBody>
                     <a:bodyPr/>
@@ -14125,11 +15208,11 @@
                     <a:p>
                       <a:pPr algn="l"/>
                       <a:r>
-                        <a:rPr lang="fr-FR" sz="1400" dirty="0" err="1" smtClean="0"/>
+                        <a:rPr lang="fr-FR" sz="1500" dirty="0" err="1" smtClean="0"/>
                         <a:t>What</a:t>
                       </a:r>
                       <a:r>
-                        <a:rPr lang="fr-FR" sz="1400" dirty="0" smtClean="0"/>
+                        <a:rPr lang="fr-FR" sz="1500" dirty="0" smtClean="0"/>
                         <a:t> are the alternative technologies?</a:t>
                       </a:r>
                     </a:p>
@@ -14145,14 +15228,14 @@
                     <a:p>
                       <a:pPr algn="l"/>
                       <a:r>
-                        <a:rPr lang="fr-FR" sz="1400" dirty="0" err="1" smtClean="0"/>
+                        <a:rPr lang="fr-FR" sz="1500" dirty="0" err="1" smtClean="0"/>
                         <a:t>Products</a:t>
                       </a:r>
                       <a:r>
-                        <a:rPr lang="fr-FR" sz="1400" dirty="0" smtClean="0"/>
+                        <a:rPr lang="fr-FR" sz="1500" dirty="0" smtClean="0"/>
                         <a:t>; Concepts</a:t>
                       </a:r>
-                      <a:endParaRPr lang="fr-FR" sz="1400" dirty="0"/>
+                      <a:endParaRPr lang="fr-FR" sz="1500" dirty="0"/>
                     </a:p>
                   </a:txBody>
                   <a:tcPr>
@@ -14166,14 +15249,14 @@
                     <a:p>
                       <a:pPr algn="l"/>
                       <a:r>
-                        <a:rPr lang="fr-FR" sz="1400" dirty="0" smtClean="0"/>
+                        <a:rPr lang="fr-FR" sz="1500" dirty="0" smtClean="0"/>
                         <a:t>Web </a:t>
                       </a:r>
                       <a:r>
-                        <a:rPr lang="fr-FR" sz="1400" dirty="0" err="1" smtClean="0"/>
+                        <a:rPr lang="fr-FR" sz="1500" dirty="0" err="1" smtClean="0"/>
                         <a:t>resources</a:t>
                       </a:r>
-                      <a:endParaRPr lang="fr-FR" sz="1400" dirty="0"/>
+                      <a:endParaRPr lang="fr-FR" sz="1500" dirty="0"/>
                     </a:p>
                   </a:txBody>
                   <a:tcPr>
@@ -14187,14 +15270,14 @@
                     <a:p>
                       <a:pPr algn="l"/>
                       <a:r>
-                        <a:rPr lang="fr-FR" sz="1400" dirty="0" smtClean="0"/>
+                        <a:rPr lang="fr-FR" sz="1500" dirty="0" smtClean="0"/>
                         <a:t>Document </a:t>
                       </a:r>
                       <a:r>
-                        <a:rPr lang="fr-FR" sz="1400" dirty="0" err="1" smtClean="0"/>
+                        <a:rPr lang="fr-FR" sz="1500" dirty="0" err="1" smtClean="0"/>
                         <a:t>Review</a:t>
                       </a:r>
-                      <a:endParaRPr lang="fr-FR" sz="1400" dirty="0"/>
+                      <a:endParaRPr lang="fr-FR" sz="1500" dirty="0"/>
                     </a:p>
                   </a:txBody>
                   <a:tcPr>
@@ -14208,10 +15291,10 @@
                     <a:p>
                       <a:pPr algn="l"/>
                       <a:r>
-                        <a:rPr lang="fr-FR" sz="1400" dirty="0" smtClean="0"/>
+                        <a:rPr lang="fr-FR" sz="1500" dirty="0" smtClean="0"/>
                         <a:t>?????</a:t>
                       </a:r>
-                      <a:endParaRPr lang="fr-FR" sz="1400" dirty="0"/>
+                      <a:endParaRPr lang="fr-FR" sz="1500" dirty="0"/>
                     </a:p>
                   </a:txBody>
                   <a:tcPr>
@@ -14225,10 +15308,10 @@
                     <a:p>
                       <a:pPr algn="l"/>
                       <a:r>
-                        <a:rPr lang="fr-FR" sz="1400" dirty="0" smtClean="0"/>
+                        <a:rPr lang="fr-FR" sz="1500" dirty="0" smtClean="0"/>
                         <a:t>?????</a:t>
                       </a:r>
-                      <a:endParaRPr lang="fr-FR" sz="1400" dirty="0"/>
+                      <a:endParaRPr lang="fr-FR" sz="1500" dirty="0"/>
                     </a:p>
                   </a:txBody>
                   <a:tcPr>
@@ -14260,7 +15343,7 @@
 </p:sld>
 </file>
 
-<file path=ppt/slides/slide8.xml><?xml version="1.0" encoding="utf-8"?>
+<file path=ppt/slides/slide9.xml><?xml version="1.0" encoding="utf-8"?>
 <p:sld xmlns:a="http://schemas.openxmlformats.org/drawingml/2006/main" xmlns:r="http://schemas.openxmlformats.org/officeDocument/2006/relationships" xmlns:p="http://schemas.openxmlformats.org/presentationml/2006/main">
   <p:cSld>
     <p:spTree>
@@ -14293,10 +15376,10 @@
           <a:lstStyle/>
           <a:p>
             <a:r>
-              <a:rPr lang="fr-FR" altLang="zh-CN" dirty="0" smtClean="0"/>
+              <a:rPr lang="en-US" altLang="zh-CN" noProof="0" dirty="0" smtClean="0"/>
               <a:t>LOGIC MODEL</a:t>
             </a:r>
-            <a:endParaRPr lang="zh-CN" altLang="en-US" dirty="0"/>
+            <a:endParaRPr lang="en-US" altLang="zh-CN" noProof="0" dirty="0"/>
           </a:p>
         </p:txBody>
       </p:sp>
@@ -14316,7 +15399,7 @@
           </p:nvPr>
         </p:nvGraphicFramePr>
         <p:xfrm>
-          <a:off x="1096963" y="1846263"/>
+          <a:off x="1096963" y="1846270"/>
           <a:ext cx="10058400" cy="4022725"/>
         </p:xfrm>
         <a:graphic>

--- a/Assignments/Presentations/2015.04.15Presentation_0.pptx
+++ b/Assignments/Presentations/2015.04.15Presentation_0.pptx
@@ -13,7 +13,8 @@
     <p:sldId id="268" r:id="rId7"/>
     <p:sldId id="258" r:id="rId8"/>
     <p:sldId id="260" r:id="rId9"/>
-    <p:sldId id="261" r:id="rId10"/>
+    <p:sldId id="272" r:id="rId10"/>
+    <p:sldId id="261" r:id="rId11"/>
   </p:sldIdLst>
   <p:sldSz cx="12192000" cy="6858000"/>
   <p:notesSz cx="6858000" cy="9144000"/>
@@ -176,6 +177,7 @@
           </a:p>
         </c:rich>
       </c:tx>
+      <c:layout/>
       <c:overlay val="0"/>
       <c:spPr>
         <a:noFill/>
@@ -357,11 +359,11 @@
         </c:dLbls>
         <c:gapWidth val="150"/>
         <c:overlap val="100"/>
-        <c:axId val="136283872"/>
-        <c:axId val="136284432"/>
+        <c:axId val="140984736"/>
+        <c:axId val="140985296"/>
       </c:barChart>
       <c:catAx>
-        <c:axId val="136283872"/>
+        <c:axId val="140984736"/>
         <c:scaling>
           <c:orientation val="minMax"/>
         </c:scaling>
@@ -404,7 +406,7 @@
             <a:endParaRPr lang="de-DE"/>
           </a:p>
         </c:txPr>
-        <c:crossAx val="136284432"/>
+        <c:crossAx val="140985296"/>
         <c:crosses val="autoZero"/>
         <c:auto val="1"/>
         <c:lblAlgn val="ctr"/>
@@ -412,7 +414,7 @@
         <c:noMultiLvlLbl val="0"/>
       </c:catAx>
       <c:valAx>
-        <c:axId val="136284432"/>
+        <c:axId val="140985296"/>
         <c:scaling>
           <c:orientation val="minMax"/>
         </c:scaling>
@@ -531,7 +533,7 @@
             <a:endParaRPr lang="de-DE"/>
           </a:p>
         </c:txPr>
-        <c:crossAx val="136283872"/>
+        <c:crossAx val="140984736"/>
         <c:crosses val="autoZero"/>
         <c:crossBetween val="between"/>
       </c:valAx>
@@ -618,6 +620,7 @@
           </a:p>
         </c:rich>
       </c:tx>
+      <c:layout/>
       <c:overlay val="0"/>
       <c:spPr>
         <a:noFill/>
@@ -823,11 +826,11 @@
         </c:dLbls>
         <c:gapWidth val="150"/>
         <c:overlap val="100"/>
-        <c:axId val="136653232"/>
-        <c:axId val="136653792"/>
+        <c:axId val="140988096"/>
+        <c:axId val="140988656"/>
       </c:barChart>
       <c:catAx>
-        <c:axId val="136653232"/>
+        <c:axId val="140988096"/>
         <c:scaling>
           <c:orientation val="minMax"/>
         </c:scaling>
@@ -870,7 +873,7 @@
             <a:endParaRPr lang="de-DE"/>
           </a:p>
         </c:txPr>
-        <c:crossAx val="136653792"/>
+        <c:crossAx val="140988656"/>
         <c:crosses val="autoZero"/>
         <c:auto val="1"/>
         <c:lblAlgn val="ctr"/>
@@ -878,7 +881,7 @@
         <c:noMultiLvlLbl val="0"/>
       </c:catAx>
       <c:valAx>
-        <c:axId val="136653792"/>
+        <c:axId val="140988656"/>
         <c:scaling>
           <c:orientation val="minMax"/>
         </c:scaling>
@@ -997,7 +1000,7 @@
             <a:endParaRPr lang="de-DE"/>
           </a:p>
         </c:txPr>
-        <c:crossAx val="136653232"/>
+        <c:crossAx val="140988096"/>
         <c:crosses val="autoZero"/>
         <c:crossBetween val="between"/>
       </c:valAx>
@@ -3890,8 +3893,8 @@
     <dgm:cxn modelId="{B5C73BD3-7E4C-40C2-A95E-ADF73D8B2256}" srcId="{B0E30588-1614-4F1A-B863-E835765ED56C}" destId="{4BC937DE-DF2D-4FFA-B88A-E5338D433781}" srcOrd="0" destOrd="0" parTransId="{1835388E-52BA-4E72-8792-3A12EDB4C03B}" sibTransId="{F59B1304-AA1E-4810-9E72-0861E45F8AE6}"/>
     <dgm:cxn modelId="{8A517DDD-C1DF-4CAA-AAE5-CCDE04277E9B}" type="presOf" srcId="{173A95D6-627F-4EE4-B440-3E9FBF53A473}" destId="{B790B033-8861-44F9-A411-A64891A1F78D}" srcOrd="0" destOrd="0" presId="urn:microsoft.com/office/officeart/2005/8/layout/hList6"/>
     <dgm:cxn modelId="{AA84AAB7-CA17-40C5-A465-15DA0C289E43}" srcId="{C9B12C90-8B57-400E-AFDB-85B1CC8B63C9}" destId="{A446800D-2712-4870-A860-B80692232F7F}" srcOrd="1" destOrd="0" parTransId="{D5CB3F02-2D52-4C7C-B42D-1F2F79D73300}" sibTransId="{21E781E9-0AC7-4C2B-9DB1-F96922E5188D}"/>
+    <dgm:cxn modelId="{88D56E5A-A386-4511-98DB-B41DB3305915}" type="presOf" srcId="{127057A1-3005-47EE-9DA0-5BB7EF177F1C}" destId="{07112225-DBE3-4767-B863-B33AE5135511}" srcOrd="0" destOrd="3" presId="urn:microsoft.com/office/officeart/2005/8/layout/hList6"/>
     <dgm:cxn modelId="{C1EB94C4-3409-4152-8092-E35309B80ED3}" type="presOf" srcId="{4BC937DE-DF2D-4FFA-B88A-E5338D433781}" destId="{E2944459-30FB-4A39-B98C-CA50DEBD0FE0}" srcOrd="0" destOrd="0" presId="urn:microsoft.com/office/officeart/2005/8/layout/hList6"/>
-    <dgm:cxn modelId="{88D56E5A-A386-4511-98DB-B41DB3305915}" type="presOf" srcId="{127057A1-3005-47EE-9DA0-5BB7EF177F1C}" destId="{07112225-DBE3-4767-B863-B33AE5135511}" srcOrd="0" destOrd="3" presId="urn:microsoft.com/office/officeart/2005/8/layout/hList6"/>
     <dgm:cxn modelId="{56A39AAE-6DA0-429E-9B61-C1B68FD07691}" type="presParOf" srcId="{3E78A654-C050-4A6D-AE20-E7E88B2A53F2}" destId="{E2944459-30FB-4A39-B98C-CA50DEBD0FE0}" srcOrd="0" destOrd="0" presId="urn:microsoft.com/office/officeart/2005/8/layout/hList6"/>
     <dgm:cxn modelId="{EBC8954A-EE2E-4089-B4B5-DB4EA99C6E58}" type="presParOf" srcId="{3E78A654-C050-4A6D-AE20-E7E88B2A53F2}" destId="{50494F57-9413-46C6-806C-1F0BC7375A67}" srcOrd="1" destOrd="0" presId="urn:microsoft.com/office/officeart/2005/8/layout/hList6"/>
     <dgm:cxn modelId="{7FA9A8C4-0A23-48D0-A95B-976E3B06590C}" type="presParOf" srcId="{3E78A654-C050-4A6D-AE20-E7E88B2A53F2}" destId="{07112225-DBE3-4767-B863-B33AE5135511}" srcOrd="2" destOrd="0" presId="urn:microsoft.com/office/officeart/2005/8/layout/hList6"/>
@@ -6060,7 +6063,7 @@
           <a:p>
             <a:fld id="{02F0B32B-ED32-4907-B4C8-E651EEA6C8DE}" type="datetimeFigureOut">
               <a:rPr lang="fr-FR" smtClean="0"/>
-              <a:t>12/04/2015</a:t>
+              <a:t>13/04/2015</a:t>
             </a:fld>
             <a:endParaRPr lang="fr-FR"/>
           </a:p>
@@ -6268,7 +6271,7 @@
           <a:p>
             <a:fld id="{02F0B32B-ED32-4907-B4C8-E651EEA6C8DE}" type="datetimeFigureOut">
               <a:rPr lang="fr-FR" smtClean="0"/>
-              <a:t>12/04/2015</a:t>
+              <a:t>13/04/2015</a:t>
             </a:fld>
             <a:endParaRPr lang="fr-FR"/>
           </a:p>
@@ -6524,7 +6527,7 @@
           <a:p>
             <a:fld id="{02F0B32B-ED32-4907-B4C8-E651EEA6C8DE}" type="datetimeFigureOut">
               <a:rPr lang="fr-FR" smtClean="0"/>
-              <a:t>12/04/2015</a:t>
+              <a:t>13/04/2015</a:t>
             </a:fld>
             <a:endParaRPr lang="fr-FR"/>
           </a:p>
@@ -6694,7 +6697,7 @@
           <a:p>
             <a:fld id="{02F0B32B-ED32-4907-B4C8-E651EEA6C8DE}" type="datetimeFigureOut">
               <a:rPr lang="fr-FR" smtClean="0"/>
-              <a:t>12/04/2015</a:t>
+              <a:t>13/04/2015</a:t>
             </a:fld>
             <a:endParaRPr lang="fr-FR"/>
           </a:p>
@@ -7037,7 +7040,7 @@
           <a:p>
             <a:fld id="{02F0B32B-ED32-4907-B4C8-E651EEA6C8DE}" type="datetimeFigureOut">
               <a:rPr lang="fr-FR" smtClean="0"/>
-              <a:t>12/04/2015</a:t>
+              <a:t>13/04/2015</a:t>
             </a:fld>
             <a:endParaRPr lang="fr-FR"/>
           </a:p>
@@ -7312,7 +7315,7 @@
           <a:p>
             <a:fld id="{02F0B32B-ED32-4907-B4C8-E651EEA6C8DE}" type="datetimeFigureOut">
               <a:rPr lang="fr-FR" smtClean="0"/>
-              <a:t>12/04/2015</a:t>
+              <a:t>13/04/2015</a:t>
             </a:fld>
             <a:endParaRPr lang="fr-FR"/>
           </a:p>
@@ -7691,7 +7694,7 @@
           <a:p>
             <a:fld id="{02F0B32B-ED32-4907-B4C8-E651EEA6C8DE}" type="datetimeFigureOut">
               <a:rPr lang="fr-FR" smtClean="0"/>
-              <a:t>12/04/2015</a:t>
+              <a:t>13/04/2015</a:t>
             </a:fld>
             <a:endParaRPr lang="fr-FR"/>
           </a:p>
@@ -7809,7 +7812,7 @@
           <a:p>
             <a:fld id="{02F0B32B-ED32-4907-B4C8-E651EEA6C8DE}" type="datetimeFigureOut">
               <a:rPr lang="fr-FR" smtClean="0"/>
-              <a:t>12/04/2015</a:t>
+              <a:t>13/04/2015</a:t>
             </a:fld>
             <a:endParaRPr lang="fr-FR"/>
           </a:p>
@@ -7980,7 +7983,7 @@
           <a:p>
             <a:fld id="{02F0B32B-ED32-4907-B4C8-E651EEA6C8DE}" type="datetimeFigureOut">
               <a:rPr lang="fr-FR" smtClean="0"/>
-              <a:t>12/04/2015</a:t>
+              <a:t>13/04/2015</a:t>
             </a:fld>
             <a:endParaRPr lang="fr-FR"/>
           </a:p>
@@ -8334,7 +8337,7 @@
           <a:p>
             <a:fld id="{02F0B32B-ED32-4907-B4C8-E651EEA6C8DE}" type="datetimeFigureOut">
               <a:rPr lang="fr-FR" smtClean="0"/>
-              <a:t>12/04/2015</a:t>
+              <a:t>13/04/2015</a:t>
             </a:fld>
             <a:endParaRPr lang="fr-FR"/>
           </a:p>
@@ -8711,7 +8714,7 @@
           <a:p>
             <a:fld id="{02F0B32B-ED32-4907-B4C8-E651EEA6C8DE}" type="datetimeFigureOut">
               <a:rPr lang="fr-FR" smtClean="0"/>
-              <a:t>12/04/2015</a:t>
+              <a:t>13/04/2015</a:t>
             </a:fld>
             <a:endParaRPr lang="fr-FR"/>
           </a:p>
@@ -8998,7 +9001,7 @@
           <a:p>
             <a:fld id="{02F0B32B-ED32-4907-B4C8-E651EEA6C8DE}" type="datetimeFigureOut">
               <a:rPr lang="fr-FR" smtClean="0"/>
-              <a:t>12/04/2015</a:t>
+              <a:t>13/04/2015</a:t>
             </a:fld>
             <a:endParaRPr lang="fr-FR"/>
           </a:p>
@@ -9706,6 +9709,91 @@
 </p:sld>
 </file>
 
+<file path=ppt/slides/slide10.xml><?xml version="1.0" encoding="utf-8"?>
+<p:sld xmlns:a="http://schemas.openxmlformats.org/drawingml/2006/main" xmlns:r="http://schemas.openxmlformats.org/officeDocument/2006/relationships" xmlns:p="http://schemas.openxmlformats.org/presentationml/2006/main">
+  <p:cSld>
+    <p:spTree>
+      <p:nvGrpSpPr>
+        <p:cNvPr id="1" name=""/>
+        <p:cNvGrpSpPr/>
+        <p:nvPr/>
+      </p:nvGrpSpPr>
+      <p:grpSpPr>
+        <a:xfrm>
+          <a:off x="0" y="0"/>
+          <a:ext cx="0" cy="0"/>
+          <a:chOff x="0" y="0"/>
+          <a:chExt cx="0" cy="0"/>
+        </a:xfrm>
+      </p:grpSpPr>
+      <p:sp>
+        <p:nvSpPr>
+          <p:cNvPr id="2" name="标题 1"/>
+          <p:cNvSpPr>
+            <a:spLocks noGrp="1"/>
+          </p:cNvSpPr>
+          <p:nvPr>
+            <p:ph type="title"/>
+          </p:nvPr>
+        </p:nvSpPr>
+        <p:spPr/>
+        <p:txBody>
+          <a:bodyPr/>
+          <a:lstStyle/>
+          <a:p>
+            <a:r>
+              <a:rPr lang="en-US" altLang="zh-CN" noProof="0" dirty="0" smtClean="0"/>
+              <a:t>LOGIC MODEL</a:t>
+            </a:r>
+            <a:endParaRPr lang="en-US" altLang="zh-CN" noProof="0" dirty="0"/>
+          </a:p>
+        </p:txBody>
+      </p:sp>
+      <p:graphicFrame>
+        <p:nvGraphicFramePr>
+          <p:cNvPr id="4" name="Espace réservé du contenu 3"/>
+          <p:cNvGraphicFramePr>
+            <a:graphicFrameLocks noGrp="1"/>
+          </p:cNvGraphicFramePr>
+          <p:nvPr>
+            <p:ph idx="1"/>
+            <p:extLst>
+              <p:ext uri="{D42A27DB-BD31-4B8C-83A1-F6EECF244321}">
+                <p14:modId xmlns:p14="http://schemas.microsoft.com/office/powerpoint/2010/main" val="223621739"/>
+              </p:ext>
+            </p:extLst>
+          </p:nvPr>
+        </p:nvGraphicFramePr>
+        <p:xfrm>
+          <a:off x="1096963" y="1846270"/>
+          <a:ext cx="10058400" cy="4022725"/>
+        </p:xfrm>
+        <a:graphic>
+          <a:graphicData uri="http://schemas.openxmlformats.org/drawingml/2006/diagram">
+            <dgm:relIds xmlns:dgm="http://schemas.openxmlformats.org/drawingml/2006/diagram" xmlns:r="http://schemas.openxmlformats.org/officeDocument/2006/relationships" r:dm="rId2" r:lo="rId3" r:qs="rId4" r:cs="rId5"/>
+          </a:graphicData>
+        </a:graphic>
+      </p:graphicFrame>
+    </p:spTree>
+    <p:extLst>
+      <p:ext uri="{BB962C8B-B14F-4D97-AF65-F5344CB8AC3E}">
+        <p14:creationId xmlns:p14="http://schemas.microsoft.com/office/powerpoint/2010/main" val="1942553195"/>
+      </p:ext>
+    </p:extLst>
+  </p:cSld>
+  <p:clrMapOvr>
+    <a:masterClrMapping/>
+  </p:clrMapOvr>
+  <p:timing>
+    <p:tnLst>
+      <p:par>
+        <p:cTn id="1" dur="indefinite" restart="never" nodeType="tmRoot"/>
+      </p:par>
+    </p:tnLst>
+  </p:timing>
+</p:sld>
+</file>
+
 <file path=ppt/slides/slide2.xml><?xml version="1.0" encoding="utf-8"?>
 <p:sld xmlns:a="http://schemas.openxmlformats.org/drawingml/2006/main" xmlns:r="http://schemas.openxmlformats.org/officeDocument/2006/relationships" xmlns:p="http://schemas.openxmlformats.org/presentationml/2006/main">
   <p:cSld>
@@ -9756,7 +9844,19 @@
             <p:ph idx="1"/>
           </p:nvPr>
         </p:nvSpPr>
-        <p:spPr/>
+        <p:spPr>
+          <a:xfrm>
+            <a:off x="1097280" y="1926416"/>
+            <a:ext cx="4947894" cy="807083"/>
+          </a:xfrm>
+          <a:ln>
+            <a:solidFill>
+              <a:schemeClr val="bg1">
+                <a:lumMod val="65000"/>
+              </a:schemeClr>
+            </a:solidFill>
+          </a:ln>
+        </p:spPr>
         <p:txBody>
           <a:bodyPr/>
           <a:lstStyle/>
@@ -9777,25 +9877,13 @@
             </a:pPr>
             <a:r>
               <a:rPr lang="en-US" noProof="0" dirty="0" smtClean="0"/>
-              <a:t>Provide public information about fuel cells</a:t>
-            </a:r>
-          </a:p>
-          <a:p>
-            <a:pPr marL="266687" indent="-177792">
-              <a:buFont typeface="Wingdings" panose="05000000000000000000" pitchFamily="2" charset="2"/>
-              <a:buChar char="§"/>
-            </a:pPr>
+              <a:t>Provide public information about fuel </a:t>
+            </a:r>
             <a:r>
               <a:rPr lang="en-US" noProof="0" dirty="0" smtClean="0"/>
-              <a:t>History of fuel cells:</a:t>
-            </a:r>
-          </a:p>
-          <a:p>
-            <a:pPr marL="559281" lvl="1" indent="-177792">
-              <a:buFont typeface="Wingdings" panose="05000000000000000000" pitchFamily="2" charset="2"/>
-              <a:buChar char="§"/>
-            </a:pPr>
-            <a:endParaRPr lang="en-US" noProof="0" dirty="0"/>
+              <a:t>cells</a:t>
+            </a:r>
+            <a:endParaRPr lang="en-US" noProof="0" dirty="0" smtClean="0"/>
           </a:p>
         </p:txBody>
       </p:sp>
@@ -9807,7 +9895,7 @@
         </p:nvSpPr>
         <p:spPr>
           <a:xfrm>
-            <a:off x="1097287" y="4545419"/>
+            <a:off x="1097287" y="5061101"/>
             <a:ext cx="10058399" cy="369332"/>
           </a:xfrm>
           <a:prstGeom prst="homePlate">
@@ -9855,7 +9943,7 @@
         </p:nvSpPr>
         <p:spPr>
           <a:xfrm rot="18900000">
-            <a:off x="942882" y="3279759"/>
+            <a:off x="942882" y="3795441"/>
             <a:ext cx="1998676" cy="646331"/>
           </a:xfrm>
           <a:prstGeom prst="rect">
@@ -9933,7 +10021,7 @@
         </p:nvSpPr>
         <p:spPr>
           <a:xfrm>
-            <a:off x="1140670" y="4545419"/>
+            <a:off x="1140670" y="5061101"/>
             <a:ext cx="673463" cy="369332"/>
           </a:xfrm>
           <a:prstGeom prst="rect">
@@ -9966,7 +10054,7 @@
         </p:nvSpPr>
         <p:spPr>
           <a:xfrm>
-            <a:off x="2082356" y="4545419"/>
+            <a:off x="2082356" y="5061101"/>
             <a:ext cx="673463" cy="369332"/>
           </a:xfrm>
           <a:prstGeom prst="rect">
@@ -9999,7 +10087,7 @@
         </p:nvSpPr>
         <p:spPr>
           <a:xfrm rot="18900000">
-            <a:off x="1890283" y="3279766"/>
+            <a:off x="1890283" y="3795448"/>
             <a:ext cx="1998676" cy="646331"/>
           </a:xfrm>
           <a:prstGeom prst="rect">
@@ -10109,7 +10197,7 @@
         </p:nvSpPr>
         <p:spPr>
           <a:xfrm>
-            <a:off x="3465046" y="4546066"/>
+            <a:off x="3465046" y="5061748"/>
             <a:ext cx="790547" cy="369332"/>
           </a:xfrm>
           <a:prstGeom prst="rect">
@@ -10142,7 +10230,7 @@
         </p:nvSpPr>
         <p:spPr>
           <a:xfrm rot="18900000">
-            <a:off x="3333846" y="3279766"/>
+            <a:off x="3333846" y="3795448"/>
             <a:ext cx="1998676" cy="646331"/>
           </a:xfrm>
           <a:prstGeom prst="rect">
@@ -10220,7 +10308,7 @@
         </p:nvSpPr>
         <p:spPr>
           <a:xfrm>
-            <a:off x="4723933" y="4544774"/>
+            <a:off x="4723933" y="5060456"/>
             <a:ext cx="790547" cy="369332"/>
           </a:xfrm>
           <a:prstGeom prst="rect">
@@ -10253,7 +10341,7 @@
         </p:nvSpPr>
         <p:spPr>
           <a:xfrm rot="18900000">
-            <a:off x="4611278" y="3279765"/>
+            <a:off x="4611278" y="3795447"/>
             <a:ext cx="1998676" cy="646331"/>
           </a:xfrm>
           <a:prstGeom prst="rect">
@@ -10318,7 +10406,7 @@
         </p:nvSpPr>
         <p:spPr>
           <a:xfrm>
-            <a:off x="6045174" y="4546262"/>
+            <a:off x="6045174" y="5061944"/>
             <a:ext cx="790547" cy="369332"/>
           </a:xfrm>
           <a:prstGeom prst="rect">
@@ -10351,7 +10439,7 @@
         </p:nvSpPr>
         <p:spPr>
           <a:xfrm rot="18900000">
-            <a:off x="5824275" y="3043324"/>
+            <a:off x="5824275" y="3559006"/>
             <a:ext cx="1998676" cy="923330"/>
           </a:xfrm>
           <a:prstGeom prst="rect">
@@ -10453,7 +10541,7 @@
         </p:nvSpPr>
         <p:spPr>
           <a:xfrm rot="18900000">
-            <a:off x="7375491" y="3043324"/>
+            <a:off x="7375491" y="3559006"/>
             <a:ext cx="1998676" cy="923330"/>
           </a:xfrm>
           <a:prstGeom prst="rect">
@@ -10547,7 +10635,7 @@
         </p:nvSpPr>
         <p:spPr>
           <a:xfrm>
-            <a:off x="7606141" y="4545419"/>
+            <a:off x="7606141" y="5061101"/>
             <a:ext cx="790547" cy="369332"/>
           </a:xfrm>
           <a:prstGeom prst="rect">
@@ -10580,7 +10668,7 @@
         </p:nvSpPr>
         <p:spPr>
           <a:xfrm rot="18900000">
-            <a:off x="8410599" y="3043324"/>
+            <a:off x="8410599" y="3559006"/>
             <a:ext cx="1998676" cy="923330"/>
           </a:xfrm>
           <a:prstGeom prst="rect">
@@ -10706,7 +10794,7 @@
         </p:nvSpPr>
         <p:spPr>
           <a:xfrm>
-            <a:off x="8622090" y="4538642"/>
+            <a:off x="8622090" y="5054324"/>
             <a:ext cx="790547" cy="369332"/>
           </a:xfrm>
           <a:prstGeom prst="rect">
@@ -10739,7 +10827,7 @@
         </p:nvSpPr>
         <p:spPr>
           <a:xfrm rot="18900000">
-            <a:off x="9391230" y="3279766"/>
+            <a:off x="9391230" y="3795448"/>
             <a:ext cx="1998676" cy="646331"/>
           </a:xfrm>
           <a:prstGeom prst="rect">
@@ -10841,7 +10929,7 @@
         </p:nvSpPr>
         <p:spPr>
           <a:xfrm>
-            <a:off x="9525942" y="4548850"/>
+            <a:off x="9525942" y="5064532"/>
             <a:ext cx="790547" cy="369332"/>
           </a:xfrm>
           <a:prstGeom prst="rect">
@@ -10862,6 +10950,302 @@
                 </a:solidFill>
               </a:rPr>
               <a:t>2009</a:t>
+            </a:r>
+          </a:p>
+        </p:txBody>
+      </p:sp>
+      <p:sp>
+        <p:nvSpPr>
+          <p:cNvPr id="33" name="Content Placeholder 2"/>
+          <p:cNvSpPr txBox="1">
+            <a:spLocks/>
+          </p:cNvSpPr>
+          <p:nvPr/>
+        </p:nvSpPr>
+        <p:spPr>
+          <a:xfrm>
+            <a:off x="6196651" y="1926415"/>
+            <a:ext cx="4947894" cy="807083"/>
+          </a:xfrm>
+          <a:prstGeom prst="rect">
+            <a:avLst/>
+          </a:prstGeom>
+          <a:ln>
+            <a:solidFill>
+              <a:schemeClr val="bg1">
+                <a:lumMod val="65000"/>
+              </a:schemeClr>
+            </a:solidFill>
+          </a:ln>
+        </p:spPr>
+        <p:txBody>
+          <a:bodyPr vert="horz" lIns="0" tIns="45720" rIns="0" bIns="45720" rtlCol="0">
+            <a:normAutofit lnSpcReduction="10000"/>
+          </a:bodyPr>
+          <a:lstStyle>
+            <a:lvl1pPr marL="91436" indent="-91436" algn="l" defTabSz="914354" rtl="0" eaLnBrk="1" latinLnBrk="0" hangingPunct="1">
+              <a:lnSpc>
+                <a:spcPct val="90000"/>
+              </a:lnSpc>
+              <a:spcBef>
+                <a:spcPts val="1200"/>
+              </a:spcBef>
+              <a:spcAft>
+                <a:spcPts val="200"/>
+              </a:spcAft>
+              <a:buClr>
+                <a:schemeClr val="accent1"/>
+              </a:buClr>
+              <a:buSzPct val="100000"/>
+              <a:buFont typeface="Calibri" panose="020F0502020204030204" pitchFamily="34" charset="0"/>
+              <a:buChar char=" "/>
+              <a:defRPr sz="2000" kern="1200">
+                <a:solidFill>
+                  <a:schemeClr val="tx1">
+                    <a:lumMod val="75000"/>
+                    <a:lumOff val="25000"/>
+                  </a:schemeClr>
+                </a:solidFill>
+                <a:latin typeface="+mn-lt"/>
+                <a:ea typeface="+mn-ea"/>
+                <a:cs typeface="+mn-cs"/>
+              </a:defRPr>
+            </a:lvl1pPr>
+            <a:lvl2pPr marL="384029" indent="-182870" algn="l" defTabSz="914354" rtl="0" eaLnBrk="1" latinLnBrk="0" hangingPunct="1">
+              <a:lnSpc>
+                <a:spcPct val="90000"/>
+              </a:lnSpc>
+              <a:spcBef>
+                <a:spcPts val="200"/>
+              </a:spcBef>
+              <a:spcAft>
+                <a:spcPts val="400"/>
+              </a:spcAft>
+              <a:buClr>
+                <a:schemeClr val="accent1"/>
+              </a:buClr>
+              <a:buFont typeface="Calibri" pitchFamily="34" charset="0"/>
+              <a:buChar char="◦"/>
+              <a:defRPr sz="1800" kern="1200">
+                <a:solidFill>
+                  <a:schemeClr val="tx1">
+                    <a:lumMod val="75000"/>
+                    <a:lumOff val="25000"/>
+                  </a:schemeClr>
+                </a:solidFill>
+                <a:latin typeface="+mn-lt"/>
+                <a:ea typeface="+mn-ea"/>
+                <a:cs typeface="+mn-cs"/>
+              </a:defRPr>
+            </a:lvl2pPr>
+            <a:lvl3pPr marL="566900" indent="-182870" algn="l" defTabSz="914354" rtl="0" eaLnBrk="1" latinLnBrk="0" hangingPunct="1">
+              <a:lnSpc>
+                <a:spcPct val="90000"/>
+              </a:lnSpc>
+              <a:spcBef>
+                <a:spcPts val="200"/>
+              </a:spcBef>
+              <a:spcAft>
+                <a:spcPts val="400"/>
+              </a:spcAft>
+              <a:buClr>
+                <a:schemeClr val="accent1"/>
+              </a:buClr>
+              <a:buFont typeface="Calibri" pitchFamily="34" charset="0"/>
+              <a:buChar char="◦"/>
+              <a:defRPr sz="1400" kern="1200">
+                <a:solidFill>
+                  <a:schemeClr val="tx1">
+                    <a:lumMod val="75000"/>
+                    <a:lumOff val="25000"/>
+                  </a:schemeClr>
+                </a:solidFill>
+                <a:latin typeface="+mn-lt"/>
+                <a:ea typeface="+mn-ea"/>
+                <a:cs typeface="+mn-cs"/>
+              </a:defRPr>
+            </a:lvl3pPr>
+            <a:lvl4pPr marL="749771" indent="-182870" algn="l" defTabSz="914354" rtl="0" eaLnBrk="1" latinLnBrk="0" hangingPunct="1">
+              <a:lnSpc>
+                <a:spcPct val="90000"/>
+              </a:lnSpc>
+              <a:spcBef>
+                <a:spcPts val="200"/>
+              </a:spcBef>
+              <a:spcAft>
+                <a:spcPts val="400"/>
+              </a:spcAft>
+              <a:buClr>
+                <a:schemeClr val="accent1"/>
+              </a:buClr>
+              <a:buFont typeface="Calibri" pitchFamily="34" charset="0"/>
+              <a:buChar char="◦"/>
+              <a:defRPr sz="1400" kern="1200">
+                <a:solidFill>
+                  <a:schemeClr val="tx1">
+                    <a:lumMod val="75000"/>
+                    <a:lumOff val="25000"/>
+                  </a:schemeClr>
+                </a:solidFill>
+                <a:latin typeface="+mn-lt"/>
+                <a:ea typeface="+mn-ea"/>
+                <a:cs typeface="+mn-cs"/>
+              </a:defRPr>
+            </a:lvl4pPr>
+            <a:lvl5pPr marL="932642" indent="-182870" algn="l" defTabSz="914354" rtl="0" eaLnBrk="1" latinLnBrk="0" hangingPunct="1">
+              <a:lnSpc>
+                <a:spcPct val="90000"/>
+              </a:lnSpc>
+              <a:spcBef>
+                <a:spcPts val="200"/>
+              </a:spcBef>
+              <a:spcAft>
+                <a:spcPts val="400"/>
+              </a:spcAft>
+              <a:buClr>
+                <a:schemeClr val="accent1"/>
+              </a:buClr>
+              <a:buFont typeface="Calibri" pitchFamily="34" charset="0"/>
+              <a:buChar char="◦"/>
+              <a:defRPr sz="1400" kern="1200">
+                <a:solidFill>
+                  <a:schemeClr val="tx1">
+                    <a:lumMod val="75000"/>
+                    <a:lumOff val="25000"/>
+                  </a:schemeClr>
+                </a:solidFill>
+                <a:latin typeface="+mn-lt"/>
+                <a:ea typeface="+mn-ea"/>
+                <a:cs typeface="+mn-cs"/>
+              </a:defRPr>
+            </a:lvl5pPr>
+            <a:lvl6pPr marL="1099946" indent="-228589" algn="l" defTabSz="914354" rtl="0" eaLnBrk="1" latinLnBrk="0" hangingPunct="1">
+              <a:lnSpc>
+                <a:spcPct val="90000"/>
+              </a:lnSpc>
+              <a:spcBef>
+                <a:spcPts val="200"/>
+              </a:spcBef>
+              <a:spcAft>
+                <a:spcPts val="400"/>
+              </a:spcAft>
+              <a:buClr>
+                <a:schemeClr val="accent1"/>
+              </a:buClr>
+              <a:buFont typeface="Calibri" pitchFamily="34" charset="0"/>
+              <a:buChar char="◦"/>
+              <a:defRPr sz="1400" kern="1200">
+                <a:solidFill>
+                  <a:schemeClr val="tx1">
+                    <a:lumMod val="75000"/>
+                    <a:lumOff val="25000"/>
+                  </a:schemeClr>
+                </a:solidFill>
+                <a:latin typeface="+mn-lt"/>
+                <a:ea typeface="+mn-ea"/>
+                <a:cs typeface="+mn-cs"/>
+              </a:defRPr>
+            </a:lvl6pPr>
+            <a:lvl7pPr marL="1299936" indent="-228589" algn="l" defTabSz="914354" rtl="0" eaLnBrk="1" latinLnBrk="0" hangingPunct="1">
+              <a:lnSpc>
+                <a:spcPct val="90000"/>
+              </a:lnSpc>
+              <a:spcBef>
+                <a:spcPts val="200"/>
+              </a:spcBef>
+              <a:spcAft>
+                <a:spcPts val="400"/>
+              </a:spcAft>
+              <a:buClr>
+                <a:schemeClr val="accent1"/>
+              </a:buClr>
+              <a:buFont typeface="Calibri" pitchFamily="34" charset="0"/>
+              <a:buChar char="◦"/>
+              <a:defRPr sz="1400" kern="1200">
+                <a:solidFill>
+                  <a:schemeClr val="tx1">
+                    <a:lumMod val="75000"/>
+                    <a:lumOff val="25000"/>
+                  </a:schemeClr>
+                </a:solidFill>
+                <a:latin typeface="+mn-lt"/>
+                <a:ea typeface="+mn-ea"/>
+                <a:cs typeface="+mn-cs"/>
+              </a:defRPr>
+            </a:lvl7pPr>
+            <a:lvl8pPr marL="1499925" indent="-228589" algn="l" defTabSz="914354" rtl="0" eaLnBrk="1" latinLnBrk="0" hangingPunct="1">
+              <a:lnSpc>
+                <a:spcPct val="90000"/>
+              </a:lnSpc>
+              <a:spcBef>
+                <a:spcPts val="200"/>
+              </a:spcBef>
+              <a:spcAft>
+                <a:spcPts val="400"/>
+              </a:spcAft>
+              <a:buClr>
+                <a:schemeClr val="accent1"/>
+              </a:buClr>
+              <a:buFont typeface="Calibri" pitchFamily="34" charset="0"/>
+              <a:buChar char="◦"/>
+              <a:defRPr sz="1400" kern="1200">
+                <a:solidFill>
+                  <a:schemeClr val="tx1">
+                    <a:lumMod val="75000"/>
+                    <a:lumOff val="25000"/>
+                  </a:schemeClr>
+                </a:solidFill>
+                <a:latin typeface="+mn-lt"/>
+                <a:ea typeface="+mn-ea"/>
+                <a:cs typeface="+mn-cs"/>
+              </a:defRPr>
+            </a:lvl8pPr>
+            <a:lvl9pPr marL="1699916" indent="-228589" algn="l" defTabSz="914354" rtl="0" eaLnBrk="1" latinLnBrk="0" hangingPunct="1">
+              <a:lnSpc>
+                <a:spcPct val="90000"/>
+              </a:lnSpc>
+              <a:spcBef>
+                <a:spcPts val="200"/>
+              </a:spcBef>
+              <a:spcAft>
+                <a:spcPts val="400"/>
+              </a:spcAft>
+              <a:buClr>
+                <a:schemeClr val="accent1"/>
+              </a:buClr>
+              <a:buFont typeface="Calibri" pitchFamily="34" charset="0"/>
+              <a:buChar char="◦"/>
+              <a:defRPr sz="1400" kern="1200">
+                <a:solidFill>
+                  <a:schemeClr val="tx1">
+                    <a:lumMod val="75000"/>
+                    <a:lumOff val="25000"/>
+                  </a:schemeClr>
+                </a:solidFill>
+                <a:latin typeface="+mn-lt"/>
+                <a:ea typeface="+mn-ea"/>
+                <a:cs typeface="+mn-cs"/>
+              </a:defRPr>
+            </a:lvl9pPr>
+          </a:lstStyle>
+          <a:p>
+            <a:pPr marL="266687" indent="-165092">
+              <a:buFont typeface="Wingdings" panose="05000000000000000000" pitchFamily="2" charset="2"/>
+              <a:buChar char="§"/>
+            </a:pPr>
+            <a:r>
+              <a:rPr lang="en-US" dirty="0" smtClean="0"/>
+              <a:t>Discuss fuel cell as an alternative</a:t>
+            </a:r>
+          </a:p>
+          <a:p>
+            <a:pPr marL="266687" indent="-165092">
+              <a:buFont typeface="Wingdings" panose="05000000000000000000" pitchFamily="2" charset="2"/>
+              <a:buChar char="§"/>
+            </a:pPr>
+            <a:r>
+              <a:rPr lang="en-US" dirty="0" smtClean="0"/>
+              <a:t>Give a short industry overview</a:t>
             </a:r>
           </a:p>
         </p:txBody>
@@ -10957,6 +11341,13 @@
             <a:solidFill>
               <a:schemeClr val="bg1"/>
             </a:solidFill>
+            <a:ln>
+              <a:solidFill>
+                <a:schemeClr val="bg1">
+                  <a:lumMod val="65000"/>
+                </a:schemeClr>
+              </a:solidFill>
+            </a:ln>
           </p:spPr>
           <p:style>
             <a:lnRef idx="2">
@@ -11343,6 +11734,13 @@
             <a:solidFill>
               <a:schemeClr val="bg1"/>
             </a:solidFill>
+            <a:ln>
+              <a:solidFill>
+                <a:schemeClr val="bg1">
+                  <a:lumMod val="65000"/>
+                </a:schemeClr>
+              </a:solidFill>
+            </a:ln>
           </p:spPr>
           <p:style>
             <a:lnRef idx="2">
@@ -11582,9 +11980,16 @@
         </p:nvSpPr>
         <p:spPr>
           <a:xfrm>
-            <a:off x="1097282" y="1845735"/>
-            <a:ext cx="3986537" cy="4023360"/>
+            <a:off x="1097282" y="1927859"/>
+            <a:ext cx="3986537" cy="3941235"/>
           </a:xfrm>
+          <a:ln>
+            <a:solidFill>
+              <a:schemeClr val="bg1">
+                <a:lumMod val="65000"/>
+              </a:schemeClr>
+            </a:solidFill>
+          </a:ln>
         </p:spPr>
         <p:txBody>
           <a:bodyPr/>
@@ -11596,6 +12001,10 @@
             </a:r>
           </a:p>
           <a:p>
+            <a:pPr marL="268288" indent="-174625">
+              <a:buFont typeface="Wingdings" panose="05000000000000000000" pitchFamily="2" charset="2"/>
+              <a:buChar char="§"/>
+            </a:pPr>
             <a:r>
               <a:rPr lang="en-US" noProof="0" dirty="0" smtClean="0"/>
               <a:t>Combine Hydrogen and Oxygen to produce electricity</a:t>
@@ -11611,11 +12020,14 @@
             </a:r>
           </a:p>
           <a:p>
+            <a:pPr marL="268288" indent="-174625">
+              <a:buFont typeface="Wingdings" panose="05000000000000000000" pitchFamily="2" charset="2"/>
+              <a:buChar char="§"/>
+            </a:pPr>
             <a:r>
               <a:rPr lang="en-US" noProof="0" dirty="0" smtClean="0"/>
               <a:t>Where to find Hydrogen?</a:t>
             </a:r>
-            <a:endParaRPr lang="en-US" noProof="0" dirty="0" smtClean="0"/>
           </a:p>
         </p:txBody>
       </p:sp>
@@ -11664,7 +12076,7 @@
           </p:cNvPicPr>
           <p:nvPr/>
         </p:nvPicPr>
-        <p:blipFill>
+        <p:blipFill rotWithShape="1">
           <a:blip r:embed="rId2">
             <a:duotone>
               <a:schemeClr val="accent2">
@@ -11679,18 +12091,24 @@
               </a:ext>
             </a:extLst>
           </a:blip>
-          <a:stretch>
-            <a:fillRect/>
-          </a:stretch>
+          <a:srcRect r="4456"/>
+          <a:stretch/>
         </p:blipFill>
         <p:spPr>
           <a:xfrm>
-            <a:off x="5208815" y="1832934"/>
-            <a:ext cx="6692056" cy="4022725"/>
+            <a:off x="5208815" y="1927859"/>
+            <a:ext cx="6257471" cy="3927800"/>
           </a:xfrm>
           <a:prstGeom prst="rect">
             <a:avLst/>
           </a:prstGeom>
+          <a:ln w="9525">
+            <a:solidFill>
+              <a:schemeClr val="bg1">
+                <a:lumMod val="65000"/>
+              </a:schemeClr>
+            </a:solidFill>
+          </a:ln>
         </p:spPr>
       </p:pic>
       <p:sp>
@@ -11718,50 +12136,313 @@
       </p:sp>
       <p:sp>
         <p:nvSpPr>
-          <p:cNvPr id="23" name="Espace réservé du contenu 22"/>
-          <p:cNvSpPr>
-            <a:spLocks noGrp="1"/>
+          <p:cNvPr id="6" name="Espace réservé du contenu 22"/>
+          <p:cNvSpPr txBox="1">
+            <a:spLocks/>
           </p:cNvSpPr>
-          <p:nvPr>
-            <p:ph idx="1"/>
-          </p:nvPr>
+          <p:nvPr/>
         </p:nvSpPr>
         <p:spPr>
           <a:xfrm>
-            <a:off x="1097282" y="1845735"/>
-            <a:ext cx="3986537" cy="4023360"/>
+            <a:off x="1097282" y="1927859"/>
+            <a:ext cx="3986537" cy="3941235"/>
           </a:xfrm>
+          <a:prstGeom prst="rect">
+            <a:avLst/>
+          </a:prstGeom>
+          <a:ln>
+            <a:solidFill>
+              <a:schemeClr val="bg1">
+                <a:lumMod val="65000"/>
+              </a:schemeClr>
+            </a:solidFill>
+          </a:ln>
         </p:spPr>
         <p:txBody>
-          <a:bodyPr/>
-          <a:lstStyle/>
+          <a:bodyPr vert="horz" lIns="0" tIns="45720" rIns="0" bIns="45720" rtlCol="0">
+            <a:normAutofit/>
+          </a:bodyPr>
+          <a:lstStyle>
+            <a:lvl1pPr marL="91436" indent="-91436" algn="l" defTabSz="914354" rtl="0" eaLnBrk="1" latinLnBrk="0" hangingPunct="1">
+              <a:lnSpc>
+                <a:spcPct val="90000"/>
+              </a:lnSpc>
+              <a:spcBef>
+                <a:spcPts val="1200"/>
+              </a:spcBef>
+              <a:spcAft>
+                <a:spcPts val="200"/>
+              </a:spcAft>
+              <a:buClr>
+                <a:schemeClr val="accent1"/>
+              </a:buClr>
+              <a:buSzPct val="100000"/>
+              <a:buFont typeface="Calibri" panose="020F0502020204030204" pitchFamily="34" charset="0"/>
+              <a:buChar char=" "/>
+              <a:defRPr sz="2000" kern="1200">
+                <a:solidFill>
+                  <a:schemeClr val="tx1">
+                    <a:lumMod val="75000"/>
+                    <a:lumOff val="25000"/>
+                  </a:schemeClr>
+                </a:solidFill>
+                <a:latin typeface="+mn-lt"/>
+                <a:ea typeface="+mn-ea"/>
+                <a:cs typeface="+mn-cs"/>
+              </a:defRPr>
+            </a:lvl1pPr>
+            <a:lvl2pPr marL="384029" indent="-182870" algn="l" defTabSz="914354" rtl="0" eaLnBrk="1" latinLnBrk="0" hangingPunct="1">
+              <a:lnSpc>
+                <a:spcPct val="90000"/>
+              </a:lnSpc>
+              <a:spcBef>
+                <a:spcPts val="200"/>
+              </a:spcBef>
+              <a:spcAft>
+                <a:spcPts val="400"/>
+              </a:spcAft>
+              <a:buClr>
+                <a:schemeClr val="accent1"/>
+              </a:buClr>
+              <a:buFont typeface="Calibri" pitchFamily="34" charset="0"/>
+              <a:buChar char="◦"/>
+              <a:defRPr sz="1800" kern="1200">
+                <a:solidFill>
+                  <a:schemeClr val="tx1">
+                    <a:lumMod val="75000"/>
+                    <a:lumOff val="25000"/>
+                  </a:schemeClr>
+                </a:solidFill>
+                <a:latin typeface="+mn-lt"/>
+                <a:ea typeface="+mn-ea"/>
+                <a:cs typeface="+mn-cs"/>
+              </a:defRPr>
+            </a:lvl2pPr>
+            <a:lvl3pPr marL="566900" indent="-182870" algn="l" defTabSz="914354" rtl="0" eaLnBrk="1" latinLnBrk="0" hangingPunct="1">
+              <a:lnSpc>
+                <a:spcPct val="90000"/>
+              </a:lnSpc>
+              <a:spcBef>
+                <a:spcPts val="200"/>
+              </a:spcBef>
+              <a:spcAft>
+                <a:spcPts val="400"/>
+              </a:spcAft>
+              <a:buClr>
+                <a:schemeClr val="accent1"/>
+              </a:buClr>
+              <a:buFont typeface="Calibri" pitchFamily="34" charset="0"/>
+              <a:buChar char="◦"/>
+              <a:defRPr sz="1400" kern="1200">
+                <a:solidFill>
+                  <a:schemeClr val="tx1">
+                    <a:lumMod val="75000"/>
+                    <a:lumOff val="25000"/>
+                  </a:schemeClr>
+                </a:solidFill>
+                <a:latin typeface="+mn-lt"/>
+                <a:ea typeface="+mn-ea"/>
+                <a:cs typeface="+mn-cs"/>
+              </a:defRPr>
+            </a:lvl3pPr>
+            <a:lvl4pPr marL="749771" indent="-182870" algn="l" defTabSz="914354" rtl="0" eaLnBrk="1" latinLnBrk="0" hangingPunct="1">
+              <a:lnSpc>
+                <a:spcPct val="90000"/>
+              </a:lnSpc>
+              <a:spcBef>
+                <a:spcPts val="200"/>
+              </a:spcBef>
+              <a:spcAft>
+                <a:spcPts val="400"/>
+              </a:spcAft>
+              <a:buClr>
+                <a:schemeClr val="accent1"/>
+              </a:buClr>
+              <a:buFont typeface="Calibri" pitchFamily="34" charset="0"/>
+              <a:buChar char="◦"/>
+              <a:defRPr sz="1400" kern="1200">
+                <a:solidFill>
+                  <a:schemeClr val="tx1">
+                    <a:lumMod val="75000"/>
+                    <a:lumOff val="25000"/>
+                  </a:schemeClr>
+                </a:solidFill>
+                <a:latin typeface="+mn-lt"/>
+                <a:ea typeface="+mn-ea"/>
+                <a:cs typeface="+mn-cs"/>
+              </a:defRPr>
+            </a:lvl4pPr>
+            <a:lvl5pPr marL="932642" indent="-182870" algn="l" defTabSz="914354" rtl="0" eaLnBrk="1" latinLnBrk="0" hangingPunct="1">
+              <a:lnSpc>
+                <a:spcPct val="90000"/>
+              </a:lnSpc>
+              <a:spcBef>
+                <a:spcPts val="200"/>
+              </a:spcBef>
+              <a:spcAft>
+                <a:spcPts val="400"/>
+              </a:spcAft>
+              <a:buClr>
+                <a:schemeClr val="accent1"/>
+              </a:buClr>
+              <a:buFont typeface="Calibri" pitchFamily="34" charset="0"/>
+              <a:buChar char="◦"/>
+              <a:defRPr sz="1400" kern="1200">
+                <a:solidFill>
+                  <a:schemeClr val="tx1">
+                    <a:lumMod val="75000"/>
+                    <a:lumOff val="25000"/>
+                  </a:schemeClr>
+                </a:solidFill>
+                <a:latin typeface="+mn-lt"/>
+                <a:ea typeface="+mn-ea"/>
+                <a:cs typeface="+mn-cs"/>
+              </a:defRPr>
+            </a:lvl5pPr>
+            <a:lvl6pPr marL="1099946" indent="-228589" algn="l" defTabSz="914354" rtl="0" eaLnBrk="1" latinLnBrk="0" hangingPunct="1">
+              <a:lnSpc>
+                <a:spcPct val="90000"/>
+              </a:lnSpc>
+              <a:spcBef>
+                <a:spcPts val="200"/>
+              </a:spcBef>
+              <a:spcAft>
+                <a:spcPts val="400"/>
+              </a:spcAft>
+              <a:buClr>
+                <a:schemeClr val="accent1"/>
+              </a:buClr>
+              <a:buFont typeface="Calibri" pitchFamily="34" charset="0"/>
+              <a:buChar char="◦"/>
+              <a:defRPr sz="1400" kern="1200">
+                <a:solidFill>
+                  <a:schemeClr val="tx1">
+                    <a:lumMod val="75000"/>
+                    <a:lumOff val="25000"/>
+                  </a:schemeClr>
+                </a:solidFill>
+                <a:latin typeface="+mn-lt"/>
+                <a:ea typeface="+mn-ea"/>
+                <a:cs typeface="+mn-cs"/>
+              </a:defRPr>
+            </a:lvl6pPr>
+            <a:lvl7pPr marL="1299936" indent="-228589" algn="l" defTabSz="914354" rtl="0" eaLnBrk="1" latinLnBrk="0" hangingPunct="1">
+              <a:lnSpc>
+                <a:spcPct val="90000"/>
+              </a:lnSpc>
+              <a:spcBef>
+                <a:spcPts val="200"/>
+              </a:spcBef>
+              <a:spcAft>
+                <a:spcPts val="400"/>
+              </a:spcAft>
+              <a:buClr>
+                <a:schemeClr val="accent1"/>
+              </a:buClr>
+              <a:buFont typeface="Calibri" pitchFamily="34" charset="0"/>
+              <a:buChar char="◦"/>
+              <a:defRPr sz="1400" kern="1200">
+                <a:solidFill>
+                  <a:schemeClr val="tx1">
+                    <a:lumMod val="75000"/>
+                    <a:lumOff val="25000"/>
+                  </a:schemeClr>
+                </a:solidFill>
+                <a:latin typeface="+mn-lt"/>
+                <a:ea typeface="+mn-ea"/>
+                <a:cs typeface="+mn-cs"/>
+              </a:defRPr>
+            </a:lvl7pPr>
+            <a:lvl8pPr marL="1499925" indent="-228589" algn="l" defTabSz="914354" rtl="0" eaLnBrk="1" latinLnBrk="0" hangingPunct="1">
+              <a:lnSpc>
+                <a:spcPct val="90000"/>
+              </a:lnSpc>
+              <a:spcBef>
+                <a:spcPts val="200"/>
+              </a:spcBef>
+              <a:spcAft>
+                <a:spcPts val="400"/>
+              </a:spcAft>
+              <a:buClr>
+                <a:schemeClr val="accent1"/>
+              </a:buClr>
+              <a:buFont typeface="Calibri" pitchFamily="34" charset="0"/>
+              <a:buChar char="◦"/>
+              <a:defRPr sz="1400" kern="1200">
+                <a:solidFill>
+                  <a:schemeClr val="tx1">
+                    <a:lumMod val="75000"/>
+                    <a:lumOff val="25000"/>
+                  </a:schemeClr>
+                </a:solidFill>
+                <a:latin typeface="+mn-lt"/>
+                <a:ea typeface="+mn-ea"/>
+                <a:cs typeface="+mn-cs"/>
+              </a:defRPr>
+            </a:lvl8pPr>
+            <a:lvl9pPr marL="1699916" indent="-228589" algn="l" defTabSz="914354" rtl="0" eaLnBrk="1" latinLnBrk="0" hangingPunct="1">
+              <a:lnSpc>
+                <a:spcPct val="90000"/>
+              </a:lnSpc>
+              <a:spcBef>
+                <a:spcPts val="200"/>
+              </a:spcBef>
+              <a:spcAft>
+                <a:spcPts val="400"/>
+              </a:spcAft>
+              <a:buClr>
+                <a:schemeClr val="accent1"/>
+              </a:buClr>
+              <a:buFont typeface="Calibri" pitchFamily="34" charset="0"/>
+              <a:buChar char="◦"/>
+              <a:defRPr sz="1400" kern="1200">
+                <a:solidFill>
+                  <a:schemeClr val="tx1">
+                    <a:lumMod val="75000"/>
+                    <a:lumOff val="25000"/>
+                  </a:schemeClr>
+                </a:solidFill>
+                <a:latin typeface="+mn-lt"/>
+                <a:ea typeface="+mn-ea"/>
+                <a:cs typeface="+mn-cs"/>
+              </a:defRPr>
+            </a:lvl9pPr>
+          </a:lstStyle>
           <a:p>
             <a:r>
-              <a:rPr lang="en-US" sz="2400" dirty="0"/>
+              <a:rPr lang="en-US" sz="2400" smtClean="0"/>
               <a:t>MAIN PRINCIPLE</a:t>
             </a:r>
           </a:p>
           <a:p>
-            <a:r>
-              <a:rPr lang="en-US" noProof="0" dirty="0" smtClean="0"/>
+            <a:pPr marL="268288" indent="-174625">
+              <a:buFont typeface="Wingdings" panose="05000000000000000000" pitchFamily="2" charset="2"/>
+              <a:buChar char="§"/>
+            </a:pPr>
+            <a:r>
+              <a:rPr lang="en-US" smtClean="0"/>
               <a:t>Combine Hydrogen and Oxygen to produce electricity</a:t>
             </a:r>
           </a:p>
           <a:p>
-            <a:endParaRPr lang="en-US" noProof="0" dirty="0" smtClean="0"/>
+            <a:endParaRPr lang="en-US" smtClean="0"/>
           </a:p>
           <a:p>
             <a:r>
-              <a:rPr lang="en-US" sz="2400" dirty="0"/>
+              <a:rPr lang="en-US" sz="2400" smtClean="0"/>
               <a:t>PROBLEM</a:t>
             </a:r>
           </a:p>
           <a:p>
-            <a:r>
-              <a:rPr lang="en-US" noProof="0" dirty="0" smtClean="0"/>
+            <a:pPr marL="268288" indent="-174625">
+              <a:buFont typeface="Wingdings" panose="05000000000000000000" pitchFamily="2" charset="2"/>
+              <a:buChar char="§"/>
+            </a:pPr>
+            <a:r>
+              <a:rPr lang="en-US" smtClean="0"/>
               <a:t>Where to find Hydrogen?</a:t>
             </a:r>
-            <a:endParaRPr lang="en-US" noProof="0" dirty="0" smtClean="0"/>
+            <a:endParaRPr lang="en-US" dirty="0" smtClean="0"/>
           </a:p>
         </p:txBody>
       </p:sp>
@@ -11842,7 +12523,7 @@
         </p:nvGraphicFramePr>
         <p:xfrm>
           <a:off x="1096963" y="1846263"/>
-          <a:ext cx="10058400" cy="2974848"/>
+          <a:ext cx="10058400" cy="3035808"/>
         </p:xfrm>
         <a:graphic>
           <a:graphicData uri="http://schemas.openxmlformats.org/drawingml/2006/table">
@@ -12861,11 +13542,7 @@
               </a:r>
               <a:r>
                 <a:rPr lang="fr-FR" dirty="0" err="1"/>
-                <a:t>m</a:t>
-              </a:r>
-              <a:r>
-                <a:rPr lang="fr-FR" dirty="0" err="1"/>
-                <a:t>etals</a:t>
+                <a:t>metals</a:t>
               </a:r>
               <a:endParaRPr lang="fr-FR" dirty="0"/>
             </a:p>
@@ -14171,7 +14848,7 @@
         </p:nvGraphicFramePr>
         <p:xfrm>
           <a:off x="1096963" y="1846263"/>
-          <a:ext cx="10058400" cy="4185920"/>
+          <a:ext cx="10058400" cy="4409440"/>
         </p:xfrm>
         <a:graphic>
           <a:graphicData uri="http://schemas.openxmlformats.org/drawingml/2006/table">
@@ -15362,7 +16039,7 @@
       </p:grpSpPr>
       <p:sp>
         <p:nvSpPr>
-          <p:cNvPr id="2" name="标题 1"/>
+          <p:cNvPr id="2" name="Title 1"/>
           <p:cNvSpPr>
             <a:spLocks noGrp="1"/>
           </p:cNvSpPr>
@@ -15376,55 +16053,130 @@
           <a:lstStyle/>
           <a:p>
             <a:r>
-              <a:rPr lang="en-US" altLang="zh-CN" noProof="0" dirty="0" smtClean="0"/>
-              <a:t>LOGIC MODEL</a:t>
-            </a:r>
-            <a:endParaRPr lang="en-US" altLang="zh-CN" noProof="0" dirty="0"/>
+              <a:rPr lang="en-US" dirty="0" smtClean="0"/>
+              <a:t>Law and governmental influence</a:t>
+            </a:r>
+            <a:endParaRPr lang="en-US" dirty="0"/>
           </a:p>
         </p:txBody>
       </p:sp>
-      <p:graphicFrame>
-        <p:nvGraphicFramePr>
-          <p:cNvPr id="4" name="Espace réservé du contenu 3"/>
-          <p:cNvGraphicFramePr>
-            <a:graphicFrameLocks noGrp="1"/>
-          </p:cNvGraphicFramePr>
+      <p:sp>
+        <p:nvSpPr>
+          <p:cNvPr id="3" name="Content Placeholder 2"/>
+          <p:cNvSpPr>
+            <a:spLocks noGrp="1"/>
+          </p:cNvSpPr>
           <p:nvPr>
             <p:ph idx="1"/>
-            <p:extLst>
-              <p:ext uri="{D42A27DB-BD31-4B8C-83A1-F6EECF244321}">
-                <p14:modId xmlns:p14="http://schemas.microsoft.com/office/powerpoint/2010/main" val="223621739"/>
-              </p:ext>
-            </p:extLst>
           </p:nvPr>
-        </p:nvGraphicFramePr>
-        <p:xfrm>
-          <a:off x="1096963" y="1846270"/>
-          <a:ext cx="10058400" cy="4022725"/>
-        </p:xfrm>
-        <a:graphic>
-          <a:graphicData uri="http://schemas.openxmlformats.org/drawingml/2006/diagram">
-            <dgm:relIds xmlns:dgm="http://schemas.openxmlformats.org/drawingml/2006/diagram" xmlns:r="http://schemas.openxmlformats.org/officeDocument/2006/relationships" r:dm="rId2" r:lo="rId3" r:qs="rId4" r:cs="rId5"/>
-          </a:graphicData>
-        </a:graphic>
-      </p:graphicFrame>
+        </p:nvSpPr>
+        <p:spPr>
+          <a:xfrm>
+            <a:off x="1097280" y="1961848"/>
+            <a:ext cx="4897120" cy="2450495"/>
+          </a:xfrm>
+          <a:ln>
+            <a:solidFill>
+              <a:schemeClr val="bg1">
+                <a:lumMod val="65000"/>
+              </a:schemeClr>
+            </a:solidFill>
+          </a:ln>
+        </p:spPr>
+        <p:txBody>
+          <a:bodyPr>
+            <a:normAutofit/>
+          </a:bodyPr>
+          <a:lstStyle/>
+          <a:p>
+            <a:pPr marL="174625" indent="-174625">
+              <a:buFont typeface="Wingdings" panose="05000000000000000000" pitchFamily="2" charset="2"/>
+              <a:buChar char="§"/>
+            </a:pPr>
+            <a:r>
+              <a:rPr lang="en-US" dirty="0" smtClean="0"/>
+              <a:t>Compare institutional environment</a:t>
+            </a:r>
+          </a:p>
+          <a:p>
+            <a:pPr marL="174625" indent="-174625">
+              <a:buFont typeface="Wingdings" panose="05000000000000000000" pitchFamily="2" charset="2"/>
+              <a:buChar char="§"/>
+            </a:pPr>
+            <a:r>
+              <a:rPr lang="en-US" dirty="0" smtClean="0"/>
+              <a:t>Starting point for research: USA, Japan, Germany (EU)</a:t>
+            </a:r>
+          </a:p>
+          <a:p>
+            <a:pPr marL="174625" indent="-174625">
+              <a:buFont typeface="Wingdings" panose="05000000000000000000" pitchFamily="2" charset="2"/>
+              <a:buChar char="§"/>
+            </a:pPr>
+            <a:r>
+              <a:rPr lang="en-US" dirty="0" smtClean="0"/>
+              <a:t>Including subsidies and other governmental support or discouragement</a:t>
+            </a:r>
+            <a:endParaRPr lang="en-US" dirty="0"/>
+          </a:p>
+        </p:txBody>
+      </p:sp>
+      <p:pic>
+        <p:nvPicPr>
+          <p:cNvPr id="1026" name="Picture 2" descr="http://ars.els-cdn.com/content/image/1-s2.0-S0360544208002144-gr7.jpg"/>
+          <p:cNvPicPr>
+            <a:picLocks noChangeAspect="1" noChangeArrowheads="1"/>
+          </p:cNvPicPr>
+          <p:nvPr/>
+        </p:nvPicPr>
+        <p:blipFill rotWithShape="1">
+          <a:blip r:embed="rId2">
+            <a:extLst>
+              <a:ext uri="{28A0092B-C50C-407E-A947-70E740481C1C}">
+                <a14:useLocalDpi xmlns:a14="http://schemas.microsoft.com/office/drawing/2010/main" val="0"/>
+              </a:ext>
+            </a:extLst>
+          </a:blip>
+          <a:srcRect l="-1179" t="-3563" r="-3651" b="-1845"/>
+          <a:stretch/>
+        </p:blipFill>
+        <p:spPr bwMode="auto">
+          <a:xfrm>
+            <a:off x="6212115" y="1961848"/>
+            <a:ext cx="5066937" cy="3077029"/>
+          </a:xfrm>
+          <a:prstGeom prst="rect">
+            <a:avLst/>
+          </a:prstGeom>
+          <a:noFill/>
+          <a:ln>
+            <a:solidFill>
+              <a:schemeClr val="bg1">
+                <a:lumMod val="65000"/>
+              </a:schemeClr>
+            </a:solidFill>
+          </a:ln>
+          <a:extLst>
+            <a:ext uri="{909E8E84-426E-40DD-AFC4-6F175D3DCCD1}">
+              <a14:hiddenFill xmlns:a14="http://schemas.microsoft.com/office/drawing/2010/main">
+                <a:solidFill>
+                  <a:srgbClr val="FFFFFF"/>
+                </a:solidFill>
+              </a14:hiddenFill>
+            </a:ext>
+          </a:extLst>
+        </p:spPr>
+      </p:pic>
     </p:spTree>
     <p:extLst>
       <p:ext uri="{BB962C8B-B14F-4D97-AF65-F5344CB8AC3E}">
-        <p14:creationId xmlns:p14="http://schemas.microsoft.com/office/powerpoint/2010/main" val="1942553195"/>
+        <p14:creationId xmlns:p14="http://schemas.microsoft.com/office/powerpoint/2010/main" val="1021945082"/>
       </p:ext>
     </p:extLst>
   </p:cSld>
   <p:clrMapOvr>
     <a:masterClrMapping/>
   </p:clrMapOvr>
-  <p:timing>
-    <p:tnLst>
-      <p:par>
-        <p:cTn id="1" dur="indefinite" restart="never" nodeType="tmRoot"/>
-      </p:par>
-    </p:tnLst>
-  </p:timing>
 </p:sld>
 </file>
 

--- a/Assignments/Presentations/2015.04.15Presentation_0.pptx
+++ b/Assignments/Presentations/2015.04.15Presentation_0.pptx
@@ -12,8 +12,8 @@
     <p:sldId id="265" r:id="rId6"/>
     <p:sldId id="268" r:id="rId7"/>
     <p:sldId id="258" r:id="rId8"/>
-    <p:sldId id="260" r:id="rId9"/>
-    <p:sldId id="272" r:id="rId10"/>
+    <p:sldId id="272" r:id="rId9"/>
+    <p:sldId id="260" r:id="rId10"/>
     <p:sldId id="261" r:id="rId11"/>
   </p:sldIdLst>
   <p:sldSz cx="12192000" cy="6858000"/>
@@ -177,7 +177,6 @@
           </a:p>
         </c:rich>
       </c:tx>
-      <c:layout/>
       <c:overlay val="0"/>
       <c:spPr>
         <a:noFill/>
@@ -359,11 +358,11 @@
         </c:dLbls>
         <c:gapWidth val="150"/>
         <c:overlap val="100"/>
-        <c:axId val="140984736"/>
-        <c:axId val="140985296"/>
+        <c:axId val="137921424"/>
+        <c:axId val="137921984"/>
       </c:barChart>
       <c:catAx>
-        <c:axId val="140984736"/>
+        <c:axId val="137921424"/>
         <c:scaling>
           <c:orientation val="minMax"/>
         </c:scaling>
@@ -406,7 +405,7 @@
             <a:endParaRPr lang="de-DE"/>
           </a:p>
         </c:txPr>
-        <c:crossAx val="140985296"/>
+        <c:crossAx val="137921984"/>
         <c:crosses val="autoZero"/>
         <c:auto val="1"/>
         <c:lblAlgn val="ctr"/>
@@ -414,7 +413,7 @@
         <c:noMultiLvlLbl val="0"/>
       </c:catAx>
       <c:valAx>
-        <c:axId val="140985296"/>
+        <c:axId val="137921984"/>
         <c:scaling>
           <c:orientation val="minMax"/>
         </c:scaling>
@@ -533,7 +532,7 @@
             <a:endParaRPr lang="de-DE"/>
           </a:p>
         </c:txPr>
-        <c:crossAx val="140984736"/>
+        <c:crossAx val="137921424"/>
         <c:crosses val="autoZero"/>
         <c:crossBetween val="between"/>
       </c:valAx>
@@ -620,7 +619,6 @@
           </a:p>
         </c:rich>
       </c:tx>
-      <c:layout/>
       <c:overlay val="0"/>
       <c:spPr>
         <a:noFill/>
@@ -826,11 +824,11 @@
         </c:dLbls>
         <c:gapWidth val="150"/>
         <c:overlap val="100"/>
-        <c:axId val="140988096"/>
-        <c:axId val="140988656"/>
+        <c:axId val="138571824"/>
+        <c:axId val="138572384"/>
       </c:barChart>
       <c:catAx>
-        <c:axId val="140988096"/>
+        <c:axId val="138571824"/>
         <c:scaling>
           <c:orientation val="minMax"/>
         </c:scaling>
@@ -873,7 +871,7 @@
             <a:endParaRPr lang="de-DE"/>
           </a:p>
         </c:txPr>
-        <c:crossAx val="140988656"/>
+        <c:crossAx val="138572384"/>
         <c:crosses val="autoZero"/>
         <c:auto val="1"/>
         <c:lblAlgn val="ctr"/>
@@ -881,7 +879,7 @@
         <c:noMultiLvlLbl val="0"/>
       </c:catAx>
       <c:valAx>
-        <c:axId val="140988656"/>
+        <c:axId val="138572384"/>
         <c:scaling>
           <c:orientation val="minMax"/>
         </c:scaling>
@@ -1000,7 +998,7 @@
             <a:endParaRPr lang="de-DE"/>
           </a:p>
         </c:txPr>
-        <c:crossAx val="140988096"/>
+        <c:crossAx val="138571824"/>
         <c:crosses val="autoZero"/>
         <c:crossBetween val="between"/>
       </c:valAx>
@@ -3893,8 +3891,8 @@
     <dgm:cxn modelId="{B5C73BD3-7E4C-40C2-A95E-ADF73D8B2256}" srcId="{B0E30588-1614-4F1A-B863-E835765ED56C}" destId="{4BC937DE-DF2D-4FFA-B88A-E5338D433781}" srcOrd="0" destOrd="0" parTransId="{1835388E-52BA-4E72-8792-3A12EDB4C03B}" sibTransId="{F59B1304-AA1E-4810-9E72-0861E45F8AE6}"/>
     <dgm:cxn modelId="{8A517DDD-C1DF-4CAA-AAE5-CCDE04277E9B}" type="presOf" srcId="{173A95D6-627F-4EE4-B440-3E9FBF53A473}" destId="{B790B033-8861-44F9-A411-A64891A1F78D}" srcOrd="0" destOrd="0" presId="urn:microsoft.com/office/officeart/2005/8/layout/hList6"/>
     <dgm:cxn modelId="{AA84AAB7-CA17-40C5-A465-15DA0C289E43}" srcId="{C9B12C90-8B57-400E-AFDB-85B1CC8B63C9}" destId="{A446800D-2712-4870-A860-B80692232F7F}" srcOrd="1" destOrd="0" parTransId="{D5CB3F02-2D52-4C7C-B42D-1F2F79D73300}" sibTransId="{21E781E9-0AC7-4C2B-9DB1-F96922E5188D}"/>
+    <dgm:cxn modelId="{C1EB94C4-3409-4152-8092-E35309B80ED3}" type="presOf" srcId="{4BC937DE-DF2D-4FFA-B88A-E5338D433781}" destId="{E2944459-30FB-4A39-B98C-CA50DEBD0FE0}" srcOrd="0" destOrd="0" presId="urn:microsoft.com/office/officeart/2005/8/layout/hList6"/>
     <dgm:cxn modelId="{88D56E5A-A386-4511-98DB-B41DB3305915}" type="presOf" srcId="{127057A1-3005-47EE-9DA0-5BB7EF177F1C}" destId="{07112225-DBE3-4767-B863-B33AE5135511}" srcOrd="0" destOrd="3" presId="urn:microsoft.com/office/officeart/2005/8/layout/hList6"/>
-    <dgm:cxn modelId="{C1EB94C4-3409-4152-8092-E35309B80ED3}" type="presOf" srcId="{4BC937DE-DF2D-4FFA-B88A-E5338D433781}" destId="{E2944459-30FB-4A39-B98C-CA50DEBD0FE0}" srcOrd="0" destOrd="0" presId="urn:microsoft.com/office/officeart/2005/8/layout/hList6"/>
     <dgm:cxn modelId="{56A39AAE-6DA0-429E-9B61-C1B68FD07691}" type="presParOf" srcId="{3E78A654-C050-4A6D-AE20-E7E88B2A53F2}" destId="{E2944459-30FB-4A39-B98C-CA50DEBD0FE0}" srcOrd="0" destOrd="0" presId="urn:microsoft.com/office/officeart/2005/8/layout/hList6"/>
     <dgm:cxn modelId="{EBC8954A-EE2E-4089-B4B5-DB4EA99C6E58}" type="presParOf" srcId="{3E78A654-C050-4A6D-AE20-E7E88B2A53F2}" destId="{50494F57-9413-46C6-806C-1F0BC7375A67}" srcOrd="1" destOrd="0" presId="urn:microsoft.com/office/officeart/2005/8/layout/hList6"/>
     <dgm:cxn modelId="{7FA9A8C4-0A23-48D0-A95B-976E3B06590C}" type="presParOf" srcId="{3E78A654-C050-4A6D-AE20-E7E88B2A53F2}" destId="{07112225-DBE3-4767-B863-B33AE5135511}" srcOrd="2" destOrd="0" presId="urn:microsoft.com/office/officeart/2005/8/layout/hList6"/>
@@ -3921,712 +3919,6 @@
       <dsp:cNvGrpSpPr/>
     </dsp:nvGrpSpPr>
     <dsp:grpSpPr/>
-    <dsp:sp modelId="{E2944459-30FB-4A39-B98C-CA50DEBD0FE0}">
-      <dsp:nvSpPr>
-        <dsp:cNvPr id="0" name=""/>
-        <dsp:cNvSpPr/>
-      </dsp:nvSpPr>
-      <dsp:spPr>
-        <a:xfrm rot="16200000">
-          <a:off x="-819168" y="821593"/>
-          <a:ext cx="4022725" cy="2379538"/>
-        </a:xfrm>
-        <a:prstGeom prst="flowChartManualOperation">
-          <a:avLst/>
-        </a:prstGeom>
-        <a:solidFill>
-          <a:schemeClr val="accent1">
-            <a:hueOff val="0"/>
-            <a:satOff val="0"/>
-            <a:lumOff val="0"/>
-            <a:alphaOff val="0"/>
-          </a:schemeClr>
-        </a:solidFill>
-        <a:ln w="15875" cap="flat" cmpd="sng" algn="ctr">
-          <a:solidFill>
-            <a:schemeClr val="lt1">
-              <a:hueOff val="0"/>
-              <a:satOff val="0"/>
-              <a:lumOff val="0"/>
-              <a:alphaOff val="0"/>
-            </a:schemeClr>
-          </a:solidFill>
-          <a:prstDash val="solid"/>
-        </a:ln>
-        <a:effectLst/>
-      </dsp:spPr>
-      <dsp:style>
-        <a:lnRef idx="2">
-          <a:scrgbClr r="0" g="0" b="0"/>
-        </a:lnRef>
-        <a:fillRef idx="1">
-          <a:scrgbClr r="0" g="0" b="0"/>
-        </a:fillRef>
-        <a:effectRef idx="0">
-          <a:scrgbClr r="0" g="0" b="0"/>
-        </a:effectRef>
-        <a:fontRef idx="minor">
-          <a:schemeClr val="lt1"/>
-        </a:fontRef>
-      </dsp:style>
-      <dsp:txBody>
-        <a:bodyPr spcFirstLastPara="0" vert="horz" wrap="square" lIns="127000" tIns="0" rIns="127000" bIns="0" numCol="1" spcCol="1270" anchor="t" anchorCtr="0">
-          <a:noAutofit/>
-        </a:bodyPr>
-        <a:lstStyle/>
-        <a:p>
-          <a:pPr lvl="0" algn="l" defTabSz="889000">
-            <a:lnSpc>
-              <a:spcPct val="90000"/>
-            </a:lnSpc>
-            <a:spcBef>
-              <a:spcPct val="0"/>
-            </a:spcBef>
-            <a:spcAft>
-              <a:spcPct val="35000"/>
-            </a:spcAft>
-          </a:pPr>
-          <a:r>
-            <a:rPr lang="fr-FR" sz="2000" b="0" i="0" u="none" kern="1200" dirty="0" err="1" smtClean="0"/>
-            <a:t>Resources</a:t>
-          </a:r>
-          <a:endParaRPr lang="fr-FR" sz="1700" i="0" kern="1200" dirty="0"/>
-        </a:p>
-        <a:p>
-          <a:pPr marL="114300" lvl="1" indent="-114300" algn="l" defTabSz="577850">
-            <a:lnSpc>
-              <a:spcPct val="90000"/>
-            </a:lnSpc>
-            <a:spcBef>
-              <a:spcPct val="0"/>
-            </a:spcBef>
-            <a:spcAft>
-              <a:spcPct val="15000"/>
-            </a:spcAft>
-            <a:buChar char="••"/>
-          </a:pPr>
-          <a:r>
-            <a:rPr lang="fr-FR" sz="1300" b="0" i="0" u="none" strike="sngStrike" kern="1200" dirty="0" smtClean="0"/>
-            <a:t>4 Team </a:t>
-          </a:r>
-          <a:r>
-            <a:rPr lang="fr-FR" sz="1300" b="0" i="0" u="none" strike="sngStrike" kern="1200" dirty="0" err="1" smtClean="0"/>
-            <a:t>members</a:t>
-          </a:r>
-          <a:endParaRPr lang="fr-FR" sz="1300" b="0" i="0" u="none" strike="sngStrike" kern="1200" dirty="0"/>
-        </a:p>
-        <a:p>
-          <a:pPr marL="114300" lvl="1" indent="-114300" algn="l" defTabSz="577850">
-            <a:lnSpc>
-              <a:spcPct val="90000"/>
-            </a:lnSpc>
-            <a:spcBef>
-              <a:spcPct val="0"/>
-            </a:spcBef>
-            <a:spcAft>
-              <a:spcPct val="15000"/>
-            </a:spcAft>
-            <a:buChar char="••"/>
-          </a:pPr>
-          <a:r>
-            <a:rPr lang="fr-FR" sz="1300" b="0" i="0" u="none" strike="sngStrike" kern="1200" dirty="0" err="1" smtClean="0"/>
-            <a:t>Lab</a:t>
-          </a:r>
-          <a:r>
-            <a:rPr lang="fr-FR" sz="1300" b="0" i="0" u="none" strike="sngStrike" kern="1200" dirty="0" smtClean="0"/>
-            <a:t> &amp; </a:t>
-          </a:r>
-          <a:r>
-            <a:rPr lang="fr-FR" sz="1300" b="0" i="0" u="none" strike="sngStrike" kern="1200" dirty="0" err="1" smtClean="0"/>
-            <a:t>Supervisor</a:t>
-          </a:r>
-          <a:endParaRPr lang="fr-FR" sz="1300" b="0" i="0" u="none" strike="sngStrike" kern="1200" dirty="0"/>
-        </a:p>
-        <a:p>
-          <a:pPr marL="114300" lvl="1" indent="-114300" algn="l" defTabSz="577850">
-            <a:lnSpc>
-              <a:spcPct val="90000"/>
-            </a:lnSpc>
-            <a:spcBef>
-              <a:spcPct val="0"/>
-            </a:spcBef>
-            <a:spcAft>
-              <a:spcPct val="15000"/>
-            </a:spcAft>
-            <a:buChar char="••"/>
-          </a:pPr>
-          <a:r>
-            <a:rPr lang="fr-FR" sz="1300" b="0" i="0" u="none" strike="sngStrike" kern="1200" dirty="0" smtClean="0"/>
-            <a:t>Documentation about IAR</a:t>
-          </a:r>
-          <a:endParaRPr lang="fr-FR" sz="1300" b="0" i="0" u="none" strike="sngStrike" kern="1200" dirty="0"/>
-        </a:p>
-        <a:p>
-          <a:pPr marL="114300" lvl="1" indent="-114300" algn="l" defTabSz="577850">
-            <a:lnSpc>
-              <a:spcPct val="90000"/>
-            </a:lnSpc>
-            <a:spcBef>
-              <a:spcPct val="0"/>
-            </a:spcBef>
-            <a:spcAft>
-              <a:spcPct val="15000"/>
-            </a:spcAft>
-            <a:buChar char="••"/>
-          </a:pPr>
-          <a:r>
-            <a:rPr lang="fr-FR" sz="1300" b="0" i="0" u="none" kern="1200" dirty="0" smtClean="0"/>
-            <a:t>Documentation about fuel </a:t>
-          </a:r>
-          <a:r>
-            <a:rPr lang="fr-FR" sz="1300" b="0" i="0" u="none" kern="1200" dirty="0" err="1" smtClean="0"/>
-            <a:t>cells</a:t>
-          </a:r>
-          <a:endParaRPr lang="fr-FR" sz="1300" b="0" i="0" u="none" kern="1200" dirty="0"/>
-        </a:p>
-        <a:p>
-          <a:pPr marL="114300" lvl="1" indent="-114300" algn="l" defTabSz="577850">
-            <a:lnSpc>
-              <a:spcPct val="90000"/>
-            </a:lnSpc>
-            <a:spcBef>
-              <a:spcPct val="0"/>
-            </a:spcBef>
-            <a:spcAft>
-              <a:spcPct val="15000"/>
-            </a:spcAft>
-            <a:buChar char="••"/>
-          </a:pPr>
-          <a:r>
-            <a:rPr lang="fr-FR" sz="1300" b="0" i="0" u="none" strike="sngStrike" kern="1200" dirty="0" smtClean="0"/>
-            <a:t>Office supplies</a:t>
-          </a:r>
-          <a:endParaRPr lang="fr-FR" sz="1300" b="0" i="0" u="none" strike="sngStrike" kern="1200" dirty="0"/>
-        </a:p>
-      </dsp:txBody>
-      <dsp:txXfrm rot="5400000">
-        <a:off x="2425" y="804545"/>
-        <a:ext cx="2379538" cy="2413635"/>
-      </dsp:txXfrm>
-    </dsp:sp>
-    <dsp:sp modelId="{07112225-DBE3-4767-B863-B33AE5135511}">
-      <dsp:nvSpPr>
-        <dsp:cNvPr id="0" name=""/>
-        <dsp:cNvSpPr/>
-      </dsp:nvSpPr>
-      <dsp:spPr>
-        <a:xfrm rot="16200000">
-          <a:off x="1738835" y="821593"/>
-          <a:ext cx="4022725" cy="2379538"/>
-        </a:xfrm>
-        <a:prstGeom prst="flowChartManualOperation">
-          <a:avLst/>
-        </a:prstGeom>
-        <a:solidFill>
-          <a:schemeClr val="accent1">
-            <a:hueOff val="0"/>
-            <a:satOff val="0"/>
-            <a:lumOff val="0"/>
-            <a:alphaOff val="0"/>
-          </a:schemeClr>
-        </a:solidFill>
-        <a:ln w="15875" cap="flat" cmpd="sng" algn="ctr">
-          <a:solidFill>
-            <a:schemeClr val="lt1">
-              <a:hueOff val="0"/>
-              <a:satOff val="0"/>
-              <a:lumOff val="0"/>
-              <a:alphaOff val="0"/>
-            </a:schemeClr>
-          </a:solidFill>
-          <a:prstDash val="solid"/>
-        </a:ln>
-        <a:effectLst/>
-      </dsp:spPr>
-      <dsp:style>
-        <a:lnRef idx="2">
-          <a:scrgbClr r="0" g="0" b="0"/>
-        </a:lnRef>
-        <a:fillRef idx="1">
-          <a:scrgbClr r="0" g="0" b="0"/>
-        </a:fillRef>
-        <a:effectRef idx="0">
-          <a:scrgbClr r="0" g="0" b="0"/>
-        </a:effectRef>
-        <a:fontRef idx="minor">
-          <a:schemeClr val="lt1"/>
-        </a:fontRef>
-      </dsp:style>
-      <dsp:txBody>
-        <a:bodyPr spcFirstLastPara="0" vert="horz" wrap="square" lIns="127000" tIns="0" rIns="127000" bIns="0" numCol="1" spcCol="1270" anchor="t" anchorCtr="0">
-          <a:noAutofit/>
-        </a:bodyPr>
-        <a:lstStyle/>
-        <a:p>
-          <a:pPr lvl="0" algn="l" defTabSz="889000">
-            <a:lnSpc>
-              <a:spcPct val="90000"/>
-            </a:lnSpc>
-            <a:spcBef>
-              <a:spcPct val="0"/>
-            </a:spcBef>
-            <a:spcAft>
-              <a:spcPct val="35000"/>
-            </a:spcAft>
-          </a:pPr>
-          <a:r>
-            <a:rPr lang="fr-FR" sz="2000" b="0" i="0" u="none" kern="1200" dirty="0" err="1" smtClean="0"/>
-            <a:t>Activities</a:t>
-          </a:r>
-          <a:endParaRPr lang="fr-FR" sz="1700" kern="1200" dirty="0"/>
-        </a:p>
-        <a:p>
-          <a:pPr marL="114300" lvl="1" indent="-114300" algn="l" defTabSz="577850">
-            <a:lnSpc>
-              <a:spcPct val="90000"/>
-            </a:lnSpc>
-            <a:spcBef>
-              <a:spcPct val="0"/>
-            </a:spcBef>
-            <a:spcAft>
-              <a:spcPct val="15000"/>
-            </a:spcAft>
-            <a:buChar char="••"/>
-          </a:pPr>
-          <a:r>
-            <a:rPr lang="fr-FR" sz="1300" b="0" i="0" u="none" strike="sngStrike" kern="1200" smtClean="0"/>
-            <a:t>Read IAR, extract structure</a:t>
-          </a:r>
-          <a:endParaRPr lang="fr-FR" sz="1300" b="0" i="0" u="none" strike="sngStrike" kern="1200" dirty="0"/>
-        </a:p>
-        <a:p>
-          <a:pPr marL="114300" lvl="1" indent="-114300" algn="l" defTabSz="577850">
-            <a:lnSpc>
-              <a:spcPct val="90000"/>
-            </a:lnSpc>
-            <a:spcBef>
-              <a:spcPct val="0"/>
-            </a:spcBef>
-            <a:spcAft>
-              <a:spcPct val="15000"/>
-            </a:spcAft>
-            <a:buChar char="••"/>
-          </a:pPr>
-          <a:r>
-            <a:rPr lang="en-US" sz="1300" b="0" i="0" u="none" strike="sngStrike" kern="1200" smtClean="0"/>
-            <a:t>Build a structure for our IAR</a:t>
-          </a:r>
-          <a:endParaRPr lang="en-US" sz="1300" b="0" i="0" u="none" strike="sngStrike" kern="1200" dirty="0"/>
-        </a:p>
-        <a:p>
-          <a:pPr marL="171450" lvl="1" indent="-171450" algn="l" defTabSz="711200">
-            <a:lnSpc>
-              <a:spcPct val="90000"/>
-            </a:lnSpc>
-            <a:spcBef>
-              <a:spcPct val="0"/>
-            </a:spcBef>
-            <a:spcAft>
-              <a:spcPct val="15000"/>
-            </a:spcAft>
-            <a:buChar char="••"/>
-          </a:pPr>
-          <a:r>
-            <a:rPr lang="en-US" sz="1600" b="1" i="0" u="none" kern="1200" dirty="0" smtClean="0"/>
-            <a:t>Read about fuel cell and surrounding industry</a:t>
-          </a:r>
-          <a:endParaRPr lang="en-US" sz="1600" b="1" i="0" u="none" kern="1200" dirty="0"/>
-        </a:p>
-        <a:p>
-          <a:pPr marL="171450" lvl="1" indent="-171450" algn="l" defTabSz="711200">
-            <a:lnSpc>
-              <a:spcPct val="90000"/>
-            </a:lnSpc>
-            <a:spcBef>
-              <a:spcPct val="0"/>
-            </a:spcBef>
-            <a:spcAft>
-              <a:spcPct val="15000"/>
-            </a:spcAft>
-            <a:buChar char="••"/>
-          </a:pPr>
-          <a:r>
-            <a:rPr lang="fr-FR" sz="1600" b="1" i="0" u="none" kern="1200" dirty="0" err="1" smtClean="0"/>
-            <a:t>Collect</a:t>
-          </a:r>
-          <a:r>
-            <a:rPr lang="fr-FR" sz="1600" b="1" i="0" u="none" kern="1200" dirty="0" smtClean="0"/>
-            <a:t> data</a:t>
-          </a:r>
-          <a:endParaRPr lang="fr-FR" sz="1600" b="1" i="0" u="none" kern="1200" dirty="0"/>
-        </a:p>
-        <a:p>
-          <a:pPr marL="171450" lvl="1" indent="-171450" algn="l" defTabSz="711200">
-            <a:lnSpc>
-              <a:spcPct val="90000"/>
-            </a:lnSpc>
-            <a:spcBef>
-              <a:spcPct val="0"/>
-            </a:spcBef>
-            <a:spcAft>
-              <a:spcPct val="15000"/>
-            </a:spcAft>
-            <a:buChar char="••"/>
-          </a:pPr>
-          <a:r>
-            <a:rPr lang="fr-FR" sz="1600" b="1" i="0" u="none" kern="1200" dirty="0" err="1" smtClean="0"/>
-            <a:t>Interact</a:t>
-          </a:r>
-          <a:r>
-            <a:rPr lang="fr-FR" sz="1600" b="1" i="0" u="none" kern="1200" dirty="0" smtClean="0"/>
-            <a:t> </a:t>
-          </a:r>
-          <a:r>
-            <a:rPr lang="fr-FR" sz="1600" b="1" i="0" u="none" kern="1200" dirty="0" err="1" smtClean="0"/>
-            <a:t>with</a:t>
-          </a:r>
-          <a:r>
-            <a:rPr lang="fr-FR" sz="1600" b="1" i="0" u="none" kern="1200" dirty="0" smtClean="0"/>
-            <a:t> the </a:t>
-          </a:r>
-          <a:r>
-            <a:rPr lang="fr-FR" sz="1600" b="1" i="0" u="none" kern="1200" dirty="0" err="1" smtClean="0"/>
-            <a:t>chemistry</a:t>
-          </a:r>
-          <a:r>
-            <a:rPr lang="fr-FR" sz="1600" b="1" i="0" u="none" kern="1200" dirty="0" smtClean="0"/>
-            <a:t> </a:t>
-          </a:r>
-          <a:r>
-            <a:rPr lang="fr-FR" sz="1600" b="1" i="0" u="none" kern="1200" dirty="0" err="1" smtClean="0"/>
-            <a:t>lab</a:t>
-          </a:r>
-          <a:endParaRPr lang="fr-FR" sz="1600" b="1" i="0" u="none" kern="1200" dirty="0"/>
-        </a:p>
-      </dsp:txBody>
-      <dsp:txXfrm rot="5400000">
-        <a:off x="2560428" y="804545"/>
-        <a:ext cx="2379538" cy="2413635"/>
-      </dsp:txXfrm>
-    </dsp:sp>
-    <dsp:sp modelId="{B790B033-8861-44F9-A411-A64891A1F78D}">
-      <dsp:nvSpPr>
-        <dsp:cNvPr id="0" name=""/>
-        <dsp:cNvSpPr/>
-      </dsp:nvSpPr>
-      <dsp:spPr>
-        <a:xfrm rot="16200000">
-          <a:off x="4296839" y="821593"/>
-          <a:ext cx="4022725" cy="2379538"/>
-        </a:xfrm>
-        <a:prstGeom prst="flowChartManualOperation">
-          <a:avLst/>
-        </a:prstGeom>
-        <a:solidFill>
-          <a:schemeClr val="accent1">
-            <a:hueOff val="0"/>
-            <a:satOff val="0"/>
-            <a:lumOff val="0"/>
-            <a:alphaOff val="0"/>
-          </a:schemeClr>
-        </a:solidFill>
-        <a:ln w="15875" cap="flat" cmpd="sng" algn="ctr">
-          <a:solidFill>
-            <a:schemeClr val="lt1">
-              <a:hueOff val="0"/>
-              <a:satOff val="0"/>
-              <a:lumOff val="0"/>
-              <a:alphaOff val="0"/>
-            </a:schemeClr>
-          </a:solidFill>
-          <a:prstDash val="solid"/>
-        </a:ln>
-        <a:effectLst/>
-      </dsp:spPr>
-      <dsp:style>
-        <a:lnRef idx="2">
-          <a:scrgbClr r="0" g="0" b="0"/>
-        </a:lnRef>
-        <a:fillRef idx="1">
-          <a:scrgbClr r="0" g="0" b="0"/>
-        </a:fillRef>
-        <a:effectRef idx="0">
-          <a:scrgbClr r="0" g="0" b="0"/>
-        </a:effectRef>
-        <a:fontRef idx="minor">
-          <a:schemeClr val="lt1"/>
-        </a:fontRef>
-      </dsp:style>
-      <dsp:txBody>
-        <a:bodyPr spcFirstLastPara="0" vert="horz" wrap="square" lIns="127000" tIns="0" rIns="127000" bIns="0" numCol="1" spcCol="1270" anchor="t" anchorCtr="0">
-          <a:noAutofit/>
-        </a:bodyPr>
-        <a:lstStyle/>
-        <a:p>
-          <a:pPr lvl="0" algn="l" defTabSz="889000">
-            <a:lnSpc>
-              <a:spcPct val="90000"/>
-            </a:lnSpc>
-            <a:spcBef>
-              <a:spcPct val="0"/>
-            </a:spcBef>
-            <a:spcAft>
-              <a:spcPct val="35000"/>
-            </a:spcAft>
-          </a:pPr>
-          <a:r>
-            <a:rPr lang="fr-FR" sz="2000" kern="1200" dirty="0" err="1" smtClean="0"/>
-            <a:t>Outcomes</a:t>
-          </a:r>
-          <a:endParaRPr lang="fr-FR" sz="1700" kern="1200" dirty="0"/>
-        </a:p>
-        <a:p>
-          <a:pPr marL="114300" lvl="1" indent="-114300" algn="l" defTabSz="577850">
-            <a:lnSpc>
-              <a:spcPct val="90000"/>
-            </a:lnSpc>
-            <a:spcBef>
-              <a:spcPct val="0"/>
-            </a:spcBef>
-            <a:spcAft>
-              <a:spcPct val="15000"/>
-            </a:spcAft>
-            <a:buChar char="••"/>
-          </a:pPr>
-          <a:r>
-            <a:rPr lang="fr-FR" sz="1300" b="0" i="0" u="none" kern="1200" dirty="0" smtClean="0"/>
-            <a:t>IAR</a:t>
-          </a:r>
-          <a:endParaRPr lang="fr-FR" sz="1300" kern="1200" dirty="0"/>
-        </a:p>
-        <a:p>
-          <a:pPr marL="114300" lvl="1" indent="-114300" algn="l" defTabSz="577850">
-            <a:lnSpc>
-              <a:spcPct val="90000"/>
-            </a:lnSpc>
-            <a:spcBef>
-              <a:spcPct val="0"/>
-            </a:spcBef>
-            <a:spcAft>
-              <a:spcPct val="15000"/>
-            </a:spcAft>
-            <a:buChar char="••"/>
-          </a:pPr>
-          <a:r>
-            <a:rPr lang="fr-FR" sz="1300" b="0" i="0" u="none" kern="1200" dirty="0" smtClean="0"/>
-            <a:t>Collaboration </a:t>
-          </a:r>
-          <a:r>
-            <a:rPr lang="fr-FR" sz="1300" b="0" i="0" u="none" kern="1200" dirty="0" err="1" smtClean="0"/>
-            <a:t>with</a:t>
-          </a:r>
-          <a:r>
-            <a:rPr lang="fr-FR" sz="1300" b="0" i="0" u="none" kern="1200" dirty="0" smtClean="0"/>
-            <a:t> </a:t>
-          </a:r>
-          <a:r>
-            <a:rPr lang="fr-FR" sz="1300" b="0" i="0" u="none" kern="1200" dirty="0" err="1" smtClean="0"/>
-            <a:t>chemistry</a:t>
-          </a:r>
-          <a:r>
-            <a:rPr lang="fr-FR" sz="1300" b="0" i="0" u="none" kern="1200" dirty="0" smtClean="0"/>
-            <a:t> </a:t>
-          </a:r>
-          <a:r>
-            <a:rPr lang="fr-FR" sz="1300" b="0" i="0" u="none" kern="1200" dirty="0" err="1" smtClean="0"/>
-            <a:t>lab</a:t>
-          </a:r>
-          <a:endParaRPr lang="fr-FR" sz="1300" kern="1200" dirty="0"/>
-        </a:p>
-        <a:p>
-          <a:pPr marL="114300" lvl="1" indent="-114300" algn="l" defTabSz="577850">
-            <a:lnSpc>
-              <a:spcPct val="90000"/>
-            </a:lnSpc>
-            <a:spcBef>
-              <a:spcPct val="0"/>
-            </a:spcBef>
-            <a:spcAft>
-              <a:spcPct val="15000"/>
-            </a:spcAft>
-            <a:buChar char="••"/>
-          </a:pPr>
-          <a:endParaRPr lang="fr-FR" sz="1300" b="0" i="0" u="none" kern="1200" dirty="0"/>
-        </a:p>
-      </dsp:txBody>
-      <dsp:txXfrm rot="5400000">
-        <a:off x="5118432" y="804545"/>
-        <a:ext cx="2379538" cy="2413635"/>
-      </dsp:txXfrm>
-    </dsp:sp>
-    <dsp:sp modelId="{5F91C283-CBEC-401B-9811-6B9815385BF4}">
-      <dsp:nvSpPr>
-        <dsp:cNvPr id="0" name=""/>
-        <dsp:cNvSpPr/>
-      </dsp:nvSpPr>
-      <dsp:spPr>
-        <a:xfrm rot="16200000">
-          <a:off x="6854843" y="821593"/>
-          <a:ext cx="4022725" cy="2379538"/>
-        </a:xfrm>
-        <a:prstGeom prst="flowChartManualOperation">
-          <a:avLst/>
-        </a:prstGeom>
-        <a:solidFill>
-          <a:schemeClr val="accent1">
-            <a:hueOff val="0"/>
-            <a:satOff val="0"/>
-            <a:lumOff val="0"/>
-            <a:alphaOff val="0"/>
-          </a:schemeClr>
-        </a:solidFill>
-        <a:ln w="15875" cap="flat" cmpd="sng" algn="ctr">
-          <a:solidFill>
-            <a:schemeClr val="lt1">
-              <a:hueOff val="0"/>
-              <a:satOff val="0"/>
-              <a:lumOff val="0"/>
-              <a:alphaOff val="0"/>
-            </a:schemeClr>
-          </a:solidFill>
-          <a:prstDash val="solid"/>
-        </a:ln>
-        <a:effectLst/>
-      </dsp:spPr>
-      <dsp:style>
-        <a:lnRef idx="2">
-          <a:scrgbClr r="0" g="0" b="0"/>
-        </a:lnRef>
-        <a:fillRef idx="1">
-          <a:scrgbClr r="0" g="0" b="0"/>
-        </a:fillRef>
-        <a:effectRef idx="0">
-          <a:scrgbClr r="0" g="0" b="0"/>
-        </a:effectRef>
-        <a:fontRef idx="minor">
-          <a:schemeClr val="lt1"/>
-        </a:fontRef>
-      </dsp:style>
-      <dsp:txBody>
-        <a:bodyPr spcFirstLastPara="0" vert="horz" wrap="square" lIns="127000" tIns="0" rIns="127000" bIns="0" numCol="1" spcCol="1270" anchor="t" anchorCtr="0">
-          <a:noAutofit/>
-        </a:bodyPr>
-        <a:lstStyle/>
-        <a:p>
-          <a:pPr lvl="0" algn="l" defTabSz="889000">
-            <a:lnSpc>
-              <a:spcPct val="90000"/>
-            </a:lnSpc>
-            <a:spcBef>
-              <a:spcPct val="0"/>
-            </a:spcBef>
-            <a:spcAft>
-              <a:spcPct val="35000"/>
-            </a:spcAft>
-          </a:pPr>
-          <a:r>
-            <a:rPr lang="fr-FR" sz="2000" kern="1200" dirty="0" smtClean="0"/>
-            <a:t>Outputs</a:t>
-          </a:r>
-          <a:endParaRPr lang="fr-FR" sz="1700" kern="1200" dirty="0"/>
-        </a:p>
-        <a:p>
-          <a:pPr marL="114300" lvl="1" indent="-114300" algn="l" defTabSz="577850">
-            <a:lnSpc>
-              <a:spcPct val="90000"/>
-            </a:lnSpc>
-            <a:spcBef>
-              <a:spcPct val="0"/>
-            </a:spcBef>
-            <a:spcAft>
-              <a:spcPct val="15000"/>
-            </a:spcAft>
-            <a:buChar char="••"/>
-          </a:pPr>
-          <a:r>
-            <a:rPr lang="en-US" sz="1300" b="0" i="0" u="none" kern="1200" dirty="0" smtClean="0"/>
-            <a:t>Have knowledge about global fuel cell industry (e.g. technology, application, manufacturers, risks, opportunities</a:t>
-          </a:r>
-          <a:endParaRPr lang="fr-FR" sz="1300" kern="1200" dirty="0"/>
-        </a:p>
-        <a:p>
-          <a:pPr marL="114300" lvl="1" indent="-114300" algn="l" defTabSz="577850">
-            <a:lnSpc>
-              <a:spcPct val="90000"/>
-            </a:lnSpc>
-            <a:spcBef>
-              <a:spcPct val="0"/>
-            </a:spcBef>
-            <a:spcAft>
-              <a:spcPct val="15000"/>
-            </a:spcAft>
-            <a:buChar char="••"/>
-          </a:pPr>
-          <a:r>
-            <a:rPr lang="en-US" sz="1300" b="0" i="0" u="none" kern="1200" smtClean="0"/>
-            <a:t>Being able to identify needs of the market</a:t>
-          </a:r>
-          <a:endParaRPr lang="en-US" sz="1300" kern="1200"/>
-        </a:p>
-        <a:p>
-          <a:pPr marL="114300" lvl="1" indent="-114300" algn="l" defTabSz="577850">
-            <a:lnSpc>
-              <a:spcPct val="90000"/>
-            </a:lnSpc>
-            <a:spcBef>
-              <a:spcPct val="0"/>
-            </a:spcBef>
-            <a:spcAft>
-              <a:spcPct val="15000"/>
-            </a:spcAft>
-            <a:buChar char="••"/>
-          </a:pPr>
-          <a:r>
-            <a:rPr lang="en-US" sz="1300" b="0" i="0" u="none" kern="1200" smtClean="0"/>
-            <a:t>Ability to write an IAR</a:t>
-          </a:r>
-          <a:endParaRPr lang="en-US" sz="1300" kern="1200"/>
-        </a:p>
-        <a:p>
-          <a:pPr marL="114300" lvl="1" indent="-114300" algn="l" defTabSz="577850">
-            <a:lnSpc>
-              <a:spcPct val="90000"/>
-            </a:lnSpc>
-            <a:spcBef>
-              <a:spcPct val="0"/>
-            </a:spcBef>
-            <a:spcAft>
-              <a:spcPct val="15000"/>
-            </a:spcAft>
-            <a:buChar char="••"/>
-          </a:pPr>
-          <a:r>
-            <a:rPr lang="en-US" sz="1300" b="0" i="0" u="none" kern="1200" dirty="0" smtClean="0"/>
-            <a:t>IAR available for other people</a:t>
-          </a:r>
-          <a:endParaRPr lang="en-US" sz="1300" kern="1200" dirty="0"/>
-        </a:p>
-        <a:p>
-          <a:pPr marL="114300" lvl="1" indent="-114300" algn="l" defTabSz="577850">
-            <a:lnSpc>
-              <a:spcPct val="90000"/>
-            </a:lnSpc>
-            <a:spcBef>
-              <a:spcPct val="0"/>
-            </a:spcBef>
-            <a:spcAft>
-              <a:spcPct val="15000"/>
-            </a:spcAft>
-            <a:buChar char="••"/>
-          </a:pPr>
-          <a:endParaRPr lang="fr-FR" sz="1300" kern="1200"/>
-        </a:p>
-      </dsp:txBody>
-      <dsp:txXfrm rot="5400000">
-        <a:off x="7676436" y="804545"/>
-        <a:ext cx="2379538" cy="2413635"/>
-      </dsp:txXfrm>
-    </dsp:sp>
   </dsp:spTree>
 </dsp:drawing>
 </file>
@@ -6063,7 +5355,7 @@
           <a:p>
             <a:fld id="{02F0B32B-ED32-4907-B4C8-E651EEA6C8DE}" type="datetimeFigureOut">
               <a:rPr lang="fr-FR" smtClean="0"/>
-              <a:t>13/04/2015</a:t>
+              <a:t>14/04/2015</a:t>
             </a:fld>
             <a:endParaRPr lang="fr-FR"/>
           </a:p>
@@ -6271,7 +5563,7 @@
           <a:p>
             <a:fld id="{02F0B32B-ED32-4907-B4C8-E651EEA6C8DE}" type="datetimeFigureOut">
               <a:rPr lang="fr-FR" smtClean="0"/>
-              <a:t>13/04/2015</a:t>
+              <a:t>14/04/2015</a:t>
             </a:fld>
             <a:endParaRPr lang="fr-FR"/>
           </a:p>
@@ -6527,7 +5819,7 @@
           <a:p>
             <a:fld id="{02F0B32B-ED32-4907-B4C8-E651EEA6C8DE}" type="datetimeFigureOut">
               <a:rPr lang="fr-FR" smtClean="0"/>
-              <a:t>13/04/2015</a:t>
+              <a:t>14/04/2015</a:t>
             </a:fld>
             <a:endParaRPr lang="fr-FR"/>
           </a:p>
@@ -6697,7 +5989,7 @@
           <a:p>
             <a:fld id="{02F0B32B-ED32-4907-B4C8-E651EEA6C8DE}" type="datetimeFigureOut">
               <a:rPr lang="fr-FR" smtClean="0"/>
-              <a:t>13/04/2015</a:t>
+              <a:t>14/04/2015</a:t>
             </a:fld>
             <a:endParaRPr lang="fr-FR"/>
           </a:p>
@@ -7040,7 +6332,7 @@
           <a:p>
             <a:fld id="{02F0B32B-ED32-4907-B4C8-E651EEA6C8DE}" type="datetimeFigureOut">
               <a:rPr lang="fr-FR" smtClean="0"/>
-              <a:t>13/04/2015</a:t>
+              <a:t>14/04/2015</a:t>
             </a:fld>
             <a:endParaRPr lang="fr-FR"/>
           </a:p>
@@ -7315,7 +6607,7 @@
           <a:p>
             <a:fld id="{02F0B32B-ED32-4907-B4C8-E651EEA6C8DE}" type="datetimeFigureOut">
               <a:rPr lang="fr-FR" smtClean="0"/>
-              <a:t>13/04/2015</a:t>
+              <a:t>14/04/2015</a:t>
             </a:fld>
             <a:endParaRPr lang="fr-FR"/>
           </a:p>
@@ -7694,7 +6986,7 @@
           <a:p>
             <a:fld id="{02F0B32B-ED32-4907-B4C8-E651EEA6C8DE}" type="datetimeFigureOut">
               <a:rPr lang="fr-FR" smtClean="0"/>
-              <a:t>13/04/2015</a:t>
+              <a:t>14/04/2015</a:t>
             </a:fld>
             <a:endParaRPr lang="fr-FR"/>
           </a:p>
@@ -7812,7 +7104,7 @@
           <a:p>
             <a:fld id="{02F0B32B-ED32-4907-B4C8-E651EEA6C8DE}" type="datetimeFigureOut">
               <a:rPr lang="fr-FR" smtClean="0"/>
-              <a:t>13/04/2015</a:t>
+              <a:t>14/04/2015</a:t>
             </a:fld>
             <a:endParaRPr lang="fr-FR"/>
           </a:p>
@@ -7983,7 +7275,7 @@
           <a:p>
             <a:fld id="{02F0B32B-ED32-4907-B4C8-E651EEA6C8DE}" type="datetimeFigureOut">
               <a:rPr lang="fr-FR" smtClean="0"/>
-              <a:t>13/04/2015</a:t>
+              <a:t>14/04/2015</a:t>
             </a:fld>
             <a:endParaRPr lang="fr-FR"/>
           </a:p>
@@ -8337,7 +7629,7 @@
           <a:p>
             <a:fld id="{02F0B32B-ED32-4907-B4C8-E651EEA6C8DE}" type="datetimeFigureOut">
               <a:rPr lang="fr-FR" smtClean="0"/>
-              <a:t>13/04/2015</a:t>
+              <a:t>14/04/2015</a:t>
             </a:fld>
             <a:endParaRPr lang="fr-FR"/>
           </a:p>
@@ -8714,7 +8006,7 @@
           <a:p>
             <a:fld id="{02F0B32B-ED32-4907-B4C8-E651EEA6C8DE}" type="datetimeFigureOut">
               <a:rPr lang="fr-FR" smtClean="0"/>
-              <a:t>13/04/2015</a:t>
+              <a:t>14/04/2015</a:t>
             </a:fld>
             <a:endParaRPr lang="fr-FR"/>
           </a:p>
@@ -9001,7 +8293,7 @@
           <a:p>
             <a:fld id="{02F0B32B-ED32-4907-B4C8-E651EEA6C8DE}" type="datetimeFigureOut">
               <a:rPr lang="fr-FR" smtClean="0"/>
-              <a:t>13/04/2015</a:t>
+              <a:t>14/04/2015</a:t>
             </a:fld>
             <a:endParaRPr lang="fr-FR"/>
           </a:p>
@@ -9858,7 +9150,9 @@
           </a:ln>
         </p:spPr>
         <p:txBody>
-          <a:bodyPr/>
+          <a:bodyPr>
+            <a:normAutofit fontScale="92500" lnSpcReduction="10000"/>
+          </a:bodyPr>
           <a:lstStyle/>
           <a:p>
             <a:pPr marL="266687" indent="-165092">
@@ -9881,7 +9175,15 @@
             </a:r>
             <a:r>
               <a:rPr lang="en-US" noProof="0" dirty="0" smtClean="0"/>
-              <a:t>cells</a:t>
+              <a:t>cells understandable/</a:t>
+            </a:r>
+            <a:r>
+              <a:rPr lang="en-US" noProof="0" dirty="0" err="1" smtClean="0"/>
+              <a:t>accesible</a:t>
+            </a:r>
+            <a:r>
+              <a:rPr lang="en-US" noProof="0" dirty="0" smtClean="0"/>
+              <a:t> by everyone</a:t>
             </a:r>
             <a:endParaRPr lang="en-US" noProof="0" dirty="0" smtClean="0"/>
           </a:p>
@@ -14810,6 +14112,166 @@
       </p:grpSpPr>
       <p:sp>
         <p:nvSpPr>
+          <p:cNvPr id="2" name="Title 1"/>
+          <p:cNvSpPr>
+            <a:spLocks noGrp="1"/>
+          </p:cNvSpPr>
+          <p:nvPr>
+            <p:ph type="title"/>
+          </p:nvPr>
+        </p:nvSpPr>
+        <p:spPr/>
+        <p:txBody>
+          <a:bodyPr/>
+          <a:lstStyle/>
+          <a:p>
+            <a:r>
+              <a:rPr lang="en-US" dirty="0" smtClean="0"/>
+              <a:t>Law and governmental influence</a:t>
+            </a:r>
+            <a:endParaRPr lang="en-US" dirty="0"/>
+          </a:p>
+        </p:txBody>
+      </p:sp>
+      <p:sp>
+        <p:nvSpPr>
+          <p:cNvPr id="3" name="Content Placeholder 2"/>
+          <p:cNvSpPr>
+            <a:spLocks noGrp="1"/>
+          </p:cNvSpPr>
+          <p:nvPr>
+            <p:ph idx="1"/>
+          </p:nvPr>
+        </p:nvSpPr>
+        <p:spPr>
+          <a:xfrm>
+            <a:off x="1097280" y="1961848"/>
+            <a:ext cx="4897120" cy="1937799"/>
+          </a:xfrm>
+          <a:ln>
+            <a:solidFill>
+              <a:schemeClr val="bg1">
+                <a:lumMod val="65000"/>
+              </a:schemeClr>
+            </a:solidFill>
+          </a:ln>
+        </p:spPr>
+        <p:txBody>
+          <a:bodyPr>
+            <a:normAutofit/>
+          </a:bodyPr>
+          <a:lstStyle/>
+          <a:p>
+            <a:pPr marL="174625" indent="-174625">
+              <a:buFont typeface="Wingdings" panose="05000000000000000000" pitchFamily="2" charset="2"/>
+              <a:buChar char="§"/>
+            </a:pPr>
+            <a:r>
+              <a:rPr lang="en-US" dirty="0" smtClean="0"/>
+              <a:t>Compare institutional environment</a:t>
+            </a:r>
+          </a:p>
+          <a:p>
+            <a:pPr marL="174625" indent="-174625">
+              <a:buFont typeface="Wingdings" panose="05000000000000000000" pitchFamily="2" charset="2"/>
+              <a:buChar char="§"/>
+            </a:pPr>
+            <a:r>
+              <a:rPr lang="en-US" dirty="0" smtClean="0"/>
+              <a:t>Starting point for research: USA, Japan, Germany (EU)</a:t>
+            </a:r>
+          </a:p>
+          <a:p>
+            <a:pPr marL="174625" indent="-174625">
+              <a:buFont typeface="Wingdings" panose="05000000000000000000" pitchFamily="2" charset="2"/>
+              <a:buChar char="§"/>
+            </a:pPr>
+            <a:r>
+              <a:rPr lang="en-US" dirty="0" smtClean="0"/>
+              <a:t>Including subsidies and other governmental support or discouragement</a:t>
+            </a:r>
+            <a:endParaRPr lang="en-US" dirty="0"/>
+          </a:p>
+        </p:txBody>
+      </p:sp>
+      <p:pic>
+        <p:nvPicPr>
+          <p:cNvPr id="1026" name="Picture 2" descr="http://ars.els-cdn.com/content/image/1-s2.0-S0360544208002144-gr7.jpg"/>
+          <p:cNvPicPr>
+            <a:picLocks noChangeAspect="1" noChangeArrowheads="1"/>
+          </p:cNvPicPr>
+          <p:nvPr/>
+        </p:nvPicPr>
+        <p:blipFill rotWithShape="1">
+          <a:blip r:embed="rId2">
+            <a:extLst>
+              <a:ext uri="{28A0092B-C50C-407E-A947-70E740481C1C}">
+                <a14:useLocalDpi xmlns:a14="http://schemas.microsoft.com/office/drawing/2010/main" val="0"/>
+              </a:ext>
+            </a:extLst>
+          </a:blip>
+          <a:srcRect l="-1179" t="-3563" r="-3651" b="-1845"/>
+          <a:stretch/>
+        </p:blipFill>
+        <p:spPr bwMode="auto">
+          <a:xfrm>
+            <a:off x="6180268" y="1961848"/>
+            <a:ext cx="5066937" cy="3077029"/>
+          </a:xfrm>
+          <a:prstGeom prst="rect">
+            <a:avLst/>
+          </a:prstGeom>
+          <a:noFill/>
+          <a:ln>
+            <a:solidFill>
+              <a:schemeClr val="bg1">
+                <a:lumMod val="65000"/>
+              </a:schemeClr>
+            </a:solidFill>
+          </a:ln>
+          <a:extLst>
+            <a:ext uri="{909E8E84-426E-40DD-AFC4-6F175D3DCCD1}">
+              <a14:hiddenFill xmlns:a14="http://schemas.microsoft.com/office/drawing/2010/main">
+                <a:solidFill>
+                  <a:srgbClr val="FFFFFF"/>
+                </a:solidFill>
+              </a14:hiddenFill>
+            </a:ext>
+          </a:extLst>
+        </p:spPr>
+      </p:pic>
+    </p:spTree>
+    <p:extLst>
+      <p:ext uri="{BB962C8B-B14F-4D97-AF65-F5344CB8AC3E}">
+        <p14:creationId xmlns:p14="http://schemas.microsoft.com/office/powerpoint/2010/main" val="1021945082"/>
+      </p:ext>
+    </p:extLst>
+  </p:cSld>
+  <p:clrMapOvr>
+    <a:masterClrMapping/>
+  </p:clrMapOvr>
+</p:sld>
+</file>
+
+<file path=ppt/slides/slide9.xml><?xml version="1.0" encoding="utf-8"?>
+<p:sld xmlns:a="http://schemas.openxmlformats.org/drawingml/2006/main" xmlns:r="http://schemas.openxmlformats.org/officeDocument/2006/relationships" xmlns:p="http://schemas.openxmlformats.org/presentationml/2006/main">
+  <p:cSld>
+    <p:spTree>
+      <p:nvGrpSpPr>
+        <p:cNvPr id="1" name=""/>
+        <p:cNvGrpSpPr/>
+        <p:nvPr/>
+      </p:nvGrpSpPr>
+      <p:grpSpPr>
+        <a:xfrm>
+          <a:off x="0" y="0"/>
+          <a:ext cx="0" cy="0"/>
+          <a:chOff x="0" y="0"/>
+          <a:chExt cx="0" cy="0"/>
+        </a:xfrm>
+      </p:grpSpPr>
+      <p:sp>
+        <p:nvSpPr>
           <p:cNvPr id="2" name="标题 1"/>
           <p:cNvSpPr>
             <a:spLocks noGrp="1"/>
@@ -16020,166 +15482,6 @@
 </p:sld>
 </file>
 
-<file path=ppt/slides/slide9.xml><?xml version="1.0" encoding="utf-8"?>
-<p:sld xmlns:a="http://schemas.openxmlformats.org/drawingml/2006/main" xmlns:r="http://schemas.openxmlformats.org/officeDocument/2006/relationships" xmlns:p="http://schemas.openxmlformats.org/presentationml/2006/main">
-  <p:cSld>
-    <p:spTree>
-      <p:nvGrpSpPr>
-        <p:cNvPr id="1" name=""/>
-        <p:cNvGrpSpPr/>
-        <p:nvPr/>
-      </p:nvGrpSpPr>
-      <p:grpSpPr>
-        <a:xfrm>
-          <a:off x="0" y="0"/>
-          <a:ext cx="0" cy="0"/>
-          <a:chOff x="0" y="0"/>
-          <a:chExt cx="0" cy="0"/>
-        </a:xfrm>
-      </p:grpSpPr>
-      <p:sp>
-        <p:nvSpPr>
-          <p:cNvPr id="2" name="Title 1"/>
-          <p:cNvSpPr>
-            <a:spLocks noGrp="1"/>
-          </p:cNvSpPr>
-          <p:nvPr>
-            <p:ph type="title"/>
-          </p:nvPr>
-        </p:nvSpPr>
-        <p:spPr/>
-        <p:txBody>
-          <a:bodyPr/>
-          <a:lstStyle/>
-          <a:p>
-            <a:r>
-              <a:rPr lang="en-US" dirty="0" smtClean="0"/>
-              <a:t>Law and governmental influence</a:t>
-            </a:r>
-            <a:endParaRPr lang="en-US" dirty="0"/>
-          </a:p>
-        </p:txBody>
-      </p:sp>
-      <p:sp>
-        <p:nvSpPr>
-          <p:cNvPr id="3" name="Content Placeholder 2"/>
-          <p:cNvSpPr>
-            <a:spLocks noGrp="1"/>
-          </p:cNvSpPr>
-          <p:nvPr>
-            <p:ph idx="1"/>
-          </p:nvPr>
-        </p:nvSpPr>
-        <p:spPr>
-          <a:xfrm>
-            <a:off x="1097280" y="1961848"/>
-            <a:ext cx="4897120" cy="2450495"/>
-          </a:xfrm>
-          <a:ln>
-            <a:solidFill>
-              <a:schemeClr val="bg1">
-                <a:lumMod val="65000"/>
-              </a:schemeClr>
-            </a:solidFill>
-          </a:ln>
-        </p:spPr>
-        <p:txBody>
-          <a:bodyPr>
-            <a:normAutofit/>
-          </a:bodyPr>
-          <a:lstStyle/>
-          <a:p>
-            <a:pPr marL="174625" indent="-174625">
-              <a:buFont typeface="Wingdings" panose="05000000000000000000" pitchFamily="2" charset="2"/>
-              <a:buChar char="§"/>
-            </a:pPr>
-            <a:r>
-              <a:rPr lang="en-US" dirty="0" smtClean="0"/>
-              <a:t>Compare institutional environment</a:t>
-            </a:r>
-          </a:p>
-          <a:p>
-            <a:pPr marL="174625" indent="-174625">
-              <a:buFont typeface="Wingdings" panose="05000000000000000000" pitchFamily="2" charset="2"/>
-              <a:buChar char="§"/>
-            </a:pPr>
-            <a:r>
-              <a:rPr lang="en-US" dirty="0" smtClean="0"/>
-              <a:t>Starting point for research: USA, Japan, Germany (EU)</a:t>
-            </a:r>
-          </a:p>
-          <a:p>
-            <a:pPr marL="174625" indent="-174625">
-              <a:buFont typeface="Wingdings" panose="05000000000000000000" pitchFamily="2" charset="2"/>
-              <a:buChar char="§"/>
-            </a:pPr>
-            <a:r>
-              <a:rPr lang="en-US" dirty="0" smtClean="0"/>
-              <a:t>Including subsidies and other governmental support or discouragement</a:t>
-            </a:r>
-            <a:endParaRPr lang="en-US" dirty="0"/>
-          </a:p>
-        </p:txBody>
-      </p:sp>
-      <p:pic>
-        <p:nvPicPr>
-          <p:cNvPr id="1026" name="Picture 2" descr="http://ars.els-cdn.com/content/image/1-s2.0-S0360544208002144-gr7.jpg"/>
-          <p:cNvPicPr>
-            <a:picLocks noChangeAspect="1" noChangeArrowheads="1"/>
-          </p:cNvPicPr>
-          <p:nvPr/>
-        </p:nvPicPr>
-        <p:blipFill rotWithShape="1">
-          <a:blip r:embed="rId2">
-            <a:extLst>
-              <a:ext uri="{28A0092B-C50C-407E-A947-70E740481C1C}">
-                <a14:useLocalDpi xmlns:a14="http://schemas.microsoft.com/office/drawing/2010/main" val="0"/>
-              </a:ext>
-            </a:extLst>
-          </a:blip>
-          <a:srcRect l="-1179" t="-3563" r="-3651" b="-1845"/>
-          <a:stretch/>
-        </p:blipFill>
-        <p:spPr bwMode="auto">
-          <a:xfrm>
-            <a:off x="6212115" y="1961848"/>
-            <a:ext cx="5066937" cy="3077029"/>
-          </a:xfrm>
-          <a:prstGeom prst="rect">
-            <a:avLst/>
-          </a:prstGeom>
-          <a:noFill/>
-          <a:ln>
-            <a:solidFill>
-              <a:schemeClr val="bg1">
-                <a:lumMod val="65000"/>
-              </a:schemeClr>
-            </a:solidFill>
-          </a:ln>
-          <a:extLst>
-            <a:ext uri="{909E8E84-426E-40DD-AFC4-6F175D3DCCD1}">
-              <a14:hiddenFill xmlns:a14="http://schemas.microsoft.com/office/drawing/2010/main">
-                <a:solidFill>
-                  <a:srgbClr val="FFFFFF"/>
-                </a:solidFill>
-              </a14:hiddenFill>
-            </a:ext>
-          </a:extLst>
-        </p:spPr>
-      </p:pic>
-    </p:spTree>
-    <p:extLst>
-      <p:ext uri="{BB962C8B-B14F-4D97-AF65-F5344CB8AC3E}">
-        <p14:creationId xmlns:p14="http://schemas.microsoft.com/office/powerpoint/2010/main" val="1021945082"/>
-      </p:ext>
-    </p:extLst>
-  </p:cSld>
-  <p:clrMapOvr>
-    <a:masterClrMapping/>
-  </p:clrMapOvr>
-</p:sld>
-</file>
-
 <file path=ppt/theme/theme1.xml><?xml version="1.0" encoding="utf-8"?>
 <a:theme xmlns:a="http://schemas.openxmlformats.org/drawingml/2006/main" name="Rétrospective">
   <a:themeElements>
